--- a/EN - Deel 2 Explanation DPP and validationtool.pptx
+++ b/EN - Deel 2 Explanation DPP and validationtool.pptx
@@ -5,25 +5,27 @@
     <p:sldMasterId id="2147483648" r:id="rId4"/>
   </p:sldMasterIdLst>
   <p:notesMasterIdLst>
-    <p:notesMasterId r:id="rId16"/>
+    <p:notesMasterId r:id="rId18"/>
   </p:notesMasterIdLst>
   <p:sldIdLst>
     <p:sldId id="379" r:id="rId5"/>
     <p:sldId id="397" r:id="rId6"/>
     <p:sldId id="385" r:id="rId7"/>
     <p:sldId id="396" r:id="rId8"/>
-    <p:sldId id="388" r:id="rId9"/>
-    <p:sldId id="398" r:id="rId10"/>
-    <p:sldId id="399" r:id="rId11"/>
-    <p:sldId id="400" r:id="rId12"/>
-    <p:sldId id="401" r:id="rId13"/>
-    <p:sldId id="402" r:id="rId14"/>
-    <p:sldId id="403" r:id="rId15"/>
+    <p:sldId id="404" r:id="rId9"/>
+    <p:sldId id="405" r:id="rId10"/>
+    <p:sldId id="388" r:id="rId11"/>
+    <p:sldId id="398" r:id="rId12"/>
+    <p:sldId id="399" r:id="rId13"/>
+    <p:sldId id="400" r:id="rId14"/>
+    <p:sldId id="401" r:id="rId15"/>
+    <p:sldId id="402" r:id="rId16"/>
+    <p:sldId id="403" r:id="rId17"/>
   </p:sldIdLst>
   <p:sldSz cx="12192000" cy="6858000"/>
   <p:notesSz cx="6858000" cy="9144000"/>
   <p:custDataLst>
-    <p:tags r:id="rId17"/>
+    <p:tags r:id="rId19"/>
   </p:custDataLst>
   <p:defaultTextStyle>
     <a:defPPr>
@@ -152,7 +154,7 @@
 <file path=ppt/revisionInfo.xml><?xml version="1.0" encoding="utf-8"?>
 <p1510:revInfo xmlns:a="http://schemas.openxmlformats.org/drawingml/2006/main" xmlns:r="http://schemas.openxmlformats.org/officeDocument/2006/relationships" xmlns:p1510="http://schemas.microsoft.com/office/powerpoint/2015/10/main">
   <p1510:revLst>
-    <p1510:client id="{7F0DEF18-D692-4395-A039-3F493EFC7178}" v="6" dt="2024-04-15T12:46:05.149"/>
+    <p1510:client id="{7F0DEF18-D692-4395-A039-3F493EFC7178}" v="10" dt="2024-04-16T14:18:12.324"/>
   </p1510:revLst>
 </p1510:revInfo>
 </file>
@@ -162,12 +164,12 @@
   <pc:docChgLst>
     <pc:chgData name="Bosma, Janneke" userId="fbc09de8-61da-4812-b08f-019a8e6904b9" providerId="ADAL" clId="{7F0DEF18-D692-4395-A039-3F493EFC7178}"/>
     <pc:docChg chg="undo custSel addSld delSld modSld">
-      <pc:chgData name="Bosma, Janneke" userId="fbc09de8-61da-4812-b08f-019a8e6904b9" providerId="ADAL" clId="{7F0DEF18-D692-4395-A039-3F493EFC7178}" dt="2024-04-15T12:58:50.734" v="319" actId="20577"/>
+      <pc:chgData name="Bosma, Janneke" userId="fbc09de8-61da-4812-b08f-019a8e6904b9" providerId="ADAL" clId="{7F0DEF18-D692-4395-A039-3F493EFC7178}" dt="2024-04-16T14:18:15.139" v="366" actId="1076"/>
       <pc:docMkLst>
         <pc:docMk/>
       </pc:docMkLst>
-      <pc:sldChg chg="modSp add del mod">
-        <pc:chgData name="Bosma, Janneke" userId="fbc09de8-61da-4812-b08f-019a8e6904b9" providerId="ADAL" clId="{7F0DEF18-D692-4395-A039-3F493EFC7178}" dt="2024-04-15T12:58:50.734" v="319" actId="20577"/>
+      <pc:sldChg chg="modSp add del mod modNotesTx">
+        <pc:chgData name="Bosma, Janneke" userId="fbc09de8-61da-4812-b08f-019a8e6904b9" providerId="ADAL" clId="{7F0DEF18-D692-4395-A039-3F493EFC7178}" dt="2024-04-16T14:16:38.408" v="363" actId="20577"/>
         <pc:sldMkLst>
           <pc:docMk/>
           <pc:sldMk cId="1539123830" sldId="385"/>
@@ -306,8 +308,8 @@
           </ac:spMkLst>
         </pc:spChg>
       </pc:sldChg>
-      <pc:sldChg chg="modSp add mod">
-        <pc:chgData name="Bosma, Janneke" userId="fbc09de8-61da-4812-b08f-019a8e6904b9" providerId="ADAL" clId="{7F0DEF18-D692-4395-A039-3F493EFC7178}" dt="2024-04-15T12:45:38.721" v="235" actId="20577"/>
+      <pc:sldChg chg="addSp modSp add mod">
+        <pc:chgData name="Bosma, Janneke" userId="fbc09de8-61da-4812-b08f-019a8e6904b9" providerId="ADAL" clId="{7F0DEF18-D692-4395-A039-3F493EFC7178}" dt="2024-04-16T14:10:50.497" v="330" actId="20577"/>
         <pc:sldMkLst>
           <pc:docMk/>
           <pc:sldMk cId="3516489296" sldId="397"/>
@@ -320,12 +322,28 @@
             <ac:spMk id="2" creationId="{66EECF1F-3A3A-48A9-AF99-34EA2FE500E0}"/>
           </ac:spMkLst>
         </pc:spChg>
+        <pc:spChg chg="add mod">
+          <ac:chgData name="Bosma, Janneke" userId="fbc09de8-61da-4812-b08f-019a8e6904b9" providerId="ADAL" clId="{7F0DEF18-D692-4395-A039-3F493EFC7178}" dt="2024-04-16T14:10:50.497" v="330" actId="20577"/>
+          <ac:spMkLst>
+            <pc:docMk/>
+            <pc:sldMk cId="3516489296" sldId="397"/>
+            <ac:spMk id="4" creationId="{86BCBA4D-0535-0238-93EE-0DE0952EE628}"/>
+          </ac:spMkLst>
+        </pc:spChg>
         <pc:spChg chg="mod">
           <ac:chgData name="Bosma, Janneke" userId="fbc09de8-61da-4812-b08f-019a8e6904b9" providerId="ADAL" clId="{7F0DEF18-D692-4395-A039-3F493EFC7178}" dt="2024-04-15T12:42:28.812" v="49" actId="20577"/>
           <ac:spMkLst>
             <pc:docMk/>
             <pc:sldMk cId="3516489296" sldId="397"/>
             <ac:spMk id="9" creationId="{60C59D0C-7F34-5328-F8A3-2C3D5BD21F19}"/>
+          </ac:spMkLst>
+        </pc:spChg>
+        <pc:spChg chg="add mod">
+          <ac:chgData name="Bosma, Janneke" userId="fbc09de8-61da-4812-b08f-019a8e6904b9" providerId="ADAL" clId="{7F0DEF18-D692-4395-A039-3F493EFC7178}" dt="2024-04-16T14:10:47.848" v="327" actId="20577"/>
+          <ac:spMkLst>
+            <pc:docMk/>
+            <pc:sldMk cId="3516489296" sldId="397"/>
+            <ac:spMk id="11" creationId="{BA319986-029A-D755-C169-D1C9E8DBD002}"/>
           </ac:spMkLst>
         </pc:spChg>
         <pc:spChg chg="mod">
@@ -522,6 +540,52 @@
           <pc:sldMk cId="97155566" sldId="404"/>
         </pc:sldMkLst>
       </pc:sldChg>
+      <pc:sldChg chg="modSp add mod">
+        <pc:chgData name="Bosma, Janneke" userId="fbc09de8-61da-4812-b08f-019a8e6904b9" providerId="ADAL" clId="{7F0DEF18-D692-4395-A039-3F493EFC7178}" dt="2024-04-16T14:12:23.835" v="343" actId="1076"/>
+        <pc:sldMkLst>
+          <pc:docMk/>
+          <pc:sldMk cId="546690010" sldId="404"/>
+        </pc:sldMkLst>
+        <pc:spChg chg="mod">
+          <ac:chgData name="Bosma, Janneke" userId="fbc09de8-61da-4812-b08f-019a8e6904b9" providerId="ADAL" clId="{7F0DEF18-D692-4395-A039-3F493EFC7178}" dt="2024-04-16T14:11:41.108" v="335" actId="20577"/>
+          <ac:spMkLst>
+            <pc:docMk/>
+            <pc:sldMk cId="546690010" sldId="404"/>
+            <ac:spMk id="2" creationId="{66EECF1F-3A3A-48A9-AF99-34EA2FE500E0}"/>
+          </ac:spMkLst>
+        </pc:spChg>
+        <pc:spChg chg="mod">
+          <ac:chgData name="Bosma, Janneke" userId="fbc09de8-61da-4812-b08f-019a8e6904b9" providerId="ADAL" clId="{7F0DEF18-D692-4395-A039-3F493EFC7178}" dt="2024-04-16T14:12:23.835" v="343" actId="1076"/>
+          <ac:spMkLst>
+            <pc:docMk/>
+            <pc:sldMk cId="546690010" sldId="404"/>
+            <ac:spMk id="31" creationId="{38A2A9EE-75E8-49F9-EBD2-15C6298FC791}"/>
+          </ac:spMkLst>
+        </pc:spChg>
+      </pc:sldChg>
+      <pc:sldChg chg="addSp modSp add mod">
+        <pc:chgData name="Bosma, Janneke" userId="fbc09de8-61da-4812-b08f-019a8e6904b9" providerId="ADAL" clId="{7F0DEF18-D692-4395-A039-3F493EFC7178}" dt="2024-04-16T14:18:15.139" v="366" actId="1076"/>
+        <pc:sldMkLst>
+          <pc:docMk/>
+          <pc:sldMk cId="3079880801" sldId="405"/>
+        </pc:sldMkLst>
+        <pc:spChg chg="mod">
+          <ac:chgData name="Bosma, Janneke" userId="fbc09de8-61da-4812-b08f-019a8e6904b9" providerId="ADAL" clId="{7F0DEF18-D692-4395-A039-3F493EFC7178}" dt="2024-04-16T14:15:52.029" v="348" actId="1076"/>
+          <ac:spMkLst>
+            <pc:docMk/>
+            <pc:sldMk cId="3079880801" sldId="405"/>
+            <ac:spMk id="31" creationId="{38A2A9EE-75E8-49F9-EBD2-15C6298FC791}"/>
+          </ac:spMkLst>
+        </pc:spChg>
+        <pc:picChg chg="add mod">
+          <ac:chgData name="Bosma, Janneke" userId="fbc09de8-61da-4812-b08f-019a8e6904b9" providerId="ADAL" clId="{7F0DEF18-D692-4395-A039-3F493EFC7178}" dt="2024-04-16T14:18:15.139" v="366" actId="1076"/>
+          <ac:picMkLst>
+            <pc:docMk/>
+            <pc:sldMk cId="3079880801" sldId="405"/>
+            <ac:picMk id="3" creationId="{4F9AD276-2299-47A7-7D64-18AA567ED819}"/>
+          </ac:picMkLst>
+        </pc:picChg>
+      </pc:sldChg>
     </pc:docChg>
   </pc:docChgLst>
 </pc:chgInfo>
@@ -609,7 +673,7 @@
           <a:p>
             <a:fld id="{3B684A2C-AF06-43EB-B93A-E4E444740058}" type="datetimeFigureOut">
               <a:rPr lang="nl-NL" smtClean="0"/>
-              <a:t>15-4-2024</a:t>
+              <a:t>16-4-2024</a:t>
             </a:fld>
             <a:endParaRPr lang="nl-NL"/>
           </a:p>
@@ -1006,15 +1070,8 @@
           <a:p>
             <a:r>
               <a:rPr lang="nl-NL" dirty="0"/>
-              <a:t>Bron figuren van katten: </a:t>
+              <a:t>Bron figuren van katten: https://www.vectorstock.com/royalty-free-vector/a-set-of-cats-collection-cartoon-kittens-vector-18485981 </a:t>
             </a:r>
-            <a:r>
-              <a:rPr lang="en-US" dirty="0">
-                <a:hlinkClick r:id="rId3"/>
-              </a:rPr>
-              <a:t>A set of cats collection cartoon kittens Vector Image (vectorstock.com)</a:t>
-            </a:r>
-            <a:endParaRPr lang="nl-NL" dirty="0"/>
           </a:p>
         </p:txBody>
       </p:sp>
@@ -1119,7 +1176,7 @@
           <a:p>
             <a:fld id="{1B9DD330-543A-4594-B84E-BE963B41153A}" type="slidenum">
               <a:rPr lang="nl-NL" smtClean="0"/>
-              <a:t>6</a:t>
+              <a:t>5</a:t>
             </a:fld>
             <a:endParaRPr lang="nl-NL"/>
           </a:p>
@@ -1128,7 +1185,7 @@
     </p:spTree>
     <p:extLst>
       <p:ext uri="{BB962C8B-B14F-4D97-AF65-F5344CB8AC3E}">
-        <p14:creationId xmlns:p14="http://schemas.microsoft.com/office/powerpoint/2010/main" val="682990742"/>
+        <p14:creationId xmlns:p14="http://schemas.microsoft.com/office/powerpoint/2010/main" val="931942802"/>
       </p:ext>
     </p:extLst>
   </p:cSld>
@@ -1203,7 +1260,7 @@
           <a:p>
             <a:fld id="{1B9DD330-543A-4594-B84E-BE963B41153A}" type="slidenum">
               <a:rPr lang="nl-NL" smtClean="0"/>
-              <a:t>8</a:t>
+              <a:t>6</a:t>
             </a:fld>
             <a:endParaRPr lang="nl-NL"/>
           </a:p>
@@ -1212,7 +1269,7 @@
     </p:spTree>
     <p:extLst>
       <p:ext uri="{BB962C8B-B14F-4D97-AF65-F5344CB8AC3E}">
-        <p14:creationId xmlns:p14="http://schemas.microsoft.com/office/powerpoint/2010/main" val="1444816006"/>
+        <p14:creationId xmlns:p14="http://schemas.microsoft.com/office/powerpoint/2010/main" val="2146338242"/>
       </p:ext>
     </p:extLst>
   </p:cSld>
@@ -1287,7 +1344,7 @@
           <a:p>
             <a:fld id="{1B9DD330-543A-4594-B84E-BE963B41153A}" type="slidenum">
               <a:rPr lang="nl-NL" smtClean="0"/>
-              <a:t>9</a:t>
+              <a:t>8</a:t>
             </a:fld>
             <a:endParaRPr lang="nl-NL"/>
           </a:p>
@@ -1296,7 +1353,7 @@
     </p:spTree>
     <p:extLst>
       <p:ext uri="{BB962C8B-B14F-4D97-AF65-F5344CB8AC3E}">
-        <p14:creationId xmlns:p14="http://schemas.microsoft.com/office/powerpoint/2010/main" val="4012956599"/>
+        <p14:creationId xmlns:p14="http://schemas.microsoft.com/office/powerpoint/2010/main" val="682990742"/>
       </p:ext>
     </p:extLst>
   </p:cSld>
@@ -1380,7 +1437,7 @@
     </p:spTree>
     <p:extLst>
       <p:ext uri="{BB962C8B-B14F-4D97-AF65-F5344CB8AC3E}">
-        <p14:creationId xmlns:p14="http://schemas.microsoft.com/office/powerpoint/2010/main" val="1702650792"/>
+        <p14:creationId xmlns:p14="http://schemas.microsoft.com/office/powerpoint/2010/main" val="1444816006"/>
       </p:ext>
     </p:extLst>
   </p:cSld>
@@ -1456,6 +1513,174 @@
             <a:fld id="{1B9DD330-543A-4594-B84E-BE963B41153A}" type="slidenum">
               <a:rPr lang="nl-NL" smtClean="0"/>
               <a:t>11</a:t>
+            </a:fld>
+            <a:endParaRPr lang="nl-NL"/>
+          </a:p>
+        </p:txBody>
+      </p:sp>
+    </p:spTree>
+    <p:extLst>
+      <p:ext uri="{BB962C8B-B14F-4D97-AF65-F5344CB8AC3E}">
+        <p14:creationId xmlns:p14="http://schemas.microsoft.com/office/powerpoint/2010/main" val="4012956599"/>
+      </p:ext>
+    </p:extLst>
+  </p:cSld>
+  <p:clrMapOvr>
+    <a:masterClrMapping/>
+  </p:clrMapOvr>
+</p:notes>
+</file>
+
+<file path=ppt/notesSlides/notesSlide8.xml><?xml version="1.0" encoding="utf-8"?>
+<p:notes xmlns:a="http://schemas.openxmlformats.org/drawingml/2006/main" xmlns:r="http://schemas.openxmlformats.org/officeDocument/2006/relationships" xmlns:p="http://schemas.openxmlformats.org/presentationml/2006/main">
+  <p:cSld>
+    <p:spTree>
+      <p:nvGrpSpPr>
+        <p:cNvPr id="1" name=""/>
+        <p:cNvGrpSpPr/>
+        <p:nvPr/>
+      </p:nvGrpSpPr>
+      <p:grpSpPr>
+        <a:xfrm>
+          <a:off x="0" y="0"/>
+          <a:ext cx="0" cy="0"/>
+          <a:chOff x="0" y="0"/>
+          <a:chExt cx="0" cy="0"/>
+        </a:xfrm>
+      </p:grpSpPr>
+      <p:sp>
+        <p:nvSpPr>
+          <p:cNvPr id="2" name="Tijdelijke aanduiding voor dia-afbeelding 1"/>
+          <p:cNvSpPr>
+            <a:spLocks noGrp="1" noRot="1" noChangeAspect="1"/>
+          </p:cNvSpPr>
+          <p:nvPr>
+            <p:ph type="sldImg"/>
+          </p:nvPr>
+        </p:nvSpPr>
+        <p:spPr/>
+      </p:sp>
+      <p:sp>
+        <p:nvSpPr>
+          <p:cNvPr id="3" name="Tijdelijke aanduiding voor notities 2"/>
+          <p:cNvSpPr>
+            <a:spLocks noGrp="1"/>
+          </p:cNvSpPr>
+          <p:nvPr>
+            <p:ph type="body" idx="1"/>
+          </p:nvPr>
+        </p:nvSpPr>
+        <p:spPr/>
+        <p:txBody>
+          <a:bodyPr/>
+          <a:lstStyle/>
+          <a:p>
+            <a:endParaRPr lang="nl-NL" dirty="0"/>
+          </a:p>
+        </p:txBody>
+      </p:sp>
+      <p:sp>
+        <p:nvSpPr>
+          <p:cNvPr id="4" name="Tijdelijke aanduiding voor dianummer 3"/>
+          <p:cNvSpPr>
+            <a:spLocks noGrp="1"/>
+          </p:cNvSpPr>
+          <p:nvPr>
+            <p:ph type="sldNum" sz="quarter" idx="5"/>
+          </p:nvPr>
+        </p:nvSpPr>
+        <p:spPr/>
+        <p:txBody>
+          <a:bodyPr/>
+          <a:lstStyle/>
+          <a:p>
+            <a:fld id="{1B9DD330-543A-4594-B84E-BE963B41153A}" type="slidenum">
+              <a:rPr lang="nl-NL" smtClean="0"/>
+              <a:t>12</a:t>
+            </a:fld>
+            <a:endParaRPr lang="nl-NL"/>
+          </a:p>
+        </p:txBody>
+      </p:sp>
+    </p:spTree>
+    <p:extLst>
+      <p:ext uri="{BB962C8B-B14F-4D97-AF65-F5344CB8AC3E}">
+        <p14:creationId xmlns:p14="http://schemas.microsoft.com/office/powerpoint/2010/main" val="1702650792"/>
+      </p:ext>
+    </p:extLst>
+  </p:cSld>
+  <p:clrMapOvr>
+    <a:masterClrMapping/>
+  </p:clrMapOvr>
+</p:notes>
+</file>
+
+<file path=ppt/notesSlides/notesSlide9.xml><?xml version="1.0" encoding="utf-8"?>
+<p:notes xmlns:a="http://schemas.openxmlformats.org/drawingml/2006/main" xmlns:r="http://schemas.openxmlformats.org/officeDocument/2006/relationships" xmlns:p="http://schemas.openxmlformats.org/presentationml/2006/main">
+  <p:cSld>
+    <p:spTree>
+      <p:nvGrpSpPr>
+        <p:cNvPr id="1" name=""/>
+        <p:cNvGrpSpPr/>
+        <p:nvPr/>
+      </p:nvGrpSpPr>
+      <p:grpSpPr>
+        <a:xfrm>
+          <a:off x="0" y="0"/>
+          <a:ext cx="0" cy="0"/>
+          <a:chOff x="0" y="0"/>
+          <a:chExt cx="0" cy="0"/>
+        </a:xfrm>
+      </p:grpSpPr>
+      <p:sp>
+        <p:nvSpPr>
+          <p:cNvPr id="2" name="Tijdelijke aanduiding voor dia-afbeelding 1"/>
+          <p:cNvSpPr>
+            <a:spLocks noGrp="1" noRot="1" noChangeAspect="1"/>
+          </p:cNvSpPr>
+          <p:nvPr>
+            <p:ph type="sldImg"/>
+          </p:nvPr>
+        </p:nvSpPr>
+        <p:spPr/>
+      </p:sp>
+      <p:sp>
+        <p:nvSpPr>
+          <p:cNvPr id="3" name="Tijdelijke aanduiding voor notities 2"/>
+          <p:cNvSpPr>
+            <a:spLocks noGrp="1"/>
+          </p:cNvSpPr>
+          <p:nvPr>
+            <p:ph type="body" idx="1"/>
+          </p:nvPr>
+        </p:nvSpPr>
+        <p:spPr/>
+        <p:txBody>
+          <a:bodyPr/>
+          <a:lstStyle/>
+          <a:p>
+            <a:endParaRPr lang="nl-NL" dirty="0"/>
+          </a:p>
+        </p:txBody>
+      </p:sp>
+      <p:sp>
+        <p:nvSpPr>
+          <p:cNvPr id="4" name="Tijdelijke aanduiding voor dianummer 3"/>
+          <p:cNvSpPr>
+            <a:spLocks noGrp="1"/>
+          </p:cNvSpPr>
+          <p:nvPr>
+            <p:ph type="sldNum" sz="quarter" idx="5"/>
+          </p:nvPr>
+        </p:nvSpPr>
+        <p:spPr/>
+        <p:txBody>
+          <a:bodyPr/>
+          <a:lstStyle/>
+          <a:p>
+            <a:fld id="{1B9DD330-543A-4594-B84E-BE963B41153A}" type="slidenum">
+              <a:rPr lang="nl-NL" smtClean="0"/>
+              <a:t>13</a:t>
             </a:fld>
             <a:endParaRPr lang="nl-NL"/>
           </a:p>
@@ -32064,7 +32289,7 @@
             </a:r>
             <a:r>
               <a:rPr lang="nl-NL" dirty="0"/>
-              <a:t> is SHACL ?</a:t>
+              <a:t> is SPARQL ?</a:t>
             </a:r>
           </a:p>
         </p:txBody>
@@ -32355,8 +32580,8 @@
         </p:nvSpPr>
         <p:spPr>
           <a:xfrm>
-            <a:off x="914978" y="1292988"/>
-            <a:ext cx="10164539" cy="4909036"/>
+            <a:off x="914978" y="992094"/>
+            <a:ext cx="10164539" cy="6740307"/>
           </a:xfrm>
           <a:prstGeom prst="rect">
             <a:avLst/>
@@ -32370,31 +32595,8 @@
           <a:lstStyle/>
           <a:p>
             <a:pPr algn="l"/>
-            <a:r>
-              <a:rPr lang="en-US" sz="1400" b="0" i="0" dirty="0">
-                <a:solidFill>
-                  <a:srgbClr val="0D0D0D"/>
-                </a:solidFill>
-                <a:effectLst/>
-                <a:latin typeface="Söhne"/>
-              </a:rPr>
-              <a:t>Imagine we have an RDF dataset containing information about various pets, including cats. We want to create a SHACL schema to validate whether the cat information is correctly structured, including the presence of the cat's name and age.</a:t>
-            </a:r>
-          </a:p>
-          <a:p>
-            <a:pPr algn="l"/>
-            <a:r>
-              <a:rPr lang="en-US" sz="1400" b="0" i="0" dirty="0">
-                <a:solidFill>
-                  <a:srgbClr val="0D0D0D"/>
-                </a:solidFill>
-                <a:effectLst/>
-                <a:latin typeface="Söhne"/>
-              </a:rPr>
-              <a:t>Here is a simple SHACL schema for this purpose:</a:t>
-            </a:r>
             <a:br>
-              <a:rPr lang="en-US" sz="1400" b="0" i="0" dirty="0">
+              <a:rPr lang="nl-NL" sz="2000" b="0" i="0" dirty="0">
                 <a:solidFill>
                   <a:srgbClr val="0D0D0D"/>
                 </a:solidFill>
@@ -32402,7 +32604,277 @@
                 <a:latin typeface="Söhne"/>
               </a:rPr>
             </a:br>
+            <a:r>
+              <a:rPr lang="en-US" sz="1400" b="0" i="0" dirty="0">
+                <a:solidFill>
+                  <a:srgbClr val="0D0D0D"/>
+                </a:solidFill>
+                <a:effectLst/>
+                <a:latin typeface="Söhne"/>
+              </a:rPr>
+              <a:t>Let's say we have an RDF dataset containing information about various pets, including cats. Let's assume the dataset contains triples that include the names, ages, and types of pets for different animals. Here is an example of such an RDF triple:</a:t>
+            </a:r>
+          </a:p>
+          <a:p>
+            <a:pPr algn="l"/>
+            <a:endParaRPr lang="nl-NL" sz="1600" b="0" i="0" dirty="0">
+              <a:solidFill>
+                <a:srgbClr val="FF0000"/>
+              </a:solidFill>
+              <a:effectLst/>
+              <a:latin typeface="Söhne"/>
+            </a:endParaRPr>
+          </a:p>
+          <a:p>
+            <a:pPr algn="l"/>
+            <a:r>
+              <a:rPr lang="en-US" sz="1200" b="0" i="0" dirty="0">
+                <a:solidFill>
+                  <a:srgbClr val="FF0000"/>
+                </a:solidFill>
+                <a:effectLst/>
+                <a:latin typeface="Söhne"/>
+              </a:rPr>
+              <a:t>&lt;http://example.org/whiskers&gt; &lt;http://example.org/hasName&gt; "Whiskers" .</a:t>
+            </a:r>
+          </a:p>
+          <a:p>
+            <a:pPr algn="l"/>
+            <a:r>
+              <a:rPr lang="en-US" sz="1200" b="0" i="0" dirty="0">
+                <a:solidFill>
+                  <a:srgbClr val="FF0000"/>
+                </a:solidFill>
+                <a:effectLst/>
+                <a:latin typeface="Söhne"/>
+              </a:rPr>
+              <a:t>&lt;http://example.org/whiskers&gt; &lt;http://example.org/hasAge&gt; "5"^^&lt;http://www.w3.org/2001/XMLSchema#integer&gt; .</a:t>
+            </a:r>
+          </a:p>
+          <a:p>
+            <a:pPr algn="l"/>
+            <a:r>
+              <a:rPr lang="en-US" sz="1200" b="0" i="0" dirty="0">
+                <a:solidFill>
+                  <a:srgbClr val="FF0000"/>
+                </a:solidFill>
+                <a:effectLst/>
+                <a:latin typeface="Söhne"/>
+              </a:rPr>
+              <a:t>&lt;http://example.org/whiskers&gt; &lt;http://example.org/isPetOfType&gt; "cat" .</a:t>
+            </a:r>
+          </a:p>
+          <a:p>
+            <a:pPr algn="l"/>
+            <a:endParaRPr lang="en-US" sz="1600" dirty="0">
+              <a:solidFill>
+                <a:srgbClr val="0D0D0D"/>
+              </a:solidFill>
+              <a:latin typeface="Söhne"/>
+            </a:endParaRPr>
+          </a:p>
+          <a:p>
+            <a:pPr algn="l"/>
+            <a:r>
+              <a:rPr lang="en-US" sz="1400" b="0" i="0" dirty="0">
+                <a:solidFill>
+                  <a:srgbClr val="0D0D0D"/>
+                </a:solidFill>
+                <a:effectLst/>
+                <a:latin typeface="Söhne"/>
+              </a:rPr>
+              <a:t>Now, let's write a SPARQL query to retrieve the names of all the cats in the dataset.</a:t>
+            </a:r>
+            <a:br>
+              <a:rPr lang="en-US" sz="1400" b="0" i="0" dirty="0">
+                <a:solidFill>
+                  <a:srgbClr val="0D0D0D"/>
+                </a:solidFill>
+                <a:effectLst/>
+                <a:latin typeface="Söhne"/>
+              </a:rPr>
+            </a:br>
+            <a:r>
+              <a:rPr lang="en-US" sz="1600" dirty="0">
+                <a:solidFill>
+                  <a:srgbClr val="0D0D0D"/>
+                </a:solidFill>
+                <a:latin typeface="Söhne"/>
+              </a:rPr>
+              <a:t>----------------------------------------------------------------------------------------------</a:t>
+            </a:r>
+          </a:p>
+          <a:p>
+            <a:pPr algn="l"/>
+            <a:r>
+              <a:rPr lang="en-US" sz="1400" b="0" i="0" dirty="0">
+                <a:solidFill>
+                  <a:srgbClr val="FF0000"/>
+                </a:solidFill>
+                <a:effectLst/>
+                <a:latin typeface="Söhne"/>
+              </a:rPr>
+              <a:t>PREFIX ex: &lt;http://example.org/&gt;</a:t>
+            </a:r>
+          </a:p>
+          <a:p>
+            <a:pPr algn="l"/>
             <a:endParaRPr lang="en-US" sz="1400" b="0" i="0" dirty="0">
+              <a:solidFill>
+                <a:srgbClr val="FF0000"/>
+              </a:solidFill>
+              <a:effectLst/>
+              <a:latin typeface="Söhne"/>
+            </a:endParaRPr>
+          </a:p>
+          <a:p>
+            <a:pPr algn="l"/>
+            <a:r>
+              <a:rPr lang="en-US" sz="1400" b="0" i="0" dirty="0">
+                <a:solidFill>
+                  <a:srgbClr val="FF0000"/>
+                </a:solidFill>
+                <a:effectLst/>
+                <a:latin typeface="Söhne"/>
+              </a:rPr>
+              <a:t>SELECT ?name</a:t>
+            </a:r>
+          </a:p>
+          <a:p>
+            <a:pPr algn="l"/>
+            <a:r>
+              <a:rPr lang="en-US" sz="1400" b="0" i="0" dirty="0">
+                <a:solidFill>
+                  <a:srgbClr val="FF0000"/>
+                </a:solidFill>
+                <a:effectLst/>
+                <a:latin typeface="Söhne"/>
+              </a:rPr>
+              <a:t>WHERE {</a:t>
+            </a:r>
+          </a:p>
+          <a:p>
+            <a:pPr algn="l"/>
+            <a:r>
+              <a:rPr lang="en-US" sz="1400" b="0" i="0" dirty="0">
+                <a:solidFill>
+                  <a:srgbClr val="FF0000"/>
+                </a:solidFill>
+                <a:effectLst/>
+                <a:latin typeface="Söhne"/>
+              </a:rPr>
+              <a:t>  ?cat </a:t>
+            </a:r>
+            <a:r>
+              <a:rPr lang="en-US" sz="1400" b="0" i="0" dirty="0" err="1">
+                <a:solidFill>
+                  <a:srgbClr val="FF0000"/>
+                </a:solidFill>
+                <a:effectLst/>
+                <a:latin typeface="Söhne"/>
+              </a:rPr>
+              <a:t>ex:hasName</a:t>
+            </a:r>
+            <a:r>
+              <a:rPr lang="en-US" sz="1400" b="0" i="0" dirty="0">
+                <a:solidFill>
+                  <a:srgbClr val="FF0000"/>
+                </a:solidFill>
+                <a:effectLst/>
+                <a:latin typeface="Söhne"/>
+              </a:rPr>
+              <a:t> ?name .</a:t>
+            </a:r>
+          </a:p>
+          <a:p>
+            <a:pPr algn="l"/>
+            <a:r>
+              <a:rPr lang="en-US" sz="1400" b="0" i="0" dirty="0">
+                <a:solidFill>
+                  <a:srgbClr val="FF0000"/>
+                </a:solidFill>
+                <a:effectLst/>
+                <a:latin typeface="Söhne"/>
+              </a:rPr>
+              <a:t>  ?cat </a:t>
+            </a:r>
+            <a:r>
+              <a:rPr lang="en-US" sz="1400" b="0" i="0" dirty="0" err="1">
+                <a:solidFill>
+                  <a:srgbClr val="FF0000"/>
+                </a:solidFill>
+                <a:effectLst/>
+                <a:latin typeface="Söhne"/>
+              </a:rPr>
+              <a:t>ex:isPetOfType</a:t>
+            </a:r>
+            <a:r>
+              <a:rPr lang="en-US" sz="1400" b="0" i="0" dirty="0">
+                <a:solidFill>
+                  <a:srgbClr val="FF0000"/>
+                </a:solidFill>
+                <a:effectLst/>
+                <a:latin typeface="Söhne"/>
+              </a:rPr>
+              <a:t> "cat" .</a:t>
+            </a:r>
+          </a:p>
+          <a:p>
+            <a:pPr algn="l"/>
+            <a:r>
+              <a:rPr lang="en-US" sz="1400" b="0" i="0" dirty="0">
+                <a:solidFill>
+                  <a:srgbClr val="FF0000"/>
+                </a:solidFill>
+                <a:effectLst/>
+                <a:latin typeface="Söhne"/>
+              </a:rPr>
+              <a:t>}</a:t>
+            </a:r>
+          </a:p>
+          <a:p>
+            <a:pPr algn="l"/>
+            <a:r>
+              <a:rPr lang="en-US" sz="1600" dirty="0">
+                <a:solidFill>
+                  <a:srgbClr val="0D0D0D"/>
+                </a:solidFill>
+                <a:latin typeface="Söhne"/>
+              </a:rPr>
+              <a:t>----------------------------------------------------------------------</a:t>
+            </a:r>
+          </a:p>
+          <a:p>
+            <a:pPr algn="l"/>
+            <a:r>
+              <a:rPr lang="en-US" sz="1400" b="0" i="0" dirty="0">
+                <a:solidFill>
+                  <a:srgbClr val="0D0D0D"/>
+                </a:solidFill>
+                <a:effectLst/>
+                <a:latin typeface="Söhne"/>
+              </a:rPr>
+              <a:t>This SPARQL query looks for triples where the object is "cat" and then retrieves the names of the cats. The PREFIX statement is used to create an abbreviation for the URI prefix "</a:t>
+            </a:r>
+            <a:r>
+              <a:rPr lang="en-US" sz="1400" b="0" i="0" u="none" strike="noStrike" dirty="0">
+                <a:effectLst/>
+                <a:latin typeface="Söhne"/>
+                <a:hlinkClick r:id="rId3"/>
+              </a:rPr>
+              <a:t>http://example.org/</a:t>
+            </a:r>
+            <a:r>
+              <a:rPr lang="en-US" sz="1400" b="0" i="0" dirty="0">
+                <a:solidFill>
+                  <a:srgbClr val="0D0D0D"/>
+                </a:solidFill>
+                <a:effectLst/>
+                <a:latin typeface="Söhne"/>
+              </a:rPr>
+              <a:t>", making it easier to reference the properties in the query. When we execute this query on the RDF dataset, we will get the names of all the cats included in the dataset.</a:t>
+            </a:r>
+            <a:endParaRPr lang="en-US" sz="1600" b="0" i="0" dirty="0">
               <a:solidFill>
                 <a:srgbClr val="0D0D0D"/>
               </a:solidFill>
@@ -32412,586 +32884,7 @@
           </a:p>
           <a:p>
             <a:pPr algn="l"/>
-            <a:r>
-              <a:rPr lang="nl-NL" sz="1100" b="0" i="0" dirty="0">
-                <a:solidFill>
-                  <a:srgbClr val="FF0000"/>
-                </a:solidFill>
-                <a:effectLst/>
-                <a:latin typeface="Söhne"/>
-              </a:rPr>
-              <a:t>@prefix </a:t>
-            </a:r>
-            <a:r>
-              <a:rPr lang="nl-NL" sz="1100" b="0" i="0" dirty="0" err="1">
-                <a:solidFill>
-                  <a:srgbClr val="FF0000"/>
-                </a:solidFill>
-                <a:effectLst/>
-                <a:latin typeface="Söhne"/>
-              </a:rPr>
-              <a:t>rdf</a:t>
-            </a:r>
-            <a:r>
-              <a:rPr lang="nl-NL" sz="1100" b="0" i="0" dirty="0">
-                <a:solidFill>
-                  <a:srgbClr val="FF0000"/>
-                </a:solidFill>
-                <a:effectLst/>
-                <a:latin typeface="Söhne"/>
-              </a:rPr>
-              <a:t>: &lt;http://www.w3.org/1999/02/22-rdf-syntax-ns#&gt; .</a:t>
-            </a:r>
-          </a:p>
-          <a:p>
-            <a:pPr algn="l"/>
-            <a:r>
-              <a:rPr lang="nl-NL" sz="1100" b="0" i="0" dirty="0">
-                <a:solidFill>
-                  <a:srgbClr val="FF0000"/>
-                </a:solidFill>
-                <a:effectLst/>
-                <a:latin typeface="Söhne"/>
-              </a:rPr>
-              <a:t>@prefix </a:t>
-            </a:r>
-            <a:r>
-              <a:rPr lang="nl-NL" sz="1100" b="0" i="0" dirty="0" err="1">
-                <a:solidFill>
-                  <a:srgbClr val="FF0000"/>
-                </a:solidFill>
-                <a:effectLst/>
-                <a:latin typeface="Söhne"/>
-              </a:rPr>
-              <a:t>rdfs</a:t>
-            </a:r>
-            <a:r>
-              <a:rPr lang="nl-NL" sz="1100" b="0" i="0" dirty="0">
-                <a:solidFill>
-                  <a:srgbClr val="FF0000"/>
-                </a:solidFill>
-                <a:effectLst/>
-                <a:latin typeface="Söhne"/>
-              </a:rPr>
-              <a:t>: &lt;http://www.w3.org/2000/01/rdf-schema#&gt; .</a:t>
-            </a:r>
-          </a:p>
-          <a:p>
-            <a:pPr algn="l"/>
-            <a:r>
-              <a:rPr lang="nl-NL" sz="1100" b="0" i="0" dirty="0">
-                <a:solidFill>
-                  <a:srgbClr val="FF0000"/>
-                </a:solidFill>
-                <a:effectLst/>
-                <a:latin typeface="Söhne"/>
-              </a:rPr>
-              <a:t>@prefix ex: &lt;http://example.org/&gt; .</a:t>
-            </a:r>
-          </a:p>
-          <a:p>
-            <a:pPr algn="l"/>
-            <a:r>
-              <a:rPr lang="nl-NL" sz="1100" b="0" i="0" dirty="0">
-                <a:solidFill>
-                  <a:srgbClr val="FF0000"/>
-                </a:solidFill>
-                <a:effectLst/>
-                <a:latin typeface="Söhne"/>
-              </a:rPr>
-              <a:t>@prefix sh: &lt;http://www.w3.org/ns/shacl#&gt; .</a:t>
-            </a:r>
-          </a:p>
-          <a:p>
-            <a:pPr algn="l"/>
-            <a:endParaRPr lang="nl-NL" sz="1100" b="0" i="0" dirty="0">
-              <a:solidFill>
-                <a:srgbClr val="FF0000"/>
-              </a:solidFill>
-              <a:effectLst/>
-              <a:latin typeface="Söhne"/>
-            </a:endParaRPr>
-          </a:p>
-          <a:p>
-            <a:pPr algn="l"/>
-            <a:r>
-              <a:rPr lang="nl-NL" sz="1100" b="0" i="0" dirty="0" err="1">
-                <a:solidFill>
-                  <a:srgbClr val="FF0000"/>
-                </a:solidFill>
-                <a:effectLst/>
-                <a:latin typeface="Söhne"/>
-              </a:rPr>
-              <a:t>ex:CatShape</a:t>
-            </a:r>
-            <a:endParaRPr lang="nl-NL" sz="1100" b="0" i="0" dirty="0">
-              <a:solidFill>
-                <a:srgbClr val="FF0000"/>
-              </a:solidFill>
-              <a:effectLst/>
-              <a:latin typeface="Söhne"/>
-            </a:endParaRPr>
-          </a:p>
-          <a:p>
-            <a:pPr algn="l"/>
-            <a:r>
-              <a:rPr lang="nl-NL" sz="1100" b="0" i="0" dirty="0">
-                <a:solidFill>
-                  <a:srgbClr val="FF0000"/>
-                </a:solidFill>
-                <a:effectLst/>
-                <a:latin typeface="Söhne"/>
-              </a:rPr>
-              <a:t>  a </a:t>
-            </a:r>
-            <a:r>
-              <a:rPr lang="nl-NL" sz="1100" b="0" i="0" dirty="0" err="1">
-                <a:solidFill>
-                  <a:srgbClr val="FF0000"/>
-                </a:solidFill>
-                <a:effectLst/>
-                <a:latin typeface="Söhne"/>
-              </a:rPr>
-              <a:t>sh:NodeShape</a:t>
-            </a:r>
-            <a:r>
-              <a:rPr lang="nl-NL" sz="1100" b="0" i="0" dirty="0">
-                <a:solidFill>
-                  <a:srgbClr val="FF0000"/>
-                </a:solidFill>
-                <a:effectLst/>
-                <a:latin typeface="Söhne"/>
-              </a:rPr>
-              <a:t> ;</a:t>
-            </a:r>
-          </a:p>
-          <a:p>
-            <a:pPr algn="l"/>
-            <a:r>
-              <a:rPr lang="nl-NL" sz="1100" b="0" i="0" dirty="0">
-                <a:solidFill>
-                  <a:srgbClr val="FF0000"/>
-                </a:solidFill>
-                <a:effectLst/>
-                <a:latin typeface="Söhne"/>
-              </a:rPr>
-              <a:t>  </a:t>
-            </a:r>
-            <a:r>
-              <a:rPr lang="nl-NL" sz="1100" b="0" i="0" dirty="0" err="1">
-                <a:solidFill>
-                  <a:srgbClr val="FF0000"/>
-                </a:solidFill>
-                <a:effectLst/>
-                <a:latin typeface="Söhne"/>
-              </a:rPr>
-              <a:t>sh:targetClass</a:t>
-            </a:r>
-            <a:r>
-              <a:rPr lang="nl-NL" sz="1100" b="0" i="0" dirty="0">
-                <a:solidFill>
-                  <a:srgbClr val="FF0000"/>
-                </a:solidFill>
-                <a:effectLst/>
-                <a:latin typeface="Söhne"/>
-              </a:rPr>
-              <a:t> </a:t>
-            </a:r>
-            <a:r>
-              <a:rPr lang="nl-NL" sz="1100" b="0" i="0" dirty="0" err="1">
-                <a:solidFill>
-                  <a:srgbClr val="FF0000"/>
-                </a:solidFill>
-                <a:effectLst/>
-                <a:latin typeface="Söhne"/>
-              </a:rPr>
-              <a:t>ex:Cat</a:t>
-            </a:r>
-            <a:r>
-              <a:rPr lang="nl-NL" sz="1100" b="0" i="0" dirty="0">
-                <a:solidFill>
-                  <a:srgbClr val="FF0000"/>
-                </a:solidFill>
-                <a:effectLst/>
-                <a:latin typeface="Söhne"/>
-              </a:rPr>
-              <a:t> ;</a:t>
-            </a:r>
-          </a:p>
-          <a:p>
-            <a:pPr algn="l"/>
-            <a:r>
-              <a:rPr lang="nl-NL" sz="1100" b="0" i="0" dirty="0">
-                <a:solidFill>
-                  <a:srgbClr val="FF0000"/>
-                </a:solidFill>
-                <a:effectLst/>
-                <a:latin typeface="Söhne"/>
-              </a:rPr>
-              <a:t>  </a:t>
-            </a:r>
-            <a:r>
-              <a:rPr lang="nl-NL" sz="1100" b="0" i="0" dirty="0" err="1">
-                <a:solidFill>
-                  <a:srgbClr val="FF0000"/>
-                </a:solidFill>
-                <a:effectLst/>
-                <a:latin typeface="Söhne"/>
-              </a:rPr>
-              <a:t>sh:property</a:t>
-            </a:r>
-            <a:r>
-              <a:rPr lang="nl-NL" sz="1100" b="0" i="0" dirty="0">
-                <a:solidFill>
-                  <a:srgbClr val="FF0000"/>
-                </a:solidFill>
-                <a:effectLst/>
-                <a:latin typeface="Söhne"/>
-              </a:rPr>
-              <a:t> [</a:t>
-            </a:r>
-          </a:p>
-          <a:p>
-            <a:pPr algn="l"/>
-            <a:r>
-              <a:rPr lang="nl-NL" sz="1100" b="0" i="0" dirty="0">
-                <a:solidFill>
-                  <a:srgbClr val="FF0000"/>
-                </a:solidFill>
-                <a:effectLst/>
-                <a:latin typeface="Söhne"/>
-              </a:rPr>
-              <a:t>    </a:t>
-            </a:r>
-            <a:r>
-              <a:rPr lang="nl-NL" sz="1100" b="0" i="0" dirty="0" err="1">
-                <a:solidFill>
-                  <a:srgbClr val="FF0000"/>
-                </a:solidFill>
-                <a:effectLst/>
-                <a:latin typeface="Söhne"/>
-              </a:rPr>
-              <a:t>sh:path</a:t>
-            </a:r>
-            <a:r>
-              <a:rPr lang="nl-NL" sz="1100" b="0" i="0" dirty="0">
-                <a:solidFill>
-                  <a:srgbClr val="FF0000"/>
-                </a:solidFill>
-                <a:effectLst/>
-                <a:latin typeface="Söhne"/>
-              </a:rPr>
-              <a:t> </a:t>
-            </a:r>
-            <a:r>
-              <a:rPr lang="nl-NL" sz="1100" b="0" i="0" dirty="0" err="1">
-                <a:solidFill>
-                  <a:srgbClr val="FF0000"/>
-                </a:solidFill>
-                <a:effectLst/>
-                <a:latin typeface="Söhne"/>
-              </a:rPr>
-              <a:t>ex:hasName</a:t>
-            </a:r>
-            <a:r>
-              <a:rPr lang="nl-NL" sz="1100" b="0" i="0" dirty="0">
-                <a:solidFill>
-                  <a:srgbClr val="FF0000"/>
-                </a:solidFill>
-                <a:effectLst/>
-                <a:latin typeface="Söhne"/>
-              </a:rPr>
-              <a:t> ;</a:t>
-            </a:r>
-          </a:p>
-          <a:p>
-            <a:pPr algn="l"/>
-            <a:r>
-              <a:rPr lang="nl-NL" sz="1100" b="0" i="0" dirty="0">
-                <a:solidFill>
-                  <a:srgbClr val="FF0000"/>
-                </a:solidFill>
-                <a:effectLst/>
-                <a:latin typeface="Söhne"/>
-              </a:rPr>
-              <a:t>    </a:t>
-            </a:r>
-            <a:r>
-              <a:rPr lang="nl-NL" sz="1100" b="0" i="0" dirty="0" err="1">
-                <a:solidFill>
-                  <a:srgbClr val="FF0000"/>
-                </a:solidFill>
-                <a:effectLst/>
-                <a:latin typeface="Söhne"/>
-              </a:rPr>
-              <a:t>sh:minCount</a:t>
-            </a:r>
-            <a:r>
-              <a:rPr lang="nl-NL" sz="1100" b="0" i="0" dirty="0">
-                <a:solidFill>
-                  <a:srgbClr val="FF0000"/>
-                </a:solidFill>
-                <a:effectLst/>
-                <a:latin typeface="Söhne"/>
-              </a:rPr>
-              <a:t> 1 ;</a:t>
-            </a:r>
-          </a:p>
-          <a:p>
-            <a:pPr algn="l"/>
-            <a:r>
-              <a:rPr lang="nl-NL" sz="1100" b="0" i="0" dirty="0">
-                <a:solidFill>
-                  <a:srgbClr val="FF0000"/>
-                </a:solidFill>
-                <a:effectLst/>
-                <a:latin typeface="Söhne"/>
-              </a:rPr>
-              <a:t>  ] ;</a:t>
-            </a:r>
-          </a:p>
-          <a:p>
-            <a:pPr algn="l"/>
-            <a:r>
-              <a:rPr lang="nl-NL" sz="1100" b="0" i="0" dirty="0">
-                <a:solidFill>
-                  <a:srgbClr val="FF0000"/>
-                </a:solidFill>
-                <a:effectLst/>
-                <a:latin typeface="Söhne"/>
-              </a:rPr>
-              <a:t>  </a:t>
-            </a:r>
-            <a:r>
-              <a:rPr lang="nl-NL" sz="1100" b="0" i="0" dirty="0" err="1">
-                <a:solidFill>
-                  <a:srgbClr val="FF0000"/>
-                </a:solidFill>
-                <a:effectLst/>
-                <a:latin typeface="Söhne"/>
-              </a:rPr>
-              <a:t>sh:property</a:t>
-            </a:r>
-            <a:r>
-              <a:rPr lang="nl-NL" sz="1100" b="0" i="0" dirty="0">
-                <a:solidFill>
-                  <a:srgbClr val="FF0000"/>
-                </a:solidFill>
-                <a:effectLst/>
-                <a:latin typeface="Söhne"/>
-              </a:rPr>
-              <a:t> [</a:t>
-            </a:r>
-          </a:p>
-          <a:p>
-            <a:pPr algn="l"/>
-            <a:r>
-              <a:rPr lang="nl-NL" sz="1100" b="0" i="0" dirty="0">
-                <a:solidFill>
-                  <a:srgbClr val="FF0000"/>
-                </a:solidFill>
-                <a:effectLst/>
-                <a:latin typeface="Söhne"/>
-              </a:rPr>
-              <a:t>    </a:t>
-            </a:r>
-            <a:r>
-              <a:rPr lang="nl-NL" sz="1100" b="0" i="0" dirty="0" err="1">
-                <a:solidFill>
-                  <a:srgbClr val="FF0000"/>
-                </a:solidFill>
-                <a:effectLst/>
-                <a:latin typeface="Söhne"/>
-              </a:rPr>
-              <a:t>sh:path</a:t>
-            </a:r>
-            <a:r>
-              <a:rPr lang="nl-NL" sz="1100" b="0" i="0" dirty="0">
-                <a:solidFill>
-                  <a:srgbClr val="FF0000"/>
-                </a:solidFill>
-                <a:effectLst/>
-                <a:latin typeface="Söhne"/>
-              </a:rPr>
-              <a:t> </a:t>
-            </a:r>
-            <a:r>
-              <a:rPr lang="nl-NL" sz="1100" b="0" i="0" dirty="0" err="1">
-                <a:solidFill>
-                  <a:srgbClr val="FF0000"/>
-                </a:solidFill>
-                <a:effectLst/>
-                <a:latin typeface="Söhne"/>
-              </a:rPr>
-              <a:t>ex:hasAge</a:t>
-            </a:r>
-            <a:r>
-              <a:rPr lang="nl-NL" sz="1100" b="0" i="0" dirty="0">
-                <a:solidFill>
-                  <a:srgbClr val="FF0000"/>
-                </a:solidFill>
-                <a:effectLst/>
-                <a:latin typeface="Söhne"/>
-              </a:rPr>
-              <a:t> ;</a:t>
-            </a:r>
-          </a:p>
-          <a:p>
-            <a:pPr algn="l"/>
-            <a:r>
-              <a:rPr lang="nl-NL" sz="1100" b="0" i="0" dirty="0">
-                <a:solidFill>
-                  <a:srgbClr val="FF0000"/>
-                </a:solidFill>
-                <a:effectLst/>
-                <a:latin typeface="Söhne"/>
-              </a:rPr>
-              <a:t>    </a:t>
-            </a:r>
-            <a:r>
-              <a:rPr lang="nl-NL" sz="1100" b="0" i="0" dirty="0" err="1">
-                <a:solidFill>
-                  <a:srgbClr val="FF0000"/>
-                </a:solidFill>
-                <a:effectLst/>
-                <a:latin typeface="Söhne"/>
-              </a:rPr>
-              <a:t>sh:minCount</a:t>
-            </a:r>
-            <a:r>
-              <a:rPr lang="nl-NL" sz="1100" b="0" i="0" dirty="0">
-                <a:solidFill>
-                  <a:srgbClr val="FF0000"/>
-                </a:solidFill>
-                <a:effectLst/>
-                <a:latin typeface="Söhne"/>
-              </a:rPr>
-              <a:t> 1 ;</a:t>
-            </a:r>
-          </a:p>
-          <a:p>
-            <a:pPr algn="l"/>
-            <a:r>
-              <a:rPr lang="nl-NL" sz="1100" b="0" i="0" dirty="0">
-                <a:solidFill>
-                  <a:srgbClr val="FF0000"/>
-                </a:solidFill>
-                <a:effectLst/>
-                <a:latin typeface="Söhne"/>
-              </a:rPr>
-              <a:t>    </a:t>
-            </a:r>
-            <a:r>
-              <a:rPr lang="nl-NL" sz="1100" b="0" i="0" dirty="0" err="1">
-                <a:solidFill>
-                  <a:srgbClr val="FF0000"/>
-                </a:solidFill>
-                <a:effectLst/>
-                <a:latin typeface="Söhne"/>
-              </a:rPr>
-              <a:t>sh:datatype</a:t>
-            </a:r>
-            <a:r>
-              <a:rPr lang="nl-NL" sz="1100" b="0" i="0" dirty="0">
-                <a:solidFill>
-                  <a:srgbClr val="FF0000"/>
-                </a:solidFill>
-                <a:effectLst/>
-                <a:latin typeface="Söhne"/>
-              </a:rPr>
-              <a:t> </a:t>
-            </a:r>
-            <a:r>
-              <a:rPr lang="nl-NL" sz="1100" b="0" i="0" dirty="0" err="1">
-                <a:solidFill>
-                  <a:srgbClr val="FF0000"/>
-                </a:solidFill>
-                <a:effectLst/>
-                <a:latin typeface="Söhne"/>
-              </a:rPr>
-              <a:t>xsd:integer</a:t>
-            </a:r>
-            <a:r>
-              <a:rPr lang="nl-NL" sz="1100" b="0" i="0" dirty="0">
-                <a:solidFill>
-                  <a:srgbClr val="FF0000"/>
-                </a:solidFill>
-                <a:effectLst/>
-                <a:latin typeface="Söhne"/>
-              </a:rPr>
-              <a:t> ;</a:t>
-            </a:r>
-          </a:p>
-          <a:p>
-            <a:pPr algn="l"/>
-            <a:r>
-              <a:rPr lang="nl-NL" sz="1100" b="0" i="0" dirty="0">
-                <a:solidFill>
-                  <a:srgbClr val="FF0000"/>
-                </a:solidFill>
-                <a:effectLst/>
-                <a:latin typeface="Söhne"/>
-              </a:rPr>
-              <a:t>  ] .</a:t>
-            </a:r>
-          </a:p>
-          <a:p>
-            <a:pPr algn="l"/>
-            <a:endParaRPr lang="nl-NL" sz="1400" dirty="0">
-              <a:solidFill>
-                <a:srgbClr val="0D0D0D"/>
-              </a:solidFill>
-              <a:latin typeface="Söhne"/>
-            </a:endParaRPr>
-          </a:p>
-          <a:p>
-            <a:pPr algn="l"/>
-            <a:r>
-              <a:rPr lang="en-US" sz="1400" dirty="0">
-                <a:solidFill>
-                  <a:srgbClr val="0D0D0D"/>
-                </a:solidFill>
-                <a:latin typeface="Söhne"/>
-              </a:rPr>
-              <a:t>In this SHACL schema, we define a shape named `</a:t>
-            </a:r>
-            <a:r>
-              <a:rPr lang="en-US" sz="1400" dirty="0" err="1">
-                <a:solidFill>
-                  <a:srgbClr val="0D0D0D"/>
-                </a:solidFill>
-                <a:latin typeface="Söhne"/>
-              </a:rPr>
-              <a:t>ex:CatShape</a:t>
-            </a:r>
-            <a:r>
-              <a:rPr lang="en-US" sz="1400" dirty="0">
-                <a:solidFill>
-                  <a:srgbClr val="0D0D0D"/>
-                </a:solidFill>
-                <a:latin typeface="Söhne"/>
-              </a:rPr>
-              <a:t>`, which applies to all instances of the class `</a:t>
-            </a:r>
-            <a:r>
-              <a:rPr lang="en-US" sz="1400" dirty="0" err="1">
-                <a:solidFill>
-                  <a:srgbClr val="0D0D0D"/>
-                </a:solidFill>
-                <a:latin typeface="Söhne"/>
-              </a:rPr>
-              <a:t>ex:Cat</a:t>
-            </a:r>
-            <a:r>
-              <a:rPr lang="en-US" sz="1400" dirty="0">
-                <a:solidFill>
-                  <a:srgbClr val="0D0D0D"/>
-                </a:solidFill>
-                <a:latin typeface="Söhne"/>
-              </a:rPr>
-              <a:t>`. The shape specifies that a cat must have at least one name and one age. Additionally, we have indicated that the age must be an integer. Now, we can use this SHACL schema to validate our RDF dataset and ensure that the cat information is correctly structured according to these rules.</a:t>
-            </a:r>
-            <a:endParaRPr lang="nl-NL" sz="1400" b="0" i="0" dirty="0">
+            <a:endParaRPr lang="en-US" sz="1600" b="0" i="0" dirty="0">
               <a:solidFill>
                 <a:srgbClr val="0D0D0D"/>
               </a:solidFill>
@@ -33001,13 +32894,51 @@
           </a:p>
           <a:p>
             <a:pPr algn="l"/>
-            <a:endParaRPr lang="nl-NL" sz="1400" b="0" i="0" dirty="0">
+            <a:endParaRPr lang="nl-NL" sz="1600" b="0" i="0" dirty="0">
               <a:solidFill>
                 <a:srgbClr val="0D0D0D"/>
               </a:solidFill>
               <a:effectLst/>
               <a:latin typeface="Söhne"/>
             </a:endParaRPr>
+          </a:p>
+          <a:p>
+            <a:pPr algn="l"/>
+            <a:endParaRPr lang="en-US" sz="2000" dirty="0">
+              <a:latin typeface="Calibri" panose="020F0502020204030204" pitchFamily="34" charset="0"/>
+              <a:ea typeface="Calibri" panose="020F0502020204030204" pitchFamily="34" charset="0"/>
+              <a:cs typeface="Times New Roman" panose="02020603050405020304" pitchFamily="18" charset="0"/>
+            </a:endParaRPr>
+          </a:p>
+          <a:p>
+            <a:pPr marL="342900" indent="-342900">
+              <a:buFont typeface="Arial" panose="020B0604020202020204" pitchFamily="34" charset="0"/>
+              <a:buChar char="•"/>
+            </a:pPr>
+            <a:endParaRPr lang="en-US" sz="2000" dirty="0">
+              <a:effectLst/>
+              <a:latin typeface="Calibri" panose="020F0502020204030204" pitchFamily="34" charset="0"/>
+              <a:ea typeface="Calibri" panose="020F0502020204030204" pitchFamily="34" charset="0"/>
+              <a:cs typeface="Times New Roman" panose="02020603050405020304" pitchFamily="18" charset="0"/>
+            </a:endParaRPr>
+          </a:p>
+          <a:p>
+            <a:endParaRPr lang="en-US" sz="2000" i="1" dirty="0">
+              <a:latin typeface="Calibri" panose="020F0502020204030204" pitchFamily="34" charset="0"/>
+              <a:ea typeface="Calibri" panose="020F0502020204030204" pitchFamily="34" charset="0"/>
+              <a:cs typeface="Times New Roman" panose="02020603050405020304" pitchFamily="18" charset="0"/>
+            </a:endParaRPr>
+          </a:p>
+          <a:p>
+            <a:endParaRPr lang="en-US" sz="2000" i="1" dirty="0">
+              <a:effectLst/>
+              <a:latin typeface="Calibri" panose="020F0502020204030204" pitchFamily="34" charset="0"/>
+              <a:ea typeface="Calibri" panose="020F0502020204030204" pitchFamily="34" charset="0"/>
+              <a:cs typeface="Times New Roman" panose="02020603050405020304" pitchFamily="18" charset="0"/>
+            </a:endParaRPr>
+          </a:p>
+          <a:p>
+            <a:endParaRPr lang="nl-NL" dirty="0"/>
           </a:p>
         </p:txBody>
       </p:sp>
@@ -33295,6 +33226,2065 @@
       </p:sp>
       <p:pic>
         <p:nvPicPr>
+          <p:cNvPr id="8" name="Afbeelding 7">
+            <a:extLst>
+              <a:ext uri="{FF2B5EF4-FFF2-40B4-BE49-F238E27FC236}">
+                <a16:creationId xmlns:a16="http://schemas.microsoft.com/office/drawing/2014/main" id="{B0E8AECE-ECFB-ADA0-E2E8-F46B6C2DC738}"/>
+              </a:ext>
+            </a:extLst>
+          </p:cNvPr>
+          <p:cNvPicPr>
+            <a:picLocks noChangeAspect="1"/>
+          </p:cNvPicPr>
+          <p:nvPr/>
+        </p:nvPicPr>
+        <p:blipFill>
+          <a:blip r:embed="rId4"/>
+          <a:stretch>
+            <a:fillRect/>
+          </a:stretch>
+        </p:blipFill>
+        <p:spPr>
+          <a:xfrm>
+            <a:off x="9498520" y="2596732"/>
+            <a:ext cx="1580997" cy="2656360"/>
+          </a:xfrm>
+          <a:prstGeom prst="rect">
+            <a:avLst/>
+          </a:prstGeom>
+        </p:spPr>
+      </p:pic>
+    </p:spTree>
+    <p:extLst>
+      <p:ext uri="{BB962C8B-B14F-4D97-AF65-F5344CB8AC3E}">
+        <p14:creationId xmlns:p14="http://schemas.microsoft.com/office/powerpoint/2010/main" val="2216068714"/>
+      </p:ext>
+    </p:extLst>
+  </p:cSld>
+  <p:clrMapOvr>
+    <a:masterClrMapping/>
+  </p:clrMapOvr>
+</p:sld>
+</file>
+
+<file path=ppt/slides/slide11.xml><?xml version="1.0" encoding="utf-8"?>
+<p:sld xmlns:a="http://schemas.openxmlformats.org/drawingml/2006/main" xmlns:r="http://schemas.openxmlformats.org/officeDocument/2006/relationships" xmlns:p="http://schemas.openxmlformats.org/presentationml/2006/main">
+  <p:cSld>
+    <p:spTree>
+      <p:nvGrpSpPr>
+        <p:cNvPr id="1" name=""/>
+        <p:cNvGrpSpPr/>
+        <p:nvPr/>
+      </p:nvGrpSpPr>
+      <p:grpSpPr>
+        <a:xfrm>
+          <a:off x="0" y="0"/>
+          <a:ext cx="0" cy="0"/>
+          <a:chOff x="0" y="0"/>
+          <a:chExt cx="0" cy="0"/>
+        </a:xfrm>
+      </p:grpSpPr>
+      <p:sp>
+        <p:nvSpPr>
+          <p:cNvPr id="2" name="Titel 1">
+            <a:extLst>
+              <a:ext uri="{FF2B5EF4-FFF2-40B4-BE49-F238E27FC236}">
+                <a16:creationId xmlns:a16="http://schemas.microsoft.com/office/drawing/2014/main" id="{66EECF1F-3A3A-48A9-AF99-34EA2FE500E0}"/>
+              </a:ext>
+            </a:extLst>
+          </p:cNvPr>
+          <p:cNvSpPr>
+            <a:spLocks noGrp="1"/>
+          </p:cNvSpPr>
+          <p:nvPr>
+            <p:ph type="title"/>
+          </p:nvPr>
+        </p:nvSpPr>
+        <p:spPr/>
+        <p:txBody>
+          <a:bodyPr/>
+          <a:lstStyle/>
+          <a:p>
+            <a:r>
+              <a:rPr lang="nl-NL" dirty="0" err="1"/>
+              <a:t>What</a:t>
+            </a:r>
+            <a:r>
+              <a:rPr lang="nl-NL" dirty="0"/>
+              <a:t> is SHACL ?</a:t>
+            </a:r>
+          </a:p>
+        </p:txBody>
+      </p:sp>
+      <p:sp>
+        <p:nvSpPr>
+          <p:cNvPr id="31" name="Tijdelijke aanduiding voor inhoud 6">
+            <a:extLst>
+              <a:ext uri="{FF2B5EF4-FFF2-40B4-BE49-F238E27FC236}">
+                <a16:creationId xmlns:a16="http://schemas.microsoft.com/office/drawing/2014/main" id="{38A2A9EE-75E8-49F9-EBD2-15C6298FC791}"/>
+              </a:ext>
+            </a:extLst>
+          </p:cNvPr>
+          <p:cNvSpPr txBox="1">
+            <a:spLocks/>
+          </p:cNvSpPr>
+          <p:nvPr/>
+        </p:nvSpPr>
+        <p:spPr>
+          <a:xfrm>
+            <a:off x="1481492" y="1294394"/>
+            <a:ext cx="9598025" cy="5010150"/>
+          </a:xfrm>
+          <a:prstGeom prst="rect">
+            <a:avLst/>
+          </a:prstGeom>
+        </p:spPr>
+        <p:txBody>
+          <a:bodyPr vert="horz" lIns="91440" tIns="45720" rIns="91440" bIns="45720" rtlCol="0" anchor="ctr">
+            <a:normAutofit/>
+          </a:bodyPr>
+          <a:lstStyle>
+            <a:lvl1pPr marL="344488" indent="-344488" algn="l" defTabSz="914400" rtl="0" eaLnBrk="1" latinLnBrk="0" hangingPunct="1">
+              <a:lnSpc>
+                <a:spcPct val="120000"/>
+              </a:lnSpc>
+              <a:spcBef>
+                <a:spcPts val="1000"/>
+              </a:spcBef>
+              <a:spcAft>
+                <a:spcPts val="600"/>
+              </a:spcAft>
+              <a:buClr>
+                <a:schemeClr val="accent6"/>
+              </a:buClr>
+              <a:buSzPct val="90000"/>
+              <a:buFont typeface="Wingdings" panose="05000000000000000000" pitchFamily="2" charset="2"/>
+              <a:buChar char="§"/>
+              <a:defRPr lang="en-US" sz="2000" b="0" kern="1200">
+                <a:solidFill>
+                  <a:schemeClr val="tx1"/>
+                </a:solidFill>
+                <a:effectLst/>
+                <a:latin typeface="+mn-lt"/>
+                <a:ea typeface="+mn-ea"/>
+                <a:cs typeface="+mn-cs"/>
+              </a:defRPr>
+            </a:lvl1pPr>
+            <a:lvl2pPr marL="795338" indent="-338138" algn="l" defTabSz="914400" rtl="0" eaLnBrk="1" latinLnBrk="0" hangingPunct="1">
+              <a:lnSpc>
+                <a:spcPct val="120000"/>
+              </a:lnSpc>
+              <a:spcBef>
+                <a:spcPts val="500"/>
+              </a:spcBef>
+              <a:spcAft>
+                <a:spcPts val="600"/>
+              </a:spcAft>
+              <a:buClr>
+                <a:schemeClr val="accent6"/>
+              </a:buClr>
+              <a:buSzPct val="90000"/>
+              <a:buFont typeface="Wingdings" panose="05000000000000000000" pitchFamily="2" charset="2"/>
+              <a:buChar char="§"/>
+              <a:defRPr lang="en-US" sz="1800" b="0" kern="1200">
+                <a:solidFill>
+                  <a:schemeClr val="tx1"/>
+                </a:solidFill>
+                <a:effectLst/>
+                <a:latin typeface="+mn-lt"/>
+                <a:ea typeface="+mn-ea"/>
+                <a:cs typeface="+mn-cs"/>
+              </a:defRPr>
+            </a:lvl2pPr>
+            <a:lvl3pPr marL="1258888" indent="-344488" algn="l" defTabSz="914400" rtl="0" eaLnBrk="1" latinLnBrk="0" hangingPunct="1">
+              <a:lnSpc>
+                <a:spcPct val="120000"/>
+              </a:lnSpc>
+              <a:spcBef>
+                <a:spcPts val="500"/>
+              </a:spcBef>
+              <a:spcAft>
+                <a:spcPts val="600"/>
+              </a:spcAft>
+              <a:buClr>
+                <a:schemeClr val="accent6"/>
+              </a:buClr>
+              <a:buSzPct val="90000"/>
+              <a:buFont typeface="Wingdings" panose="05000000000000000000" pitchFamily="2" charset="2"/>
+              <a:buChar char="§"/>
+              <a:defRPr lang="en-US" sz="1600" b="0" kern="1200">
+                <a:solidFill>
+                  <a:schemeClr val="tx1"/>
+                </a:solidFill>
+                <a:effectLst/>
+                <a:latin typeface="+mn-lt"/>
+                <a:ea typeface="+mn-ea"/>
+                <a:cs typeface="+mn-cs"/>
+              </a:defRPr>
+            </a:lvl3pPr>
+            <a:lvl4pPr marL="1709738" indent="-338138" algn="l" defTabSz="914400" rtl="0" eaLnBrk="1" latinLnBrk="0" hangingPunct="1">
+              <a:lnSpc>
+                <a:spcPct val="120000"/>
+              </a:lnSpc>
+              <a:spcBef>
+                <a:spcPts val="500"/>
+              </a:spcBef>
+              <a:spcAft>
+                <a:spcPts val="600"/>
+              </a:spcAft>
+              <a:buClr>
+                <a:schemeClr val="accent6"/>
+              </a:buClr>
+              <a:buSzPct val="90000"/>
+              <a:buFont typeface="Wingdings" panose="05000000000000000000" pitchFamily="2" charset="2"/>
+              <a:buChar char="§"/>
+              <a:defRPr lang="en-US" sz="1400" b="0" kern="1200">
+                <a:solidFill>
+                  <a:schemeClr val="tx1"/>
+                </a:solidFill>
+                <a:effectLst/>
+                <a:latin typeface="+mn-lt"/>
+                <a:ea typeface="+mn-ea"/>
+                <a:cs typeface="+mn-cs"/>
+              </a:defRPr>
+            </a:lvl4pPr>
+            <a:lvl5pPr marL="2173288" indent="-344488" algn="l" defTabSz="914400" rtl="0" eaLnBrk="1" latinLnBrk="0" hangingPunct="1">
+              <a:lnSpc>
+                <a:spcPct val="120000"/>
+              </a:lnSpc>
+              <a:spcBef>
+                <a:spcPts val="500"/>
+              </a:spcBef>
+              <a:spcAft>
+                <a:spcPts val="600"/>
+              </a:spcAft>
+              <a:buClr>
+                <a:schemeClr val="accent6"/>
+              </a:buClr>
+              <a:buSzPct val="90000"/>
+              <a:buFont typeface="Wingdings" panose="05000000000000000000" pitchFamily="2" charset="2"/>
+              <a:buChar char="§"/>
+              <a:defRPr lang="en-GB" sz="1200" b="0" kern="1200">
+                <a:solidFill>
+                  <a:schemeClr val="tx1"/>
+                </a:solidFill>
+                <a:effectLst/>
+                <a:latin typeface="+mn-lt"/>
+                <a:ea typeface="+mn-ea"/>
+                <a:cs typeface="+mn-cs"/>
+              </a:defRPr>
+            </a:lvl5pPr>
+            <a:lvl6pPr marL="2642616" indent="-338328" algn="l" defTabSz="914400" rtl="0" eaLnBrk="1" latinLnBrk="0" hangingPunct="1">
+              <a:lnSpc>
+                <a:spcPct val="120000"/>
+              </a:lnSpc>
+              <a:spcBef>
+                <a:spcPts val="500"/>
+              </a:spcBef>
+              <a:spcAft>
+                <a:spcPts val="600"/>
+              </a:spcAft>
+              <a:buClr>
+                <a:schemeClr val="accent6"/>
+              </a:buClr>
+              <a:buSzPct val="90000"/>
+              <a:buFont typeface="Wingdings" panose="05000000000000000000" pitchFamily="2" charset="2"/>
+              <a:buChar char="§"/>
+              <a:defRPr sz="1200" kern="1200" baseline="0">
+                <a:solidFill>
+                  <a:schemeClr val="tx1"/>
+                </a:solidFill>
+                <a:effectLst/>
+                <a:latin typeface="+mn-lt"/>
+                <a:ea typeface="+mn-ea"/>
+                <a:cs typeface="+mn-cs"/>
+              </a:defRPr>
+            </a:lvl6pPr>
+            <a:lvl7pPr marL="3108960" indent="-338328" algn="l" defTabSz="914400" rtl="0" eaLnBrk="1" latinLnBrk="0" hangingPunct="1">
+              <a:lnSpc>
+                <a:spcPct val="120000"/>
+              </a:lnSpc>
+              <a:spcBef>
+                <a:spcPts val="500"/>
+              </a:spcBef>
+              <a:spcAft>
+                <a:spcPts val="600"/>
+              </a:spcAft>
+              <a:buClr>
+                <a:schemeClr val="accent6"/>
+              </a:buClr>
+              <a:buSzPct val="90000"/>
+              <a:buFont typeface="Wingdings" panose="05000000000000000000" pitchFamily="2" charset="2"/>
+              <a:buChar char="§"/>
+              <a:defRPr sz="1200" kern="1200" baseline="0">
+                <a:solidFill>
+                  <a:schemeClr val="tx1"/>
+                </a:solidFill>
+                <a:effectLst/>
+                <a:latin typeface="+mn-lt"/>
+                <a:ea typeface="+mn-ea"/>
+                <a:cs typeface="+mn-cs"/>
+              </a:defRPr>
+            </a:lvl7pPr>
+            <a:lvl8pPr marL="3575304" indent="-338328" algn="l" defTabSz="914400" rtl="0" eaLnBrk="1" latinLnBrk="0" hangingPunct="1">
+              <a:lnSpc>
+                <a:spcPct val="120000"/>
+              </a:lnSpc>
+              <a:spcBef>
+                <a:spcPts val="500"/>
+              </a:spcBef>
+              <a:spcAft>
+                <a:spcPts val="600"/>
+              </a:spcAft>
+              <a:buClr>
+                <a:schemeClr val="accent6"/>
+              </a:buClr>
+              <a:buSzPct val="90000"/>
+              <a:buFont typeface="Wingdings" panose="05000000000000000000" pitchFamily="2" charset="2"/>
+              <a:buChar char="§"/>
+              <a:defRPr sz="1200" kern="1200" baseline="0">
+                <a:solidFill>
+                  <a:schemeClr val="tx1"/>
+                </a:solidFill>
+                <a:effectLst/>
+                <a:latin typeface="+mn-lt"/>
+                <a:ea typeface="+mn-ea"/>
+                <a:cs typeface="+mn-cs"/>
+              </a:defRPr>
+            </a:lvl8pPr>
+            <a:lvl9pPr marL="4041648" indent="-338328" algn="l" defTabSz="914400" rtl="0" eaLnBrk="1" latinLnBrk="0" hangingPunct="1">
+              <a:lnSpc>
+                <a:spcPct val="120000"/>
+              </a:lnSpc>
+              <a:spcBef>
+                <a:spcPts val="500"/>
+              </a:spcBef>
+              <a:spcAft>
+                <a:spcPts val="600"/>
+              </a:spcAft>
+              <a:buClr>
+                <a:schemeClr val="accent6"/>
+              </a:buClr>
+              <a:buSzPct val="90000"/>
+              <a:buFont typeface="Wingdings" panose="05000000000000000000" pitchFamily="2" charset="2"/>
+              <a:buChar char="§"/>
+              <a:defRPr sz="1200" kern="1200" baseline="0">
+                <a:solidFill>
+                  <a:schemeClr val="tx1"/>
+                </a:solidFill>
+                <a:effectLst/>
+                <a:latin typeface="+mn-lt"/>
+                <a:ea typeface="+mn-ea"/>
+                <a:cs typeface="+mn-cs"/>
+              </a:defRPr>
+            </a:lvl9pPr>
+          </a:lstStyle>
+          <a:p>
+            <a:pPr marL="0" indent="0">
+              <a:buFont typeface="Wingdings" panose="05000000000000000000" pitchFamily="2" charset="2"/>
+              <a:buNone/>
+            </a:pPr>
+            <a:endParaRPr lang="nl-NL" dirty="0"/>
+          </a:p>
+        </p:txBody>
+      </p:sp>
+      <p:sp>
+        <p:nvSpPr>
+          <p:cNvPr id="4" name="Tekstvak 3">
+            <a:extLst>
+              <a:ext uri="{FF2B5EF4-FFF2-40B4-BE49-F238E27FC236}">
+                <a16:creationId xmlns:a16="http://schemas.microsoft.com/office/drawing/2014/main" id="{0D450E02-4A61-8A4F-DFCB-076C0CA610BB}"/>
+              </a:ext>
+            </a:extLst>
+          </p:cNvPr>
+          <p:cNvSpPr txBox="1"/>
+          <p:nvPr/>
+        </p:nvSpPr>
+        <p:spPr>
+          <a:xfrm>
+            <a:off x="1013730" y="1086919"/>
+            <a:ext cx="10164539" cy="3539430"/>
+          </a:xfrm>
+          <a:prstGeom prst="rect">
+            <a:avLst/>
+          </a:prstGeom>
+          <a:noFill/>
+        </p:spPr>
+        <p:txBody>
+          <a:bodyPr wrap="square" rtlCol="0">
+            <a:spAutoFit/>
+          </a:bodyPr>
+          <a:lstStyle/>
+          <a:p>
+            <a:pPr algn="l"/>
+            <a:br>
+              <a:rPr lang="nl-NL" sz="1600" b="0" i="0" dirty="0">
+                <a:solidFill>
+                  <a:srgbClr val="0D0D0D"/>
+                </a:solidFill>
+                <a:effectLst/>
+                <a:latin typeface="Söhne"/>
+              </a:rPr>
+            </a:br>
+            <a:r>
+              <a:rPr lang="en-US" sz="1600" b="0" i="0" dirty="0">
+                <a:solidFill>
+                  <a:srgbClr val="0D0D0D"/>
+                </a:solidFill>
+                <a:effectLst/>
+                <a:latin typeface="Söhne"/>
+              </a:rPr>
+              <a:t>SHACL stands for "Shapes Constraint Language" and is a W3C standard for validating RDF data against specified schemas, also known as "shapes."</a:t>
+            </a:r>
+          </a:p>
+          <a:p>
+            <a:pPr algn="l"/>
+            <a:endParaRPr lang="en-US" sz="1600" b="0" i="0" dirty="0">
+              <a:solidFill>
+                <a:srgbClr val="0D0D0D"/>
+              </a:solidFill>
+              <a:effectLst/>
+              <a:latin typeface="Söhne"/>
+            </a:endParaRPr>
+          </a:p>
+          <a:p>
+            <a:pPr algn="l"/>
+            <a:r>
+              <a:rPr lang="en-US" sz="1600" b="0" i="0" dirty="0">
+                <a:solidFill>
+                  <a:srgbClr val="0D0D0D"/>
+                </a:solidFill>
+                <a:effectLst/>
+                <a:latin typeface="Söhne"/>
+              </a:rPr>
+              <a:t>With SHACL, developers can create detailed specifications on how RDF data should be structured and what constraints apply to the values of properties. These specifications can indicate, among other things, which properties are mandatory, what values these properties can assume, how many repetitions of a property are allowed, and so on.</a:t>
+            </a:r>
+          </a:p>
+          <a:p>
+            <a:pPr algn="l"/>
+            <a:endParaRPr lang="en-US" sz="1600" b="0" i="0" dirty="0">
+              <a:solidFill>
+                <a:srgbClr val="0D0D0D"/>
+              </a:solidFill>
+              <a:effectLst/>
+              <a:latin typeface="Söhne"/>
+            </a:endParaRPr>
+          </a:p>
+          <a:p>
+            <a:pPr algn="l"/>
+            <a:r>
+              <a:rPr lang="en-US" sz="1600" b="0" i="0" dirty="0">
+                <a:solidFill>
+                  <a:srgbClr val="0D0D0D"/>
+                </a:solidFill>
+                <a:effectLst/>
+                <a:latin typeface="Söhne"/>
+              </a:rPr>
+              <a:t>SHACL schemas are themselves modeled as RDF data and can be used to improve the quality and consistency of RDF data. By validating data against SHACL shapes, developers can ensure that the published data meets the desired criteria and enables interoperability between different data sources.</a:t>
+            </a:r>
+          </a:p>
+          <a:p>
+            <a:pPr algn="l"/>
+            <a:endParaRPr lang="en-US" sz="1600" b="0" i="0" dirty="0">
+              <a:solidFill>
+                <a:srgbClr val="0D0D0D"/>
+              </a:solidFill>
+              <a:effectLst/>
+              <a:latin typeface="Söhne"/>
+            </a:endParaRPr>
+          </a:p>
+          <a:p>
+            <a:pPr algn="l"/>
+            <a:r>
+              <a:rPr lang="en-US" sz="1600" b="0" i="0" dirty="0">
+                <a:solidFill>
+                  <a:srgbClr val="0D0D0D"/>
+                </a:solidFill>
+                <a:effectLst/>
+                <a:latin typeface="Söhne"/>
+              </a:rPr>
+              <a:t>In short, SHACL is an important tool within the Linked Data ecosystem, allowing developers to ensure the quality and consistency of RDF data.</a:t>
+            </a:r>
+            <a:endParaRPr lang="nl-NL" sz="1600" b="0" i="0" dirty="0">
+              <a:solidFill>
+                <a:srgbClr val="0D0D0D"/>
+              </a:solidFill>
+              <a:effectLst/>
+              <a:latin typeface="Söhne"/>
+            </a:endParaRPr>
+          </a:p>
+        </p:txBody>
+      </p:sp>
+      <p:sp>
+        <p:nvSpPr>
+          <p:cNvPr id="3" name="Tijdelijke aanduiding voor inhoud 6">
+            <a:extLst>
+              <a:ext uri="{FF2B5EF4-FFF2-40B4-BE49-F238E27FC236}">
+                <a16:creationId xmlns:a16="http://schemas.microsoft.com/office/drawing/2014/main" id="{6D4D8CBC-C048-05BA-A92A-FF4531F28891}"/>
+              </a:ext>
+            </a:extLst>
+          </p:cNvPr>
+          <p:cNvSpPr txBox="1">
+            <a:spLocks/>
+          </p:cNvSpPr>
+          <p:nvPr/>
+        </p:nvSpPr>
+        <p:spPr>
+          <a:xfrm>
+            <a:off x="10084378" y="5595730"/>
+            <a:ext cx="1182175" cy="1262270"/>
+          </a:xfrm>
+          <a:prstGeom prst="rect">
+            <a:avLst/>
+          </a:prstGeom>
+        </p:spPr>
+        <p:txBody>
+          <a:bodyPr vert="horz" lIns="91440" tIns="45720" rIns="91440" bIns="45720" rtlCol="0" anchor="ctr">
+            <a:normAutofit/>
+          </a:bodyPr>
+          <a:lstStyle>
+            <a:lvl1pPr marL="344488" indent="-344488" algn="l" defTabSz="914400" rtl="0" eaLnBrk="1" latinLnBrk="0" hangingPunct="1">
+              <a:lnSpc>
+                <a:spcPct val="120000"/>
+              </a:lnSpc>
+              <a:spcBef>
+                <a:spcPts val="1000"/>
+              </a:spcBef>
+              <a:spcAft>
+                <a:spcPts val="600"/>
+              </a:spcAft>
+              <a:buClr>
+                <a:schemeClr val="accent6"/>
+              </a:buClr>
+              <a:buSzPct val="90000"/>
+              <a:buFont typeface="Wingdings" panose="05000000000000000000" pitchFamily="2" charset="2"/>
+              <a:buChar char="§"/>
+              <a:defRPr sz="2000" kern="1200">
+                <a:solidFill>
+                  <a:schemeClr val="tx1"/>
+                </a:solidFill>
+                <a:effectLst/>
+                <a:latin typeface="+mn-lt"/>
+                <a:ea typeface="+mn-ea"/>
+                <a:cs typeface="+mn-cs"/>
+              </a:defRPr>
+            </a:lvl1pPr>
+            <a:lvl2pPr marL="795338" indent="-338138" algn="l" defTabSz="914400" rtl="0" eaLnBrk="1" latinLnBrk="0" hangingPunct="1">
+              <a:lnSpc>
+                <a:spcPct val="120000"/>
+              </a:lnSpc>
+              <a:spcBef>
+                <a:spcPts val="500"/>
+              </a:spcBef>
+              <a:spcAft>
+                <a:spcPts val="600"/>
+              </a:spcAft>
+              <a:buClr>
+                <a:schemeClr val="accent6"/>
+              </a:buClr>
+              <a:buSzPct val="90000"/>
+              <a:buFont typeface="Wingdings" panose="05000000000000000000" pitchFamily="2" charset="2"/>
+              <a:buChar char="§"/>
+              <a:defRPr sz="1800" kern="1200">
+                <a:solidFill>
+                  <a:schemeClr val="tx1"/>
+                </a:solidFill>
+                <a:effectLst/>
+                <a:latin typeface="+mn-lt"/>
+                <a:ea typeface="+mn-ea"/>
+                <a:cs typeface="+mn-cs"/>
+              </a:defRPr>
+            </a:lvl2pPr>
+            <a:lvl3pPr marL="1258888" indent="-344488" algn="l" defTabSz="914400" rtl="0" eaLnBrk="1" latinLnBrk="0" hangingPunct="1">
+              <a:lnSpc>
+                <a:spcPct val="120000"/>
+              </a:lnSpc>
+              <a:spcBef>
+                <a:spcPts val="500"/>
+              </a:spcBef>
+              <a:spcAft>
+                <a:spcPts val="600"/>
+              </a:spcAft>
+              <a:buClr>
+                <a:schemeClr val="accent6"/>
+              </a:buClr>
+              <a:buSzPct val="90000"/>
+              <a:buFont typeface="Wingdings" panose="05000000000000000000" pitchFamily="2" charset="2"/>
+              <a:buChar char="§"/>
+              <a:defRPr sz="1600" kern="1200">
+                <a:solidFill>
+                  <a:schemeClr val="tx1"/>
+                </a:solidFill>
+                <a:effectLst/>
+                <a:latin typeface="+mn-lt"/>
+                <a:ea typeface="+mn-ea"/>
+                <a:cs typeface="+mn-cs"/>
+              </a:defRPr>
+            </a:lvl3pPr>
+            <a:lvl4pPr marL="1709738" indent="-338138" algn="l" defTabSz="914400" rtl="0" eaLnBrk="1" latinLnBrk="0" hangingPunct="1">
+              <a:lnSpc>
+                <a:spcPct val="120000"/>
+              </a:lnSpc>
+              <a:spcBef>
+                <a:spcPts val="500"/>
+              </a:spcBef>
+              <a:spcAft>
+                <a:spcPts val="600"/>
+              </a:spcAft>
+              <a:buClr>
+                <a:schemeClr val="accent6"/>
+              </a:buClr>
+              <a:buSzPct val="90000"/>
+              <a:buFont typeface="Wingdings" panose="05000000000000000000" pitchFamily="2" charset="2"/>
+              <a:buChar char="§"/>
+              <a:defRPr sz="1400" kern="1200">
+                <a:solidFill>
+                  <a:schemeClr val="tx1"/>
+                </a:solidFill>
+                <a:effectLst/>
+                <a:latin typeface="+mn-lt"/>
+                <a:ea typeface="+mn-ea"/>
+                <a:cs typeface="+mn-cs"/>
+              </a:defRPr>
+            </a:lvl4pPr>
+            <a:lvl5pPr marL="2173288" indent="-344488" algn="l" defTabSz="914400" rtl="0" eaLnBrk="1" latinLnBrk="0" hangingPunct="1">
+              <a:lnSpc>
+                <a:spcPct val="120000"/>
+              </a:lnSpc>
+              <a:spcBef>
+                <a:spcPts val="500"/>
+              </a:spcBef>
+              <a:spcAft>
+                <a:spcPts val="600"/>
+              </a:spcAft>
+              <a:buClr>
+                <a:schemeClr val="accent6"/>
+              </a:buClr>
+              <a:buSzPct val="90000"/>
+              <a:buFont typeface="Wingdings" panose="05000000000000000000" pitchFamily="2" charset="2"/>
+              <a:buChar char="§"/>
+              <a:defRPr sz="1200" kern="1200">
+                <a:solidFill>
+                  <a:schemeClr val="tx1"/>
+                </a:solidFill>
+                <a:effectLst/>
+                <a:latin typeface="+mn-lt"/>
+                <a:ea typeface="+mn-ea"/>
+                <a:cs typeface="+mn-cs"/>
+              </a:defRPr>
+            </a:lvl5pPr>
+            <a:lvl6pPr marL="2642616" indent="-338328" algn="l" defTabSz="914400" rtl="0" eaLnBrk="1" latinLnBrk="0" hangingPunct="1">
+              <a:lnSpc>
+                <a:spcPct val="120000"/>
+              </a:lnSpc>
+              <a:spcBef>
+                <a:spcPts val="500"/>
+              </a:spcBef>
+              <a:spcAft>
+                <a:spcPts val="600"/>
+              </a:spcAft>
+              <a:buClr>
+                <a:schemeClr val="accent6"/>
+              </a:buClr>
+              <a:buSzPct val="90000"/>
+              <a:buFont typeface="Wingdings" panose="05000000000000000000" pitchFamily="2" charset="2"/>
+              <a:buChar char="§"/>
+              <a:defRPr sz="1200" kern="1200" baseline="0">
+                <a:solidFill>
+                  <a:schemeClr val="tx1"/>
+                </a:solidFill>
+                <a:effectLst/>
+                <a:latin typeface="+mn-lt"/>
+                <a:ea typeface="+mn-ea"/>
+                <a:cs typeface="+mn-cs"/>
+              </a:defRPr>
+            </a:lvl6pPr>
+            <a:lvl7pPr marL="3108960" indent="-338328" algn="l" defTabSz="914400" rtl="0" eaLnBrk="1" latinLnBrk="0" hangingPunct="1">
+              <a:lnSpc>
+                <a:spcPct val="120000"/>
+              </a:lnSpc>
+              <a:spcBef>
+                <a:spcPts val="500"/>
+              </a:spcBef>
+              <a:spcAft>
+                <a:spcPts val="600"/>
+              </a:spcAft>
+              <a:buClr>
+                <a:schemeClr val="accent6"/>
+              </a:buClr>
+              <a:buSzPct val="90000"/>
+              <a:buFont typeface="Wingdings" panose="05000000000000000000" pitchFamily="2" charset="2"/>
+              <a:buChar char="§"/>
+              <a:defRPr sz="1200" kern="1200" baseline="0">
+                <a:solidFill>
+                  <a:schemeClr val="tx1"/>
+                </a:solidFill>
+                <a:effectLst/>
+                <a:latin typeface="+mn-lt"/>
+                <a:ea typeface="+mn-ea"/>
+                <a:cs typeface="+mn-cs"/>
+              </a:defRPr>
+            </a:lvl7pPr>
+            <a:lvl8pPr marL="3575304" indent="-338328" algn="l" defTabSz="914400" rtl="0" eaLnBrk="1" latinLnBrk="0" hangingPunct="1">
+              <a:lnSpc>
+                <a:spcPct val="120000"/>
+              </a:lnSpc>
+              <a:spcBef>
+                <a:spcPts val="500"/>
+              </a:spcBef>
+              <a:spcAft>
+                <a:spcPts val="600"/>
+              </a:spcAft>
+              <a:buClr>
+                <a:schemeClr val="accent6"/>
+              </a:buClr>
+              <a:buSzPct val="90000"/>
+              <a:buFont typeface="Wingdings" panose="05000000000000000000" pitchFamily="2" charset="2"/>
+              <a:buChar char="§"/>
+              <a:defRPr sz="1200" kern="1200" baseline="0">
+                <a:solidFill>
+                  <a:schemeClr val="tx1"/>
+                </a:solidFill>
+                <a:effectLst/>
+                <a:latin typeface="+mn-lt"/>
+                <a:ea typeface="+mn-ea"/>
+                <a:cs typeface="+mn-cs"/>
+              </a:defRPr>
+            </a:lvl8pPr>
+            <a:lvl9pPr marL="4041648" indent="-338328" algn="l" defTabSz="914400" rtl="0" eaLnBrk="1" latinLnBrk="0" hangingPunct="1">
+              <a:lnSpc>
+                <a:spcPct val="120000"/>
+              </a:lnSpc>
+              <a:spcBef>
+                <a:spcPts val="500"/>
+              </a:spcBef>
+              <a:spcAft>
+                <a:spcPts val="600"/>
+              </a:spcAft>
+              <a:buClr>
+                <a:schemeClr val="accent6"/>
+              </a:buClr>
+              <a:buSzPct val="90000"/>
+              <a:buFont typeface="Wingdings" panose="05000000000000000000" pitchFamily="2" charset="2"/>
+              <a:buChar char="§"/>
+              <a:defRPr sz="1200" kern="1200" baseline="0">
+                <a:solidFill>
+                  <a:schemeClr val="tx1"/>
+                </a:solidFill>
+                <a:effectLst/>
+                <a:latin typeface="+mn-lt"/>
+                <a:ea typeface="+mn-ea"/>
+                <a:cs typeface="+mn-cs"/>
+              </a:defRPr>
+            </a:lvl9pPr>
+          </a:lstStyle>
+          <a:p>
+            <a:pPr marL="0" indent="0">
+              <a:buNone/>
+            </a:pPr>
+            <a:r>
+              <a:rPr lang="nl-NL" dirty="0" err="1">
+                <a:latin typeface="Söhne"/>
+              </a:rPr>
+              <a:t>chatgpt</a:t>
+            </a:r>
+            <a:endParaRPr lang="nl-NL" dirty="0">
+              <a:latin typeface="Söhne"/>
+            </a:endParaRPr>
+          </a:p>
+          <a:p>
+            <a:endParaRPr lang="nl-NL" dirty="0"/>
+          </a:p>
+        </p:txBody>
+      </p:sp>
+    </p:spTree>
+    <p:extLst>
+      <p:ext uri="{BB962C8B-B14F-4D97-AF65-F5344CB8AC3E}">
+        <p14:creationId xmlns:p14="http://schemas.microsoft.com/office/powerpoint/2010/main" val="1133550296"/>
+      </p:ext>
+    </p:extLst>
+  </p:cSld>
+  <p:clrMapOvr>
+    <a:masterClrMapping/>
+  </p:clrMapOvr>
+</p:sld>
+</file>
+
+<file path=ppt/slides/slide12.xml><?xml version="1.0" encoding="utf-8"?>
+<p:sld xmlns:a="http://schemas.openxmlformats.org/drawingml/2006/main" xmlns:r="http://schemas.openxmlformats.org/officeDocument/2006/relationships" xmlns:p="http://schemas.openxmlformats.org/presentationml/2006/main">
+  <p:cSld>
+    <p:spTree>
+      <p:nvGrpSpPr>
+        <p:cNvPr id="1" name=""/>
+        <p:cNvGrpSpPr/>
+        <p:nvPr/>
+      </p:nvGrpSpPr>
+      <p:grpSpPr>
+        <a:xfrm>
+          <a:off x="0" y="0"/>
+          <a:ext cx="0" cy="0"/>
+          <a:chOff x="0" y="0"/>
+          <a:chExt cx="0" cy="0"/>
+        </a:xfrm>
+      </p:grpSpPr>
+      <p:sp>
+        <p:nvSpPr>
+          <p:cNvPr id="2" name="Titel 1">
+            <a:extLst>
+              <a:ext uri="{FF2B5EF4-FFF2-40B4-BE49-F238E27FC236}">
+                <a16:creationId xmlns:a16="http://schemas.microsoft.com/office/drawing/2014/main" id="{66EECF1F-3A3A-48A9-AF99-34EA2FE500E0}"/>
+              </a:ext>
+            </a:extLst>
+          </p:cNvPr>
+          <p:cNvSpPr>
+            <a:spLocks noGrp="1"/>
+          </p:cNvSpPr>
+          <p:nvPr>
+            <p:ph type="title"/>
+          </p:nvPr>
+        </p:nvSpPr>
+        <p:spPr/>
+        <p:txBody>
+          <a:bodyPr/>
+          <a:lstStyle/>
+          <a:p>
+            <a:r>
+              <a:rPr lang="nl-NL" dirty="0" err="1"/>
+              <a:t>What</a:t>
+            </a:r>
+            <a:r>
+              <a:rPr lang="nl-NL" dirty="0"/>
+              <a:t> is SHACL ?</a:t>
+            </a:r>
+          </a:p>
+        </p:txBody>
+      </p:sp>
+      <p:sp>
+        <p:nvSpPr>
+          <p:cNvPr id="31" name="Tijdelijke aanduiding voor inhoud 6">
+            <a:extLst>
+              <a:ext uri="{FF2B5EF4-FFF2-40B4-BE49-F238E27FC236}">
+                <a16:creationId xmlns:a16="http://schemas.microsoft.com/office/drawing/2014/main" id="{38A2A9EE-75E8-49F9-EBD2-15C6298FC791}"/>
+              </a:ext>
+            </a:extLst>
+          </p:cNvPr>
+          <p:cNvSpPr txBox="1">
+            <a:spLocks/>
+          </p:cNvSpPr>
+          <p:nvPr/>
+        </p:nvSpPr>
+        <p:spPr>
+          <a:xfrm>
+            <a:off x="1481492" y="1294394"/>
+            <a:ext cx="9598025" cy="5010150"/>
+          </a:xfrm>
+          <a:prstGeom prst="rect">
+            <a:avLst/>
+          </a:prstGeom>
+        </p:spPr>
+        <p:txBody>
+          <a:bodyPr vert="horz" lIns="91440" tIns="45720" rIns="91440" bIns="45720" rtlCol="0" anchor="ctr">
+            <a:normAutofit/>
+          </a:bodyPr>
+          <a:lstStyle>
+            <a:lvl1pPr marL="344488" indent="-344488" algn="l" defTabSz="914400" rtl="0" eaLnBrk="1" latinLnBrk="0" hangingPunct="1">
+              <a:lnSpc>
+                <a:spcPct val="120000"/>
+              </a:lnSpc>
+              <a:spcBef>
+                <a:spcPts val="1000"/>
+              </a:spcBef>
+              <a:spcAft>
+                <a:spcPts val="600"/>
+              </a:spcAft>
+              <a:buClr>
+                <a:schemeClr val="accent6"/>
+              </a:buClr>
+              <a:buSzPct val="90000"/>
+              <a:buFont typeface="Wingdings" panose="05000000000000000000" pitchFamily="2" charset="2"/>
+              <a:buChar char="§"/>
+              <a:defRPr lang="en-US" sz="2000" b="0" kern="1200">
+                <a:solidFill>
+                  <a:schemeClr val="tx1"/>
+                </a:solidFill>
+                <a:effectLst/>
+                <a:latin typeface="+mn-lt"/>
+                <a:ea typeface="+mn-ea"/>
+                <a:cs typeface="+mn-cs"/>
+              </a:defRPr>
+            </a:lvl1pPr>
+            <a:lvl2pPr marL="795338" indent="-338138" algn="l" defTabSz="914400" rtl="0" eaLnBrk="1" latinLnBrk="0" hangingPunct="1">
+              <a:lnSpc>
+                <a:spcPct val="120000"/>
+              </a:lnSpc>
+              <a:spcBef>
+                <a:spcPts val="500"/>
+              </a:spcBef>
+              <a:spcAft>
+                <a:spcPts val="600"/>
+              </a:spcAft>
+              <a:buClr>
+                <a:schemeClr val="accent6"/>
+              </a:buClr>
+              <a:buSzPct val="90000"/>
+              <a:buFont typeface="Wingdings" panose="05000000000000000000" pitchFamily="2" charset="2"/>
+              <a:buChar char="§"/>
+              <a:defRPr lang="en-US" sz="1800" b="0" kern="1200">
+                <a:solidFill>
+                  <a:schemeClr val="tx1"/>
+                </a:solidFill>
+                <a:effectLst/>
+                <a:latin typeface="+mn-lt"/>
+                <a:ea typeface="+mn-ea"/>
+                <a:cs typeface="+mn-cs"/>
+              </a:defRPr>
+            </a:lvl2pPr>
+            <a:lvl3pPr marL="1258888" indent="-344488" algn="l" defTabSz="914400" rtl="0" eaLnBrk="1" latinLnBrk="0" hangingPunct="1">
+              <a:lnSpc>
+                <a:spcPct val="120000"/>
+              </a:lnSpc>
+              <a:spcBef>
+                <a:spcPts val="500"/>
+              </a:spcBef>
+              <a:spcAft>
+                <a:spcPts val="600"/>
+              </a:spcAft>
+              <a:buClr>
+                <a:schemeClr val="accent6"/>
+              </a:buClr>
+              <a:buSzPct val="90000"/>
+              <a:buFont typeface="Wingdings" panose="05000000000000000000" pitchFamily="2" charset="2"/>
+              <a:buChar char="§"/>
+              <a:defRPr lang="en-US" sz="1600" b="0" kern="1200">
+                <a:solidFill>
+                  <a:schemeClr val="tx1"/>
+                </a:solidFill>
+                <a:effectLst/>
+                <a:latin typeface="+mn-lt"/>
+                <a:ea typeface="+mn-ea"/>
+                <a:cs typeface="+mn-cs"/>
+              </a:defRPr>
+            </a:lvl3pPr>
+            <a:lvl4pPr marL="1709738" indent="-338138" algn="l" defTabSz="914400" rtl="0" eaLnBrk="1" latinLnBrk="0" hangingPunct="1">
+              <a:lnSpc>
+                <a:spcPct val="120000"/>
+              </a:lnSpc>
+              <a:spcBef>
+                <a:spcPts val="500"/>
+              </a:spcBef>
+              <a:spcAft>
+                <a:spcPts val="600"/>
+              </a:spcAft>
+              <a:buClr>
+                <a:schemeClr val="accent6"/>
+              </a:buClr>
+              <a:buSzPct val="90000"/>
+              <a:buFont typeface="Wingdings" panose="05000000000000000000" pitchFamily="2" charset="2"/>
+              <a:buChar char="§"/>
+              <a:defRPr lang="en-US" sz="1400" b="0" kern="1200">
+                <a:solidFill>
+                  <a:schemeClr val="tx1"/>
+                </a:solidFill>
+                <a:effectLst/>
+                <a:latin typeface="+mn-lt"/>
+                <a:ea typeface="+mn-ea"/>
+                <a:cs typeface="+mn-cs"/>
+              </a:defRPr>
+            </a:lvl4pPr>
+            <a:lvl5pPr marL="2173288" indent="-344488" algn="l" defTabSz="914400" rtl="0" eaLnBrk="1" latinLnBrk="0" hangingPunct="1">
+              <a:lnSpc>
+                <a:spcPct val="120000"/>
+              </a:lnSpc>
+              <a:spcBef>
+                <a:spcPts val="500"/>
+              </a:spcBef>
+              <a:spcAft>
+                <a:spcPts val="600"/>
+              </a:spcAft>
+              <a:buClr>
+                <a:schemeClr val="accent6"/>
+              </a:buClr>
+              <a:buSzPct val="90000"/>
+              <a:buFont typeface="Wingdings" panose="05000000000000000000" pitchFamily="2" charset="2"/>
+              <a:buChar char="§"/>
+              <a:defRPr lang="en-GB" sz="1200" b="0" kern="1200">
+                <a:solidFill>
+                  <a:schemeClr val="tx1"/>
+                </a:solidFill>
+                <a:effectLst/>
+                <a:latin typeface="+mn-lt"/>
+                <a:ea typeface="+mn-ea"/>
+                <a:cs typeface="+mn-cs"/>
+              </a:defRPr>
+            </a:lvl5pPr>
+            <a:lvl6pPr marL="2642616" indent="-338328" algn="l" defTabSz="914400" rtl="0" eaLnBrk="1" latinLnBrk="0" hangingPunct="1">
+              <a:lnSpc>
+                <a:spcPct val="120000"/>
+              </a:lnSpc>
+              <a:spcBef>
+                <a:spcPts val="500"/>
+              </a:spcBef>
+              <a:spcAft>
+                <a:spcPts val="600"/>
+              </a:spcAft>
+              <a:buClr>
+                <a:schemeClr val="accent6"/>
+              </a:buClr>
+              <a:buSzPct val="90000"/>
+              <a:buFont typeface="Wingdings" panose="05000000000000000000" pitchFamily="2" charset="2"/>
+              <a:buChar char="§"/>
+              <a:defRPr sz="1200" kern="1200" baseline="0">
+                <a:solidFill>
+                  <a:schemeClr val="tx1"/>
+                </a:solidFill>
+                <a:effectLst/>
+                <a:latin typeface="+mn-lt"/>
+                <a:ea typeface="+mn-ea"/>
+                <a:cs typeface="+mn-cs"/>
+              </a:defRPr>
+            </a:lvl6pPr>
+            <a:lvl7pPr marL="3108960" indent="-338328" algn="l" defTabSz="914400" rtl="0" eaLnBrk="1" latinLnBrk="0" hangingPunct="1">
+              <a:lnSpc>
+                <a:spcPct val="120000"/>
+              </a:lnSpc>
+              <a:spcBef>
+                <a:spcPts val="500"/>
+              </a:spcBef>
+              <a:spcAft>
+                <a:spcPts val="600"/>
+              </a:spcAft>
+              <a:buClr>
+                <a:schemeClr val="accent6"/>
+              </a:buClr>
+              <a:buSzPct val="90000"/>
+              <a:buFont typeface="Wingdings" panose="05000000000000000000" pitchFamily="2" charset="2"/>
+              <a:buChar char="§"/>
+              <a:defRPr sz="1200" kern="1200" baseline="0">
+                <a:solidFill>
+                  <a:schemeClr val="tx1"/>
+                </a:solidFill>
+                <a:effectLst/>
+                <a:latin typeface="+mn-lt"/>
+                <a:ea typeface="+mn-ea"/>
+                <a:cs typeface="+mn-cs"/>
+              </a:defRPr>
+            </a:lvl7pPr>
+            <a:lvl8pPr marL="3575304" indent="-338328" algn="l" defTabSz="914400" rtl="0" eaLnBrk="1" latinLnBrk="0" hangingPunct="1">
+              <a:lnSpc>
+                <a:spcPct val="120000"/>
+              </a:lnSpc>
+              <a:spcBef>
+                <a:spcPts val="500"/>
+              </a:spcBef>
+              <a:spcAft>
+                <a:spcPts val="600"/>
+              </a:spcAft>
+              <a:buClr>
+                <a:schemeClr val="accent6"/>
+              </a:buClr>
+              <a:buSzPct val="90000"/>
+              <a:buFont typeface="Wingdings" panose="05000000000000000000" pitchFamily="2" charset="2"/>
+              <a:buChar char="§"/>
+              <a:defRPr sz="1200" kern="1200" baseline="0">
+                <a:solidFill>
+                  <a:schemeClr val="tx1"/>
+                </a:solidFill>
+                <a:effectLst/>
+                <a:latin typeface="+mn-lt"/>
+                <a:ea typeface="+mn-ea"/>
+                <a:cs typeface="+mn-cs"/>
+              </a:defRPr>
+            </a:lvl8pPr>
+            <a:lvl9pPr marL="4041648" indent="-338328" algn="l" defTabSz="914400" rtl="0" eaLnBrk="1" latinLnBrk="0" hangingPunct="1">
+              <a:lnSpc>
+                <a:spcPct val="120000"/>
+              </a:lnSpc>
+              <a:spcBef>
+                <a:spcPts val="500"/>
+              </a:spcBef>
+              <a:spcAft>
+                <a:spcPts val="600"/>
+              </a:spcAft>
+              <a:buClr>
+                <a:schemeClr val="accent6"/>
+              </a:buClr>
+              <a:buSzPct val="90000"/>
+              <a:buFont typeface="Wingdings" panose="05000000000000000000" pitchFamily="2" charset="2"/>
+              <a:buChar char="§"/>
+              <a:defRPr sz="1200" kern="1200" baseline="0">
+                <a:solidFill>
+                  <a:schemeClr val="tx1"/>
+                </a:solidFill>
+                <a:effectLst/>
+                <a:latin typeface="+mn-lt"/>
+                <a:ea typeface="+mn-ea"/>
+                <a:cs typeface="+mn-cs"/>
+              </a:defRPr>
+            </a:lvl9pPr>
+          </a:lstStyle>
+          <a:p>
+            <a:pPr marL="0" indent="0">
+              <a:buFont typeface="Wingdings" panose="05000000000000000000" pitchFamily="2" charset="2"/>
+              <a:buNone/>
+            </a:pPr>
+            <a:endParaRPr lang="nl-NL" dirty="0"/>
+          </a:p>
+        </p:txBody>
+      </p:sp>
+      <p:sp>
+        <p:nvSpPr>
+          <p:cNvPr id="4" name="Tekstvak 3">
+            <a:extLst>
+              <a:ext uri="{FF2B5EF4-FFF2-40B4-BE49-F238E27FC236}">
+                <a16:creationId xmlns:a16="http://schemas.microsoft.com/office/drawing/2014/main" id="{0D450E02-4A61-8A4F-DFCB-076C0CA610BB}"/>
+              </a:ext>
+            </a:extLst>
+          </p:cNvPr>
+          <p:cNvSpPr txBox="1"/>
+          <p:nvPr/>
+        </p:nvSpPr>
+        <p:spPr>
+          <a:xfrm>
+            <a:off x="914978" y="1292988"/>
+            <a:ext cx="10164539" cy="4909036"/>
+          </a:xfrm>
+          <a:prstGeom prst="rect">
+            <a:avLst/>
+          </a:prstGeom>
+          <a:noFill/>
+        </p:spPr>
+        <p:txBody>
+          <a:bodyPr wrap="square" rtlCol="0">
+            <a:spAutoFit/>
+          </a:bodyPr>
+          <a:lstStyle/>
+          <a:p>
+            <a:pPr algn="l"/>
+            <a:r>
+              <a:rPr lang="en-US" sz="1400" b="0" i="0" dirty="0">
+                <a:solidFill>
+                  <a:srgbClr val="0D0D0D"/>
+                </a:solidFill>
+                <a:effectLst/>
+                <a:latin typeface="Söhne"/>
+              </a:rPr>
+              <a:t>Imagine we have an RDF dataset containing information about various pets, including cats. We want to create a SHACL schema to validate whether the cat information is correctly structured, including the presence of the cat's name and age.</a:t>
+            </a:r>
+          </a:p>
+          <a:p>
+            <a:pPr algn="l"/>
+            <a:r>
+              <a:rPr lang="en-US" sz="1400" b="0" i="0" dirty="0">
+                <a:solidFill>
+                  <a:srgbClr val="0D0D0D"/>
+                </a:solidFill>
+                <a:effectLst/>
+                <a:latin typeface="Söhne"/>
+              </a:rPr>
+              <a:t>Here is a simple SHACL schema for this purpose:</a:t>
+            </a:r>
+            <a:br>
+              <a:rPr lang="en-US" sz="1400" b="0" i="0" dirty="0">
+                <a:solidFill>
+                  <a:srgbClr val="0D0D0D"/>
+                </a:solidFill>
+                <a:effectLst/>
+                <a:latin typeface="Söhne"/>
+              </a:rPr>
+            </a:br>
+            <a:endParaRPr lang="en-US" sz="1400" b="0" i="0" dirty="0">
+              <a:solidFill>
+                <a:srgbClr val="0D0D0D"/>
+              </a:solidFill>
+              <a:effectLst/>
+              <a:latin typeface="Söhne"/>
+            </a:endParaRPr>
+          </a:p>
+          <a:p>
+            <a:pPr algn="l"/>
+            <a:r>
+              <a:rPr lang="nl-NL" sz="1100" b="0" i="0" dirty="0">
+                <a:solidFill>
+                  <a:srgbClr val="FF0000"/>
+                </a:solidFill>
+                <a:effectLst/>
+                <a:latin typeface="Söhne"/>
+              </a:rPr>
+              <a:t>@prefix </a:t>
+            </a:r>
+            <a:r>
+              <a:rPr lang="nl-NL" sz="1100" b="0" i="0" dirty="0" err="1">
+                <a:solidFill>
+                  <a:srgbClr val="FF0000"/>
+                </a:solidFill>
+                <a:effectLst/>
+                <a:latin typeface="Söhne"/>
+              </a:rPr>
+              <a:t>rdf</a:t>
+            </a:r>
+            <a:r>
+              <a:rPr lang="nl-NL" sz="1100" b="0" i="0" dirty="0">
+                <a:solidFill>
+                  <a:srgbClr val="FF0000"/>
+                </a:solidFill>
+                <a:effectLst/>
+                <a:latin typeface="Söhne"/>
+              </a:rPr>
+              <a:t>: &lt;http://www.w3.org/1999/02/22-rdf-syntax-ns#&gt; .</a:t>
+            </a:r>
+          </a:p>
+          <a:p>
+            <a:pPr algn="l"/>
+            <a:r>
+              <a:rPr lang="nl-NL" sz="1100" b="0" i="0" dirty="0">
+                <a:solidFill>
+                  <a:srgbClr val="FF0000"/>
+                </a:solidFill>
+                <a:effectLst/>
+                <a:latin typeface="Söhne"/>
+              </a:rPr>
+              <a:t>@prefix </a:t>
+            </a:r>
+            <a:r>
+              <a:rPr lang="nl-NL" sz="1100" b="0" i="0" dirty="0" err="1">
+                <a:solidFill>
+                  <a:srgbClr val="FF0000"/>
+                </a:solidFill>
+                <a:effectLst/>
+                <a:latin typeface="Söhne"/>
+              </a:rPr>
+              <a:t>rdfs</a:t>
+            </a:r>
+            <a:r>
+              <a:rPr lang="nl-NL" sz="1100" b="0" i="0" dirty="0">
+                <a:solidFill>
+                  <a:srgbClr val="FF0000"/>
+                </a:solidFill>
+                <a:effectLst/>
+                <a:latin typeface="Söhne"/>
+              </a:rPr>
+              <a:t>: &lt;http://www.w3.org/2000/01/rdf-schema#&gt; .</a:t>
+            </a:r>
+          </a:p>
+          <a:p>
+            <a:pPr algn="l"/>
+            <a:r>
+              <a:rPr lang="nl-NL" sz="1100" b="0" i="0" dirty="0">
+                <a:solidFill>
+                  <a:srgbClr val="FF0000"/>
+                </a:solidFill>
+                <a:effectLst/>
+                <a:latin typeface="Söhne"/>
+              </a:rPr>
+              <a:t>@prefix ex: &lt;http://example.org/&gt; .</a:t>
+            </a:r>
+          </a:p>
+          <a:p>
+            <a:pPr algn="l"/>
+            <a:r>
+              <a:rPr lang="nl-NL" sz="1100" b="0" i="0" dirty="0">
+                <a:solidFill>
+                  <a:srgbClr val="FF0000"/>
+                </a:solidFill>
+                <a:effectLst/>
+                <a:latin typeface="Söhne"/>
+              </a:rPr>
+              <a:t>@prefix sh: &lt;http://www.w3.org/ns/shacl#&gt; .</a:t>
+            </a:r>
+          </a:p>
+          <a:p>
+            <a:pPr algn="l"/>
+            <a:endParaRPr lang="nl-NL" sz="1100" b="0" i="0" dirty="0">
+              <a:solidFill>
+                <a:srgbClr val="FF0000"/>
+              </a:solidFill>
+              <a:effectLst/>
+              <a:latin typeface="Söhne"/>
+            </a:endParaRPr>
+          </a:p>
+          <a:p>
+            <a:pPr algn="l"/>
+            <a:r>
+              <a:rPr lang="nl-NL" sz="1100" b="0" i="0" dirty="0" err="1">
+                <a:solidFill>
+                  <a:srgbClr val="FF0000"/>
+                </a:solidFill>
+                <a:effectLst/>
+                <a:latin typeface="Söhne"/>
+              </a:rPr>
+              <a:t>ex:CatShape</a:t>
+            </a:r>
+            <a:endParaRPr lang="nl-NL" sz="1100" b="0" i="0" dirty="0">
+              <a:solidFill>
+                <a:srgbClr val="FF0000"/>
+              </a:solidFill>
+              <a:effectLst/>
+              <a:latin typeface="Söhne"/>
+            </a:endParaRPr>
+          </a:p>
+          <a:p>
+            <a:pPr algn="l"/>
+            <a:r>
+              <a:rPr lang="nl-NL" sz="1100" b="0" i="0" dirty="0">
+                <a:solidFill>
+                  <a:srgbClr val="FF0000"/>
+                </a:solidFill>
+                <a:effectLst/>
+                <a:latin typeface="Söhne"/>
+              </a:rPr>
+              <a:t>  a </a:t>
+            </a:r>
+            <a:r>
+              <a:rPr lang="nl-NL" sz="1100" b="0" i="0" dirty="0" err="1">
+                <a:solidFill>
+                  <a:srgbClr val="FF0000"/>
+                </a:solidFill>
+                <a:effectLst/>
+                <a:latin typeface="Söhne"/>
+              </a:rPr>
+              <a:t>sh:NodeShape</a:t>
+            </a:r>
+            <a:r>
+              <a:rPr lang="nl-NL" sz="1100" b="0" i="0" dirty="0">
+                <a:solidFill>
+                  <a:srgbClr val="FF0000"/>
+                </a:solidFill>
+                <a:effectLst/>
+                <a:latin typeface="Söhne"/>
+              </a:rPr>
+              <a:t> ;</a:t>
+            </a:r>
+          </a:p>
+          <a:p>
+            <a:pPr algn="l"/>
+            <a:r>
+              <a:rPr lang="nl-NL" sz="1100" b="0" i="0" dirty="0">
+                <a:solidFill>
+                  <a:srgbClr val="FF0000"/>
+                </a:solidFill>
+                <a:effectLst/>
+                <a:latin typeface="Söhne"/>
+              </a:rPr>
+              <a:t>  </a:t>
+            </a:r>
+            <a:r>
+              <a:rPr lang="nl-NL" sz="1100" b="0" i="0" dirty="0" err="1">
+                <a:solidFill>
+                  <a:srgbClr val="FF0000"/>
+                </a:solidFill>
+                <a:effectLst/>
+                <a:latin typeface="Söhne"/>
+              </a:rPr>
+              <a:t>sh:targetClass</a:t>
+            </a:r>
+            <a:r>
+              <a:rPr lang="nl-NL" sz="1100" b="0" i="0" dirty="0">
+                <a:solidFill>
+                  <a:srgbClr val="FF0000"/>
+                </a:solidFill>
+                <a:effectLst/>
+                <a:latin typeface="Söhne"/>
+              </a:rPr>
+              <a:t> </a:t>
+            </a:r>
+            <a:r>
+              <a:rPr lang="nl-NL" sz="1100" b="0" i="0" dirty="0" err="1">
+                <a:solidFill>
+                  <a:srgbClr val="FF0000"/>
+                </a:solidFill>
+                <a:effectLst/>
+                <a:latin typeface="Söhne"/>
+              </a:rPr>
+              <a:t>ex:Cat</a:t>
+            </a:r>
+            <a:r>
+              <a:rPr lang="nl-NL" sz="1100" b="0" i="0" dirty="0">
+                <a:solidFill>
+                  <a:srgbClr val="FF0000"/>
+                </a:solidFill>
+                <a:effectLst/>
+                <a:latin typeface="Söhne"/>
+              </a:rPr>
+              <a:t> ;</a:t>
+            </a:r>
+          </a:p>
+          <a:p>
+            <a:pPr algn="l"/>
+            <a:r>
+              <a:rPr lang="nl-NL" sz="1100" b="0" i="0" dirty="0">
+                <a:solidFill>
+                  <a:srgbClr val="FF0000"/>
+                </a:solidFill>
+                <a:effectLst/>
+                <a:latin typeface="Söhne"/>
+              </a:rPr>
+              <a:t>  </a:t>
+            </a:r>
+            <a:r>
+              <a:rPr lang="nl-NL" sz="1100" b="0" i="0" dirty="0" err="1">
+                <a:solidFill>
+                  <a:srgbClr val="FF0000"/>
+                </a:solidFill>
+                <a:effectLst/>
+                <a:latin typeface="Söhne"/>
+              </a:rPr>
+              <a:t>sh:property</a:t>
+            </a:r>
+            <a:r>
+              <a:rPr lang="nl-NL" sz="1100" b="0" i="0" dirty="0">
+                <a:solidFill>
+                  <a:srgbClr val="FF0000"/>
+                </a:solidFill>
+                <a:effectLst/>
+                <a:latin typeface="Söhne"/>
+              </a:rPr>
+              <a:t> [</a:t>
+            </a:r>
+          </a:p>
+          <a:p>
+            <a:pPr algn="l"/>
+            <a:r>
+              <a:rPr lang="nl-NL" sz="1100" b="0" i="0" dirty="0">
+                <a:solidFill>
+                  <a:srgbClr val="FF0000"/>
+                </a:solidFill>
+                <a:effectLst/>
+                <a:latin typeface="Söhne"/>
+              </a:rPr>
+              <a:t>    </a:t>
+            </a:r>
+            <a:r>
+              <a:rPr lang="nl-NL" sz="1100" b="0" i="0" dirty="0" err="1">
+                <a:solidFill>
+                  <a:srgbClr val="FF0000"/>
+                </a:solidFill>
+                <a:effectLst/>
+                <a:latin typeface="Söhne"/>
+              </a:rPr>
+              <a:t>sh:path</a:t>
+            </a:r>
+            <a:r>
+              <a:rPr lang="nl-NL" sz="1100" b="0" i="0" dirty="0">
+                <a:solidFill>
+                  <a:srgbClr val="FF0000"/>
+                </a:solidFill>
+                <a:effectLst/>
+                <a:latin typeface="Söhne"/>
+              </a:rPr>
+              <a:t> </a:t>
+            </a:r>
+            <a:r>
+              <a:rPr lang="nl-NL" sz="1100" b="0" i="0" dirty="0" err="1">
+                <a:solidFill>
+                  <a:srgbClr val="FF0000"/>
+                </a:solidFill>
+                <a:effectLst/>
+                <a:latin typeface="Söhne"/>
+              </a:rPr>
+              <a:t>ex:hasName</a:t>
+            </a:r>
+            <a:r>
+              <a:rPr lang="nl-NL" sz="1100" b="0" i="0" dirty="0">
+                <a:solidFill>
+                  <a:srgbClr val="FF0000"/>
+                </a:solidFill>
+                <a:effectLst/>
+                <a:latin typeface="Söhne"/>
+              </a:rPr>
+              <a:t> ;</a:t>
+            </a:r>
+          </a:p>
+          <a:p>
+            <a:pPr algn="l"/>
+            <a:r>
+              <a:rPr lang="nl-NL" sz="1100" b="0" i="0" dirty="0">
+                <a:solidFill>
+                  <a:srgbClr val="FF0000"/>
+                </a:solidFill>
+                <a:effectLst/>
+                <a:latin typeface="Söhne"/>
+              </a:rPr>
+              <a:t>    </a:t>
+            </a:r>
+            <a:r>
+              <a:rPr lang="nl-NL" sz="1100" b="0" i="0" dirty="0" err="1">
+                <a:solidFill>
+                  <a:srgbClr val="FF0000"/>
+                </a:solidFill>
+                <a:effectLst/>
+                <a:latin typeface="Söhne"/>
+              </a:rPr>
+              <a:t>sh:minCount</a:t>
+            </a:r>
+            <a:r>
+              <a:rPr lang="nl-NL" sz="1100" b="0" i="0" dirty="0">
+                <a:solidFill>
+                  <a:srgbClr val="FF0000"/>
+                </a:solidFill>
+                <a:effectLst/>
+                <a:latin typeface="Söhne"/>
+              </a:rPr>
+              <a:t> 1 ;</a:t>
+            </a:r>
+          </a:p>
+          <a:p>
+            <a:pPr algn="l"/>
+            <a:r>
+              <a:rPr lang="nl-NL" sz="1100" b="0" i="0" dirty="0">
+                <a:solidFill>
+                  <a:srgbClr val="FF0000"/>
+                </a:solidFill>
+                <a:effectLst/>
+                <a:latin typeface="Söhne"/>
+              </a:rPr>
+              <a:t>  ] ;</a:t>
+            </a:r>
+          </a:p>
+          <a:p>
+            <a:pPr algn="l"/>
+            <a:r>
+              <a:rPr lang="nl-NL" sz="1100" b="0" i="0" dirty="0">
+                <a:solidFill>
+                  <a:srgbClr val="FF0000"/>
+                </a:solidFill>
+                <a:effectLst/>
+                <a:latin typeface="Söhne"/>
+              </a:rPr>
+              <a:t>  </a:t>
+            </a:r>
+            <a:r>
+              <a:rPr lang="nl-NL" sz="1100" b="0" i="0" dirty="0" err="1">
+                <a:solidFill>
+                  <a:srgbClr val="FF0000"/>
+                </a:solidFill>
+                <a:effectLst/>
+                <a:latin typeface="Söhne"/>
+              </a:rPr>
+              <a:t>sh:property</a:t>
+            </a:r>
+            <a:r>
+              <a:rPr lang="nl-NL" sz="1100" b="0" i="0" dirty="0">
+                <a:solidFill>
+                  <a:srgbClr val="FF0000"/>
+                </a:solidFill>
+                <a:effectLst/>
+                <a:latin typeface="Söhne"/>
+              </a:rPr>
+              <a:t> [</a:t>
+            </a:r>
+          </a:p>
+          <a:p>
+            <a:pPr algn="l"/>
+            <a:r>
+              <a:rPr lang="nl-NL" sz="1100" b="0" i="0" dirty="0">
+                <a:solidFill>
+                  <a:srgbClr val="FF0000"/>
+                </a:solidFill>
+                <a:effectLst/>
+                <a:latin typeface="Söhne"/>
+              </a:rPr>
+              <a:t>    </a:t>
+            </a:r>
+            <a:r>
+              <a:rPr lang="nl-NL" sz="1100" b="0" i="0" dirty="0" err="1">
+                <a:solidFill>
+                  <a:srgbClr val="FF0000"/>
+                </a:solidFill>
+                <a:effectLst/>
+                <a:latin typeface="Söhne"/>
+              </a:rPr>
+              <a:t>sh:path</a:t>
+            </a:r>
+            <a:r>
+              <a:rPr lang="nl-NL" sz="1100" b="0" i="0" dirty="0">
+                <a:solidFill>
+                  <a:srgbClr val="FF0000"/>
+                </a:solidFill>
+                <a:effectLst/>
+                <a:latin typeface="Söhne"/>
+              </a:rPr>
+              <a:t> </a:t>
+            </a:r>
+            <a:r>
+              <a:rPr lang="nl-NL" sz="1100" b="0" i="0" dirty="0" err="1">
+                <a:solidFill>
+                  <a:srgbClr val="FF0000"/>
+                </a:solidFill>
+                <a:effectLst/>
+                <a:latin typeface="Söhne"/>
+              </a:rPr>
+              <a:t>ex:hasAge</a:t>
+            </a:r>
+            <a:r>
+              <a:rPr lang="nl-NL" sz="1100" b="0" i="0" dirty="0">
+                <a:solidFill>
+                  <a:srgbClr val="FF0000"/>
+                </a:solidFill>
+                <a:effectLst/>
+                <a:latin typeface="Söhne"/>
+              </a:rPr>
+              <a:t> ;</a:t>
+            </a:r>
+          </a:p>
+          <a:p>
+            <a:pPr algn="l"/>
+            <a:r>
+              <a:rPr lang="nl-NL" sz="1100" b="0" i="0" dirty="0">
+                <a:solidFill>
+                  <a:srgbClr val="FF0000"/>
+                </a:solidFill>
+                <a:effectLst/>
+                <a:latin typeface="Söhne"/>
+              </a:rPr>
+              <a:t>    </a:t>
+            </a:r>
+            <a:r>
+              <a:rPr lang="nl-NL" sz="1100" b="0" i="0" dirty="0" err="1">
+                <a:solidFill>
+                  <a:srgbClr val="FF0000"/>
+                </a:solidFill>
+                <a:effectLst/>
+                <a:latin typeface="Söhne"/>
+              </a:rPr>
+              <a:t>sh:minCount</a:t>
+            </a:r>
+            <a:r>
+              <a:rPr lang="nl-NL" sz="1100" b="0" i="0" dirty="0">
+                <a:solidFill>
+                  <a:srgbClr val="FF0000"/>
+                </a:solidFill>
+                <a:effectLst/>
+                <a:latin typeface="Söhne"/>
+              </a:rPr>
+              <a:t> 1 ;</a:t>
+            </a:r>
+          </a:p>
+          <a:p>
+            <a:pPr algn="l"/>
+            <a:r>
+              <a:rPr lang="nl-NL" sz="1100" b="0" i="0" dirty="0">
+                <a:solidFill>
+                  <a:srgbClr val="FF0000"/>
+                </a:solidFill>
+                <a:effectLst/>
+                <a:latin typeface="Söhne"/>
+              </a:rPr>
+              <a:t>    </a:t>
+            </a:r>
+            <a:r>
+              <a:rPr lang="nl-NL" sz="1100" b="0" i="0" dirty="0" err="1">
+                <a:solidFill>
+                  <a:srgbClr val="FF0000"/>
+                </a:solidFill>
+                <a:effectLst/>
+                <a:latin typeface="Söhne"/>
+              </a:rPr>
+              <a:t>sh:datatype</a:t>
+            </a:r>
+            <a:r>
+              <a:rPr lang="nl-NL" sz="1100" b="0" i="0" dirty="0">
+                <a:solidFill>
+                  <a:srgbClr val="FF0000"/>
+                </a:solidFill>
+                <a:effectLst/>
+                <a:latin typeface="Söhne"/>
+              </a:rPr>
+              <a:t> </a:t>
+            </a:r>
+            <a:r>
+              <a:rPr lang="nl-NL" sz="1100" b="0" i="0" dirty="0" err="1">
+                <a:solidFill>
+                  <a:srgbClr val="FF0000"/>
+                </a:solidFill>
+                <a:effectLst/>
+                <a:latin typeface="Söhne"/>
+              </a:rPr>
+              <a:t>xsd:integer</a:t>
+            </a:r>
+            <a:r>
+              <a:rPr lang="nl-NL" sz="1100" b="0" i="0" dirty="0">
+                <a:solidFill>
+                  <a:srgbClr val="FF0000"/>
+                </a:solidFill>
+                <a:effectLst/>
+                <a:latin typeface="Söhne"/>
+              </a:rPr>
+              <a:t> ;</a:t>
+            </a:r>
+          </a:p>
+          <a:p>
+            <a:pPr algn="l"/>
+            <a:r>
+              <a:rPr lang="nl-NL" sz="1100" b="0" i="0" dirty="0">
+                <a:solidFill>
+                  <a:srgbClr val="FF0000"/>
+                </a:solidFill>
+                <a:effectLst/>
+                <a:latin typeface="Söhne"/>
+              </a:rPr>
+              <a:t>  ] .</a:t>
+            </a:r>
+          </a:p>
+          <a:p>
+            <a:pPr algn="l"/>
+            <a:endParaRPr lang="nl-NL" sz="1400" dirty="0">
+              <a:solidFill>
+                <a:srgbClr val="0D0D0D"/>
+              </a:solidFill>
+              <a:latin typeface="Söhne"/>
+            </a:endParaRPr>
+          </a:p>
+          <a:p>
+            <a:pPr algn="l"/>
+            <a:r>
+              <a:rPr lang="en-US" sz="1400" dirty="0">
+                <a:solidFill>
+                  <a:srgbClr val="0D0D0D"/>
+                </a:solidFill>
+                <a:latin typeface="Söhne"/>
+              </a:rPr>
+              <a:t>In this SHACL schema, we define a shape named `</a:t>
+            </a:r>
+            <a:r>
+              <a:rPr lang="en-US" sz="1400" dirty="0" err="1">
+                <a:solidFill>
+                  <a:srgbClr val="0D0D0D"/>
+                </a:solidFill>
+                <a:latin typeface="Söhne"/>
+              </a:rPr>
+              <a:t>ex:CatShape</a:t>
+            </a:r>
+            <a:r>
+              <a:rPr lang="en-US" sz="1400" dirty="0">
+                <a:solidFill>
+                  <a:srgbClr val="0D0D0D"/>
+                </a:solidFill>
+                <a:latin typeface="Söhne"/>
+              </a:rPr>
+              <a:t>`, which applies to all instances of the class `</a:t>
+            </a:r>
+            <a:r>
+              <a:rPr lang="en-US" sz="1400" dirty="0" err="1">
+                <a:solidFill>
+                  <a:srgbClr val="0D0D0D"/>
+                </a:solidFill>
+                <a:latin typeface="Söhne"/>
+              </a:rPr>
+              <a:t>ex:Cat</a:t>
+            </a:r>
+            <a:r>
+              <a:rPr lang="en-US" sz="1400" dirty="0">
+                <a:solidFill>
+                  <a:srgbClr val="0D0D0D"/>
+                </a:solidFill>
+                <a:latin typeface="Söhne"/>
+              </a:rPr>
+              <a:t>`. The shape specifies that a cat must have at least one name and one age. Additionally, we have indicated that the age must be an integer. Now, we can use this SHACL schema to validate our RDF dataset and ensure that the cat information is correctly structured according to these rules.</a:t>
+            </a:r>
+            <a:endParaRPr lang="nl-NL" sz="1400" b="0" i="0" dirty="0">
+              <a:solidFill>
+                <a:srgbClr val="0D0D0D"/>
+              </a:solidFill>
+              <a:effectLst/>
+              <a:latin typeface="Söhne"/>
+            </a:endParaRPr>
+          </a:p>
+          <a:p>
+            <a:pPr algn="l"/>
+            <a:endParaRPr lang="nl-NL" sz="1400" b="0" i="0" dirty="0">
+              <a:solidFill>
+                <a:srgbClr val="0D0D0D"/>
+              </a:solidFill>
+              <a:effectLst/>
+              <a:latin typeface="Söhne"/>
+            </a:endParaRPr>
+          </a:p>
+        </p:txBody>
+      </p:sp>
+      <p:sp>
+        <p:nvSpPr>
+          <p:cNvPr id="3" name="Tijdelijke aanduiding voor inhoud 6">
+            <a:extLst>
+              <a:ext uri="{FF2B5EF4-FFF2-40B4-BE49-F238E27FC236}">
+                <a16:creationId xmlns:a16="http://schemas.microsoft.com/office/drawing/2014/main" id="{6D4D8CBC-C048-05BA-A92A-FF4531F28891}"/>
+              </a:ext>
+            </a:extLst>
+          </p:cNvPr>
+          <p:cNvSpPr txBox="1">
+            <a:spLocks/>
+          </p:cNvSpPr>
+          <p:nvPr/>
+        </p:nvSpPr>
+        <p:spPr>
+          <a:xfrm>
+            <a:off x="10084378" y="5595730"/>
+            <a:ext cx="1182175" cy="1262270"/>
+          </a:xfrm>
+          <a:prstGeom prst="rect">
+            <a:avLst/>
+          </a:prstGeom>
+        </p:spPr>
+        <p:txBody>
+          <a:bodyPr vert="horz" lIns="91440" tIns="45720" rIns="91440" bIns="45720" rtlCol="0" anchor="ctr">
+            <a:normAutofit/>
+          </a:bodyPr>
+          <a:lstStyle>
+            <a:lvl1pPr marL="344488" indent="-344488" algn="l" defTabSz="914400" rtl="0" eaLnBrk="1" latinLnBrk="0" hangingPunct="1">
+              <a:lnSpc>
+                <a:spcPct val="120000"/>
+              </a:lnSpc>
+              <a:spcBef>
+                <a:spcPts val="1000"/>
+              </a:spcBef>
+              <a:spcAft>
+                <a:spcPts val="600"/>
+              </a:spcAft>
+              <a:buClr>
+                <a:schemeClr val="accent6"/>
+              </a:buClr>
+              <a:buSzPct val="90000"/>
+              <a:buFont typeface="Wingdings" panose="05000000000000000000" pitchFamily="2" charset="2"/>
+              <a:buChar char="§"/>
+              <a:defRPr sz="2000" kern="1200">
+                <a:solidFill>
+                  <a:schemeClr val="tx1"/>
+                </a:solidFill>
+                <a:effectLst/>
+                <a:latin typeface="+mn-lt"/>
+                <a:ea typeface="+mn-ea"/>
+                <a:cs typeface="+mn-cs"/>
+              </a:defRPr>
+            </a:lvl1pPr>
+            <a:lvl2pPr marL="795338" indent="-338138" algn="l" defTabSz="914400" rtl="0" eaLnBrk="1" latinLnBrk="0" hangingPunct="1">
+              <a:lnSpc>
+                <a:spcPct val="120000"/>
+              </a:lnSpc>
+              <a:spcBef>
+                <a:spcPts val="500"/>
+              </a:spcBef>
+              <a:spcAft>
+                <a:spcPts val="600"/>
+              </a:spcAft>
+              <a:buClr>
+                <a:schemeClr val="accent6"/>
+              </a:buClr>
+              <a:buSzPct val="90000"/>
+              <a:buFont typeface="Wingdings" panose="05000000000000000000" pitchFamily="2" charset="2"/>
+              <a:buChar char="§"/>
+              <a:defRPr sz="1800" kern="1200">
+                <a:solidFill>
+                  <a:schemeClr val="tx1"/>
+                </a:solidFill>
+                <a:effectLst/>
+                <a:latin typeface="+mn-lt"/>
+                <a:ea typeface="+mn-ea"/>
+                <a:cs typeface="+mn-cs"/>
+              </a:defRPr>
+            </a:lvl2pPr>
+            <a:lvl3pPr marL="1258888" indent="-344488" algn="l" defTabSz="914400" rtl="0" eaLnBrk="1" latinLnBrk="0" hangingPunct="1">
+              <a:lnSpc>
+                <a:spcPct val="120000"/>
+              </a:lnSpc>
+              <a:spcBef>
+                <a:spcPts val="500"/>
+              </a:spcBef>
+              <a:spcAft>
+                <a:spcPts val="600"/>
+              </a:spcAft>
+              <a:buClr>
+                <a:schemeClr val="accent6"/>
+              </a:buClr>
+              <a:buSzPct val="90000"/>
+              <a:buFont typeface="Wingdings" panose="05000000000000000000" pitchFamily="2" charset="2"/>
+              <a:buChar char="§"/>
+              <a:defRPr sz="1600" kern="1200">
+                <a:solidFill>
+                  <a:schemeClr val="tx1"/>
+                </a:solidFill>
+                <a:effectLst/>
+                <a:latin typeface="+mn-lt"/>
+                <a:ea typeface="+mn-ea"/>
+                <a:cs typeface="+mn-cs"/>
+              </a:defRPr>
+            </a:lvl3pPr>
+            <a:lvl4pPr marL="1709738" indent="-338138" algn="l" defTabSz="914400" rtl="0" eaLnBrk="1" latinLnBrk="0" hangingPunct="1">
+              <a:lnSpc>
+                <a:spcPct val="120000"/>
+              </a:lnSpc>
+              <a:spcBef>
+                <a:spcPts val="500"/>
+              </a:spcBef>
+              <a:spcAft>
+                <a:spcPts val="600"/>
+              </a:spcAft>
+              <a:buClr>
+                <a:schemeClr val="accent6"/>
+              </a:buClr>
+              <a:buSzPct val="90000"/>
+              <a:buFont typeface="Wingdings" panose="05000000000000000000" pitchFamily="2" charset="2"/>
+              <a:buChar char="§"/>
+              <a:defRPr sz="1400" kern="1200">
+                <a:solidFill>
+                  <a:schemeClr val="tx1"/>
+                </a:solidFill>
+                <a:effectLst/>
+                <a:latin typeface="+mn-lt"/>
+                <a:ea typeface="+mn-ea"/>
+                <a:cs typeface="+mn-cs"/>
+              </a:defRPr>
+            </a:lvl4pPr>
+            <a:lvl5pPr marL="2173288" indent="-344488" algn="l" defTabSz="914400" rtl="0" eaLnBrk="1" latinLnBrk="0" hangingPunct="1">
+              <a:lnSpc>
+                <a:spcPct val="120000"/>
+              </a:lnSpc>
+              <a:spcBef>
+                <a:spcPts val="500"/>
+              </a:spcBef>
+              <a:spcAft>
+                <a:spcPts val="600"/>
+              </a:spcAft>
+              <a:buClr>
+                <a:schemeClr val="accent6"/>
+              </a:buClr>
+              <a:buSzPct val="90000"/>
+              <a:buFont typeface="Wingdings" panose="05000000000000000000" pitchFamily="2" charset="2"/>
+              <a:buChar char="§"/>
+              <a:defRPr sz="1200" kern="1200">
+                <a:solidFill>
+                  <a:schemeClr val="tx1"/>
+                </a:solidFill>
+                <a:effectLst/>
+                <a:latin typeface="+mn-lt"/>
+                <a:ea typeface="+mn-ea"/>
+                <a:cs typeface="+mn-cs"/>
+              </a:defRPr>
+            </a:lvl5pPr>
+            <a:lvl6pPr marL="2642616" indent="-338328" algn="l" defTabSz="914400" rtl="0" eaLnBrk="1" latinLnBrk="0" hangingPunct="1">
+              <a:lnSpc>
+                <a:spcPct val="120000"/>
+              </a:lnSpc>
+              <a:spcBef>
+                <a:spcPts val="500"/>
+              </a:spcBef>
+              <a:spcAft>
+                <a:spcPts val="600"/>
+              </a:spcAft>
+              <a:buClr>
+                <a:schemeClr val="accent6"/>
+              </a:buClr>
+              <a:buSzPct val="90000"/>
+              <a:buFont typeface="Wingdings" panose="05000000000000000000" pitchFamily="2" charset="2"/>
+              <a:buChar char="§"/>
+              <a:defRPr sz="1200" kern="1200" baseline="0">
+                <a:solidFill>
+                  <a:schemeClr val="tx1"/>
+                </a:solidFill>
+                <a:effectLst/>
+                <a:latin typeface="+mn-lt"/>
+                <a:ea typeface="+mn-ea"/>
+                <a:cs typeface="+mn-cs"/>
+              </a:defRPr>
+            </a:lvl6pPr>
+            <a:lvl7pPr marL="3108960" indent="-338328" algn="l" defTabSz="914400" rtl="0" eaLnBrk="1" latinLnBrk="0" hangingPunct="1">
+              <a:lnSpc>
+                <a:spcPct val="120000"/>
+              </a:lnSpc>
+              <a:spcBef>
+                <a:spcPts val="500"/>
+              </a:spcBef>
+              <a:spcAft>
+                <a:spcPts val="600"/>
+              </a:spcAft>
+              <a:buClr>
+                <a:schemeClr val="accent6"/>
+              </a:buClr>
+              <a:buSzPct val="90000"/>
+              <a:buFont typeface="Wingdings" panose="05000000000000000000" pitchFamily="2" charset="2"/>
+              <a:buChar char="§"/>
+              <a:defRPr sz="1200" kern="1200" baseline="0">
+                <a:solidFill>
+                  <a:schemeClr val="tx1"/>
+                </a:solidFill>
+                <a:effectLst/>
+                <a:latin typeface="+mn-lt"/>
+                <a:ea typeface="+mn-ea"/>
+                <a:cs typeface="+mn-cs"/>
+              </a:defRPr>
+            </a:lvl7pPr>
+            <a:lvl8pPr marL="3575304" indent="-338328" algn="l" defTabSz="914400" rtl="0" eaLnBrk="1" latinLnBrk="0" hangingPunct="1">
+              <a:lnSpc>
+                <a:spcPct val="120000"/>
+              </a:lnSpc>
+              <a:spcBef>
+                <a:spcPts val="500"/>
+              </a:spcBef>
+              <a:spcAft>
+                <a:spcPts val="600"/>
+              </a:spcAft>
+              <a:buClr>
+                <a:schemeClr val="accent6"/>
+              </a:buClr>
+              <a:buSzPct val="90000"/>
+              <a:buFont typeface="Wingdings" panose="05000000000000000000" pitchFamily="2" charset="2"/>
+              <a:buChar char="§"/>
+              <a:defRPr sz="1200" kern="1200" baseline="0">
+                <a:solidFill>
+                  <a:schemeClr val="tx1"/>
+                </a:solidFill>
+                <a:effectLst/>
+                <a:latin typeface="+mn-lt"/>
+                <a:ea typeface="+mn-ea"/>
+                <a:cs typeface="+mn-cs"/>
+              </a:defRPr>
+            </a:lvl8pPr>
+            <a:lvl9pPr marL="4041648" indent="-338328" algn="l" defTabSz="914400" rtl="0" eaLnBrk="1" latinLnBrk="0" hangingPunct="1">
+              <a:lnSpc>
+                <a:spcPct val="120000"/>
+              </a:lnSpc>
+              <a:spcBef>
+                <a:spcPts val="500"/>
+              </a:spcBef>
+              <a:spcAft>
+                <a:spcPts val="600"/>
+              </a:spcAft>
+              <a:buClr>
+                <a:schemeClr val="accent6"/>
+              </a:buClr>
+              <a:buSzPct val="90000"/>
+              <a:buFont typeface="Wingdings" panose="05000000000000000000" pitchFamily="2" charset="2"/>
+              <a:buChar char="§"/>
+              <a:defRPr sz="1200" kern="1200" baseline="0">
+                <a:solidFill>
+                  <a:schemeClr val="tx1"/>
+                </a:solidFill>
+                <a:effectLst/>
+                <a:latin typeface="+mn-lt"/>
+                <a:ea typeface="+mn-ea"/>
+                <a:cs typeface="+mn-cs"/>
+              </a:defRPr>
+            </a:lvl9pPr>
+          </a:lstStyle>
+          <a:p>
+            <a:pPr marL="0" indent="0">
+              <a:buNone/>
+            </a:pPr>
+            <a:r>
+              <a:rPr lang="nl-NL" dirty="0" err="1">
+                <a:latin typeface="Söhne"/>
+              </a:rPr>
+              <a:t>chatgpt</a:t>
+            </a:r>
+            <a:endParaRPr lang="nl-NL" dirty="0">
+              <a:latin typeface="Söhne"/>
+            </a:endParaRPr>
+          </a:p>
+          <a:p>
+            <a:endParaRPr lang="nl-NL" dirty="0"/>
+          </a:p>
+        </p:txBody>
+      </p:sp>
+      <p:pic>
+        <p:nvPicPr>
           <p:cNvPr id="6" name="Afbeelding 5">
             <a:extLst>
               <a:ext uri="{FF2B5EF4-FFF2-40B4-BE49-F238E27FC236}">
@@ -33336,7 +35326,7 @@
 </p:sld>
 </file>
 
-<file path=ppt/slides/slide11.xml><?xml version="1.0" encoding="utf-8"?>
+<file path=ppt/slides/slide13.xml><?xml version="1.0" encoding="utf-8"?>
 <p:sld xmlns:a="http://schemas.openxmlformats.org/drawingml/2006/main" xmlns:r="http://schemas.openxmlformats.org/officeDocument/2006/relationships" xmlns:p="http://schemas.openxmlformats.org/presentationml/2006/main">
   <p:cSld>
     <p:spTree>
@@ -35366,6 +37356,109 @@
               <a:rPr lang="nl-NL" dirty="0"/>
               <a:t>Linked data</a:t>
             </a:r>
+          </a:p>
+        </p:txBody>
+      </p:sp>
+      <p:sp>
+        <p:nvSpPr>
+          <p:cNvPr id="4" name="Pijl: rechts 3">
+            <a:extLst>
+              <a:ext uri="{FF2B5EF4-FFF2-40B4-BE49-F238E27FC236}">
+                <a16:creationId xmlns:a16="http://schemas.microsoft.com/office/drawing/2014/main" id="{86BCBA4D-0535-0238-93EE-0DE0952EE628}"/>
+              </a:ext>
+            </a:extLst>
+          </p:cNvPr>
+          <p:cNvSpPr/>
+          <p:nvPr/>
+        </p:nvSpPr>
+        <p:spPr>
+          <a:xfrm rot="5400000">
+            <a:off x="4361818" y="2011947"/>
+            <a:ext cx="1607609" cy="392239"/>
+          </a:xfrm>
+          <a:prstGeom prst="rightArrow">
+            <a:avLst/>
+          </a:prstGeom>
+        </p:spPr>
+        <p:style>
+          <a:lnRef idx="2">
+            <a:schemeClr val="accent1">
+              <a:shade val="15000"/>
+            </a:schemeClr>
+          </a:lnRef>
+          <a:fillRef idx="1">
+            <a:schemeClr val="accent1"/>
+          </a:fillRef>
+          <a:effectRef idx="0">
+            <a:schemeClr val="accent1"/>
+          </a:effectRef>
+          <a:fontRef idx="minor">
+            <a:schemeClr val="lt1"/>
+          </a:fontRef>
+        </p:style>
+        <p:txBody>
+          <a:bodyPr rtlCol="0" anchor="ctr"/>
+          <a:lstStyle/>
+          <a:p>
+            <a:pPr algn="ctr"/>
+            <a:r>
+              <a:rPr lang="nl-NL" dirty="0" err="1"/>
+              <a:t>Ontology</a:t>
+            </a:r>
+            <a:endParaRPr lang="nl-NL" dirty="0"/>
+          </a:p>
+        </p:txBody>
+      </p:sp>
+      <p:sp>
+        <p:nvSpPr>
+          <p:cNvPr id="11" name="Rechthoek 10">
+            <a:extLst>
+              <a:ext uri="{FF2B5EF4-FFF2-40B4-BE49-F238E27FC236}">
+                <a16:creationId xmlns:a16="http://schemas.microsoft.com/office/drawing/2014/main" id="{BA319986-029A-D755-C169-D1C9E8DBD002}"/>
+              </a:ext>
+            </a:extLst>
+          </p:cNvPr>
+          <p:cNvSpPr/>
+          <p:nvPr/>
+        </p:nvSpPr>
+        <p:spPr>
+          <a:xfrm rot="5400000">
+            <a:off x="4834858" y="1898042"/>
+            <a:ext cx="1398458" cy="408086"/>
+          </a:xfrm>
+          <a:prstGeom prst="rect">
+            <a:avLst/>
+          </a:prstGeom>
+          <a:solidFill>
+            <a:srgbClr val="0070C0"/>
+          </a:solidFill>
+        </p:spPr>
+        <p:style>
+          <a:lnRef idx="2">
+            <a:schemeClr val="accent1">
+              <a:shade val="15000"/>
+            </a:schemeClr>
+          </a:lnRef>
+          <a:fillRef idx="1">
+            <a:schemeClr val="accent1"/>
+          </a:fillRef>
+          <a:effectRef idx="0">
+            <a:schemeClr val="accent1"/>
+          </a:effectRef>
+          <a:fontRef idx="minor">
+            <a:schemeClr val="lt1"/>
+          </a:fontRef>
+        </p:style>
+        <p:txBody>
+          <a:bodyPr rtlCol="0" anchor="ctr"/>
+          <a:lstStyle/>
+          <a:p>
+            <a:pPr algn="ctr"/>
+            <a:r>
+              <a:rPr lang="nl-NL" dirty="0" err="1"/>
+              <a:t>Shaping</a:t>
+            </a:r>
+            <a:endParaRPr lang="nl-NL" dirty="0"/>
           </a:p>
         </p:txBody>
       </p:sp>
@@ -37045,6 +39138,1314 @@
             </a:r>
             <a:r>
               <a:rPr lang="nl-NL" dirty="0"/>
+              <a:t> is </a:t>
+            </a:r>
+            <a:r>
+              <a:rPr lang="nl-NL" dirty="0" err="1"/>
+              <a:t>an</a:t>
+            </a:r>
+            <a:r>
+              <a:rPr lang="nl-NL" dirty="0"/>
+              <a:t> ontologie?</a:t>
+            </a:r>
+          </a:p>
+        </p:txBody>
+      </p:sp>
+      <p:sp>
+        <p:nvSpPr>
+          <p:cNvPr id="31" name="Tijdelijke aanduiding voor inhoud 6">
+            <a:extLst>
+              <a:ext uri="{FF2B5EF4-FFF2-40B4-BE49-F238E27FC236}">
+                <a16:creationId xmlns:a16="http://schemas.microsoft.com/office/drawing/2014/main" id="{38A2A9EE-75E8-49F9-EBD2-15C6298FC791}"/>
+              </a:ext>
+            </a:extLst>
+          </p:cNvPr>
+          <p:cNvSpPr txBox="1">
+            <a:spLocks/>
+          </p:cNvSpPr>
+          <p:nvPr/>
+        </p:nvSpPr>
+        <p:spPr>
+          <a:xfrm>
+            <a:off x="992186" y="1370166"/>
+            <a:ext cx="9598025" cy="2133909"/>
+          </a:xfrm>
+          <a:prstGeom prst="rect">
+            <a:avLst/>
+          </a:prstGeom>
+        </p:spPr>
+        <p:txBody>
+          <a:bodyPr vert="horz" lIns="91440" tIns="45720" rIns="91440" bIns="45720" rtlCol="0" anchor="ctr">
+            <a:noAutofit/>
+          </a:bodyPr>
+          <a:lstStyle>
+            <a:lvl1pPr marL="344488" indent="-344488" algn="l" defTabSz="914400" rtl="0" eaLnBrk="1" latinLnBrk="0" hangingPunct="1">
+              <a:lnSpc>
+                <a:spcPct val="120000"/>
+              </a:lnSpc>
+              <a:spcBef>
+                <a:spcPts val="1000"/>
+              </a:spcBef>
+              <a:spcAft>
+                <a:spcPts val="600"/>
+              </a:spcAft>
+              <a:buClr>
+                <a:schemeClr val="accent6"/>
+              </a:buClr>
+              <a:buSzPct val="90000"/>
+              <a:buFont typeface="Wingdings" panose="05000000000000000000" pitchFamily="2" charset="2"/>
+              <a:buChar char="§"/>
+              <a:defRPr lang="en-US" sz="2000" b="0" kern="1200">
+                <a:solidFill>
+                  <a:schemeClr val="tx1"/>
+                </a:solidFill>
+                <a:effectLst/>
+                <a:latin typeface="+mn-lt"/>
+                <a:ea typeface="+mn-ea"/>
+                <a:cs typeface="+mn-cs"/>
+              </a:defRPr>
+            </a:lvl1pPr>
+            <a:lvl2pPr marL="795338" indent="-338138" algn="l" defTabSz="914400" rtl="0" eaLnBrk="1" latinLnBrk="0" hangingPunct="1">
+              <a:lnSpc>
+                <a:spcPct val="120000"/>
+              </a:lnSpc>
+              <a:spcBef>
+                <a:spcPts val="500"/>
+              </a:spcBef>
+              <a:spcAft>
+                <a:spcPts val="600"/>
+              </a:spcAft>
+              <a:buClr>
+                <a:schemeClr val="accent6"/>
+              </a:buClr>
+              <a:buSzPct val="90000"/>
+              <a:buFont typeface="Wingdings" panose="05000000000000000000" pitchFamily="2" charset="2"/>
+              <a:buChar char="§"/>
+              <a:defRPr lang="en-US" sz="1800" b="0" kern="1200">
+                <a:solidFill>
+                  <a:schemeClr val="tx1"/>
+                </a:solidFill>
+                <a:effectLst/>
+                <a:latin typeface="+mn-lt"/>
+                <a:ea typeface="+mn-ea"/>
+                <a:cs typeface="+mn-cs"/>
+              </a:defRPr>
+            </a:lvl2pPr>
+            <a:lvl3pPr marL="1258888" indent="-344488" algn="l" defTabSz="914400" rtl="0" eaLnBrk="1" latinLnBrk="0" hangingPunct="1">
+              <a:lnSpc>
+                <a:spcPct val="120000"/>
+              </a:lnSpc>
+              <a:spcBef>
+                <a:spcPts val="500"/>
+              </a:spcBef>
+              <a:spcAft>
+                <a:spcPts val="600"/>
+              </a:spcAft>
+              <a:buClr>
+                <a:schemeClr val="accent6"/>
+              </a:buClr>
+              <a:buSzPct val="90000"/>
+              <a:buFont typeface="Wingdings" panose="05000000000000000000" pitchFamily="2" charset="2"/>
+              <a:buChar char="§"/>
+              <a:defRPr lang="en-US" sz="1600" b="0" kern="1200">
+                <a:solidFill>
+                  <a:schemeClr val="tx1"/>
+                </a:solidFill>
+                <a:effectLst/>
+                <a:latin typeface="+mn-lt"/>
+                <a:ea typeface="+mn-ea"/>
+                <a:cs typeface="+mn-cs"/>
+              </a:defRPr>
+            </a:lvl3pPr>
+            <a:lvl4pPr marL="1709738" indent="-338138" algn="l" defTabSz="914400" rtl="0" eaLnBrk="1" latinLnBrk="0" hangingPunct="1">
+              <a:lnSpc>
+                <a:spcPct val="120000"/>
+              </a:lnSpc>
+              <a:spcBef>
+                <a:spcPts val="500"/>
+              </a:spcBef>
+              <a:spcAft>
+                <a:spcPts val="600"/>
+              </a:spcAft>
+              <a:buClr>
+                <a:schemeClr val="accent6"/>
+              </a:buClr>
+              <a:buSzPct val="90000"/>
+              <a:buFont typeface="Wingdings" panose="05000000000000000000" pitchFamily="2" charset="2"/>
+              <a:buChar char="§"/>
+              <a:defRPr lang="en-US" sz="1400" b="0" kern="1200">
+                <a:solidFill>
+                  <a:schemeClr val="tx1"/>
+                </a:solidFill>
+                <a:effectLst/>
+                <a:latin typeface="+mn-lt"/>
+                <a:ea typeface="+mn-ea"/>
+                <a:cs typeface="+mn-cs"/>
+              </a:defRPr>
+            </a:lvl4pPr>
+            <a:lvl5pPr marL="2173288" indent="-344488" algn="l" defTabSz="914400" rtl="0" eaLnBrk="1" latinLnBrk="0" hangingPunct="1">
+              <a:lnSpc>
+                <a:spcPct val="120000"/>
+              </a:lnSpc>
+              <a:spcBef>
+                <a:spcPts val="500"/>
+              </a:spcBef>
+              <a:spcAft>
+                <a:spcPts val="600"/>
+              </a:spcAft>
+              <a:buClr>
+                <a:schemeClr val="accent6"/>
+              </a:buClr>
+              <a:buSzPct val="90000"/>
+              <a:buFont typeface="Wingdings" panose="05000000000000000000" pitchFamily="2" charset="2"/>
+              <a:buChar char="§"/>
+              <a:defRPr lang="en-GB" sz="1200" b="0" kern="1200">
+                <a:solidFill>
+                  <a:schemeClr val="tx1"/>
+                </a:solidFill>
+                <a:effectLst/>
+                <a:latin typeface="+mn-lt"/>
+                <a:ea typeface="+mn-ea"/>
+                <a:cs typeface="+mn-cs"/>
+              </a:defRPr>
+            </a:lvl5pPr>
+            <a:lvl6pPr marL="2642616" indent="-338328" algn="l" defTabSz="914400" rtl="0" eaLnBrk="1" latinLnBrk="0" hangingPunct="1">
+              <a:lnSpc>
+                <a:spcPct val="120000"/>
+              </a:lnSpc>
+              <a:spcBef>
+                <a:spcPts val="500"/>
+              </a:spcBef>
+              <a:spcAft>
+                <a:spcPts val="600"/>
+              </a:spcAft>
+              <a:buClr>
+                <a:schemeClr val="accent6"/>
+              </a:buClr>
+              <a:buSzPct val="90000"/>
+              <a:buFont typeface="Wingdings" panose="05000000000000000000" pitchFamily="2" charset="2"/>
+              <a:buChar char="§"/>
+              <a:defRPr sz="1200" kern="1200" baseline="0">
+                <a:solidFill>
+                  <a:schemeClr val="tx1"/>
+                </a:solidFill>
+                <a:effectLst/>
+                <a:latin typeface="+mn-lt"/>
+                <a:ea typeface="+mn-ea"/>
+                <a:cs typeface="+mn-cs"/>
+              </a:defRPr>
+            </a:lvl6pPr>
+            <a:lvl7pPr marL="3108960" indent="-338328" algn="l" defTabSz="914400" rtl="0" eaLnBrk="1" latinLnBrk="0" hangingPunct="1">
+              <a:lnSpc>
+                <a:spcPct val="120000"/>
+              </a:lnSpc>
+              <a:spcBef>
+                <a:spcPts val="500"/>
+              </a:spcBef>
+              <a:spcAft>
+                <a:spcPts val="600"/>
+              </a:spcAft>
+              <a:buClr>
+                <a:schemeClr val="accent6"/>
+              </a:buClr>
+              <a:buSzPct val="90000"/>
+              <a:buFont typeface="Wingdings" panose="05000000000000000000" pitchFamily="2" charset="2"/>
+              <a:buChar char="§"/>
+              <a:defRPr sz="1200" kern="1200" baseline="0">
+                <a:solidFill>
+                  <a:schemeClr val="tx1"/>
+                </a:solidFill>
+                <a:effectLst/>
+                <a:latin typeface="+mn-lt"/>
+                <a:ea typeface="+mn-ea"/>
+                <a:cs typeface="+mn-cs"/>
+              </a:defRPr>
+            </a:lvl7pPr>
+            <a:lvl8pPr marL="3575304" indent="-338328" algn="l" defTabSz="914400" rtl="0" eaLnBrk="1" latinLnBrk="0" hangingPunct="1">
+              <a:lnSpc>
+                <a:spcPct val="120000"/>
+              </a:lnSpc>
+              <a:spcBef>
+                <a:spcPts val="500"/>
+              </a:spcBef>
+              <a:spcAft>
+                <a:spcPts val="600"/>
+              </a:spcAft>
+              <a:buClr>
+                <a:schemeClr val="accent6"/>
+              </a:buClr>
+              <a:buSzPct val="90000"/>
+              <a:buFont typeface="Wingdings" panose="05000000000000000000" pitchFamily="2" charset="2"/>
+              <a:buChar char="§"/>
+              <a:defRPr sz="1200" kern="1200" baseline="0">
+                <a:solidFill>
+                  <a:schemeClr val="tx1"/>
+                </a:solidFill>
+                <a:effectLst/>
+                <a:latin typeface="+mn-lt"/>
+                <a:ea typeface="+mn-ea"/>
+                <a:cs typeface="+mn-cs"/>
+              </a:defRPr>
+            </a:lvl8pPr>
+            <a:lvl9pPr marL="4041648" indent="-338328" algn="l" defTabSz="914400" rtl="0" eaLnBrk="1" latinLnBrk="0" hangingPunct="1">
+              <a:lnSpc>
+                <a:spcPct val="120000"/>
+              </a:lnSpc>
+              <a:spcBef>
+                <a:spcPts val="500"/>
+              </a:spcBef>
+              <a:spcAft>
+                <a:spcPts val="600"/>
+              </a:spcAft>
+              <a:buClr>
+                <a:schemeClr val="accent6"/>
+              </a:buClr>
+              <a:buSzPct val="90000"/>
+              <a:buFont typeface="Wingdings" panose="05000000000000000000" pitchFamily="2" charset="2"/>
+              <a:buChar char="§"/>
+              <a:defRPr sz="1200" kern="1200" baseline="0">
+                <a:solidFill>
+                  <a:schemeClr val="tx1"/>
+                </a:solidFill>
+                <a:effectLst/>
+                <a:latin typeface="+mn-lt"/>
+                <a:ea typeface="+mn-ea"/>
+                <a:cs typeface="+mn-cs"/>
+              </a:defRPr>
+            </a:lvl9pPr>
+          </a:lstStyle>
+          <a:p>
+            <a:pPr marL="0" indent="0" algn="l">
+              <a:buNone/>
+            </a:pPr>
+            <a:r>
+              <a:rPr lang="en-US" sz="1600" b="0" i="0" dirty="0">
+                <a:solidFill>
+                  <a:srgbClr val="0D0D0D"/>
+                </a:solidFill>
+                <a:effectLst/>
+                <a:latin typeface="Söhne"/>
+              </a:rPr>
+              <a:t>In Linked Data, an ontology refers to a standardized description of concepts and relationships within a specific domain of knowledge. These descriptions are typically formalized using RDF (Resource Description Framework) and OWL (Web Ontology Language).</a:t>
+            </a:r>
+          </a:p>
+          <a:p>
+            <a:pPr marL="0" indent="0" algn="l">
+              <a:buNone/>
+            </a:pPr>
+            <a:r>
+              <a:rPr lang="en-US" sz="1600" b="0" i="0" dirty="0">
+                <a:solidFill>
+                  <a:srgbClr val="0D0D0D"/>
+                </a:solidFill>
+                <a:effectLst/>
+                <a:latin typeface="Söhne"/>
+              </a:rPr>
+              <a:t>An ontology in Linked Data defines the meaning of terms and the relationships between these terms. It provides a common vocabulary that enables different datasets to be linked and integrated. This allows computer systems to better understand what the data means and how it relates to each other, which is crucial for realizing the vision of the semantic web.</a:t>
+            </a:r>
+          </a:p>
+        </p:txBody>
+      </p:sp>
+      <p:sp>
+        <p:nvSpPr>
+          <p:cNvPr id="6" name="Tijdelijke aanduiding voor inhoud 6">
+            <a:extLst>
+              <a:ext uri="{FF2B5EF4-FFF2-40B4-BE49-F238E27FC236}">
+                <a16:creationId xmlns:a16="http://schemas.microsoft.com/office/drawing/2014/main" id="{83D4BB63-68EA-C7CA-D494-BCA86230C4CC}"/>
+              </a:ext>
+            </a:extLst>
+          </p:cNvPr>
+          <p:cNvSpPr txBox="1">
+            <a:spLocks/>
+          </p:cNvSpPr>
+          <p:nvPr/>
+        </p:nvSpPr>
+        <p:spPr>
+          <a:xfrm>
+            <a:off x="10084378" y="5715164"/>
+            <a:ext cx="1182175" cy="1262270"/>
+          </a:xfrm>
+          <a:prstGeom prst="rect">
+            <a:avLst/>
+          </a:prstGeom>
+        </p:spPr>
+        <p:txBody>
+          <a:bodyPr vert="horz" lIns="91440" tIns="45720" rIns="91440" bIns="45720" rtlCol="0" anchor="ctr">
+            <a:normAutofit/>
+          </a:bodyPr>
+          <a:lstStyle>
+            <a:lvl1pPr marL="344488" indent="-344488" algn="l" defTabSz="914400" rtl="0" eaLnBrk="1" latinLnBrk="0" hangingPunct="1">
+              <a:lnSpc>
+                <a:spcPct val="120000"/>
+              </a:lnSpc>
+              <a:spcBef>
+                <a:spcPts val="1000"/>
+              </a:spcBef>
+              <a:spcAft>
+                <a:spcPts val="600"/>
+              </a:spcAft>
+              <a:buClr>
+                <a:schemeClr val="accent6"/>
+              </a:buClr>
+              <a:buSzPct val="90000"/>
+              <a:buFont typeface="Wingdings" panose="05000000000000000000" pitchFamily="2" charset="2"/>
+              <a:buChar char="§"/>
+              <a:defRPr sz="2000" kern="1200">
+                <a:solidFill>
+                  <a:schemeClr val="tx1"/>
+                </a:solidFill>
+                <a:effectLst/>
+                <a:latin typeface="+mn-lt"/>
+                <a:ea typeface="+mn-ea"/>
+                <a:cs typeface="+mn-cs"/>
+              </a:defRPr>
+            </a:lvl1pPr>
+            <a:lvl2pPr marL="795338" indent="-338138" algn="l" defTabSz="914400" rtl="0" eaLnBrk="1" latinLnBrk="0" hangingPunct="1">
+              <a:lnSpc>
+                <a:spcPct val="120000"/>
+              </a:lnSpc>
+              <a:spcBef>
+                <a:spcPts val="500"/>
+              </a:spcBef>
+              <a:spcAft>
+                <a:spcPts val="600"/>
+              </a:spcAft>
+              <a:buClr>
+                <a:schemeClr val="accent6"/>
+              </a:buClr>
+              <a:buSzPct val="90000"/>
+              <a:buFont typeface="Wingdings" panose="05000000000000000000" pitchFamily="2" charset="2"/>
+              <a:buChar char="§"/>
+              <a:defRPr sz="1800" kern="1200">
+                <a:solidFill>
+                  <a:schemeClr val="tx1"/>
+                </a:solidFill>
+                <a:effectLst/>
+                <a:latin typeface="+mn-lt"/>
+                <a:ea typeface="+mn-ea"/>
+                <a:cs typeface="+mn-cs"/>
+              </a:defRPr>
+            </a:lvl2pPr>
+            <a:lvl3pPr marL="1258888" indent="-344488" algn="l" defTabSz="914400" rtl="0" eaLnBrk="1" latinLnBrk="0" hangingPunct="1">
+              <a:lnSpc>
+                <a:spcPct val="120000"/>
+              </a:lnSpc>
+              <a:spcBef>
+                <a:spcPts val="500"/>
+              </a:spcBef>
+              <a:spcAft>
+                <a:spcPts val="600"/>
+              </a:spcAft>
+              <a:buClr>
+                <a:schemeClr val="accent6"/>
+              </a:buClr>
+              <a:buSzPct val="90000"/>
+              <a:buFont typeface="Wingdings" panose="05000000000000000000" pitchFamily="2" charset="2"/>
+              <a:buChar char="§"/>
+              <a:defRPr sz="1600" kern="1200">
+                <a:solidFill>
+                  <a:schemeClr val="tx1"/>
+                </a:solidFill>
+                <a:effectLst/>
+                <a:latin typeface="+mn-lt"/>
+                <a:ea typeface="+mn-ea"/>
+                <a:cs typeface="+mn-cs"/>
+              </a:defRPr>
+            </a:lvl3pPr>
+            <a:lvl4pPr marL="1709738" indent="-338138" algn="l" defTabSz="914400" rtl="0" eaLnBrk="1" latinLnBrk="0" hangingPunct="1">
+              <a:lnSpc>
+                <a:spcPct val="120000"/>
+              </a:lnSpc>
+              <a:spcBef>
+                <a:spcPts val="500"/>
+              </a:spcBef>
+              <a:spcAft>
+                <a:spcPts val="600"/>
+              </a:spcAft>
+              <a:buClr>
+                <a:schemeClr val="accent6"/>
+              </a:buClr>
+              <a:buSzPct val="90000"/>
+              <a:buFont typeface="Wingdings" panose="05000000000000000000" pitchFamily="2" charset="2"/>
+              <a:buChar char="§"/>
+              <a:defRPr sz="1400" kern="1200">
+                <a:solidFill>
+                  <a:schemeClr val="tx1"/>
+                </a:solidFill>
+                <a:effectLst/>
+                <a:latin typeface="+mn-lt"/>
+                <a:ea typeface="+mn-ea"/>
+                <a:cs typeface="+mn-cs"/>
+              </a:defRPr>
+            </a:lvl4pPr>
+            <a:lvl5pPr marL="2173288" indent="-344488" algn="l" defTabSz="914400" rtl="0" eaLnBrk="1" latinLnBrk="0" hangingPunct="1">
+              <a:lnSpc>
+                <a:spcPct val="120000"/>
+              </a:lnSpc>
+              <a:spcBef>
+                <a:spcPts val="500"/>
+              </a:spcBef>
+              <a:spcAft>
+                <a:spcPts val="600"/>
+              </a:spcAft>
+              <a:buClr>
+                <a:schemeClr val="accent6"/>
+              </a:buClr>
+              <a:buSzPct val="90000"/>
+              <a:buFont typeface="Wingdings" panose="05000000000000000000" pitchFamily="2" charset="2"/>
+              <a:buChar char="§"/>
+              <a:defRPr sz="1200" kern="1200">
+                <a:solidFill>
+                  <a:schemeClr val="tx1"/>
+                </a:solidFill>
+                <a:effectLst/>
+                <a:latin typeface="+mn-lt"/>
+                <a:ea typeface="+mn-ea"/>
+                <a:cs typeface="+mn-cs"/>
+              </a:defRPr>
+            </a:lvl5pPr>
+            <a:lvl6pPr marL="2642616" indent="-338328" algn="l" defTabSz="914400" rtl="0" eaLnBrk="1" latinLnBrk="0" hangingPunct="1">
+              <a:lnSpc>
+                <a:spcPct val="120000"/>
+              </a:lnSpc>
+              <a:spcBef>
+                <a:spcPts val="500"/>
+              </a:spcBef>
+              <a:spcAft>
+                <a:spcPts val="600"/>
+              </a:spcAft>
+              <a:buClr>
+                <a:schemeClr val="accent6"/>
+              </a:buClr>
+              <a:buSzPct val="90000"/>
+              <a:buFont typeface="Wingdings" panose="05000000000000000000" pitchFamily="2" charset="2"/>
+              <a:buChar char="§"/>
+              <a:defRPr sz="1200" kern="1200" baseline="0">
+                <a:solidFill>
+                  <a:schemeClr val="tx1"/>
+                </a:solidFill>
+                <a:effectLst/>
+                <a:latin typeface="+mn-lt"/>
+                <a:ea typeface="+mn-ea"/>
+                <a:cs typeface="+mn-cs"/>
+              </a:defRPr>
+            </a:lvl6pPr>
+            <a:lvl7pPr marL="3108960" indent="-338328" algn="l" defTabSz="914400" rtl="0" eaLnBrk="1" latinLnBrk="0" hangingPunct="1">
+              <a:lnSpc>
+                <a:spcPct val="120000"/>
+              </a:lnSpc>
+              <a:spcBef>
+                <a:spcPts val="500"/>
+              </a:spcBef>
+              <a:spcAft>
+                <a:spcPts val="600"/>
+              </a:spcAft>
+              <a:buClr>
+                <a:schemeClr val="accent6"/>
+              </a:buClr>
+              <a:buSzPct val="90000"/>
+              <a:buFont typeface="Wingdings" panose="05000000000000000000" pitchFamily="2" charset="2"/>
+              <a:buChar char="§"/>
+              <a:defRPr sz="1200" kern="1200" baseline="0">
+                <a:solidFill>
+                  <a:schemeClr val="tx1"/>
+                </a:solidFill>
+                <a:effectLst/>
+                <a:latin typeface="+mn-lt"/>
+                <a:ea typeface="+mn-ea"/>
+                <a:cs typeface="+mn-cs"/>
+              </a:defRPr>
+            </a:lvl7pPr>
+            <a:lvl8pPr marL="3575304" indent="-338328" algn="l" defTabSz="914400" rtl="0" eaLnBrk="1" latinLnBrk="0" hangingPunct="1">
+              <a:lnSpc>
+                <a:spcPct val="120000"/>
+              </a:lnSpc>
+              <a:spcBef>
+                <a:spcPts val="500"/>
+              </a:spcBef>
+              <a:spcAft>
+                <a:spcPts val="600"/>
+              </a:spcAft>
+              <a:buClr>
+                <a:schemeClr val="accent6"/>
+              </a:buClr>
+              <a:buSzPct val="90000"/>
+              <a:buFont typeface="Wingdings" panose="05000000000000000000" pitchFamily="2" charset="2"/>
+              <a:buChar char="§"/>
+              <a:defRPr sz="1200" kern="1200" baseline="0">
+                <a:solidFill>
+                  <a:schemeClr val="tx1"/>
+                </a:solidFill>
+                <a:effectLst/>
+                <a:latin typeface="+mn-lt"/>
+                <a:ea typeface="+mn-ea"/>
+                <a:cs typeface="+mn-cs"/>
+              </a:defRPr>
+            </a:lvl8pPr>
+            <a:lvl9pPr marL="4041648" indent="-338328" algn="l" defTabSz="914400" rtl="0" eaLnBrk="1" latinLnBrk="0" hangingPunct="1">
+              <a:lnSpc>
+                <a:spcPct val="120000"/>
+              </a:lnSpc>
+              <a:spcBef>
+                <a:spcPts val="500"/>
+              </a:spcBef>
+              <a:spcAft>
+                <a:spcPts val="600"/>
+              </a:spcAft>
+              <a:buClr>
+                <a:schemeClr val="accent6"/>
+              </a:buClr>
+              <a:buSzPct val="90000"/>
+              <a:buFont typeface="Wingdings" panose="05000000000000000000" pitchFamily="2" charset="2"/>
+              <a:buChar char="§"/>
+              <a:defRPr sz="1200" kern="1200" baseline="0">
+                <a:solidFill>
+                  <a:schemeClr val="tx1"/>
+                </a:solidFill>
+                <a:effectLst/>
+                <a:latin typeface="+mn-lt"/>
+                <a:ea typeface="+mn-ea"/>
+                <a:cs typeface="+mn-cs"/>
+              </a:defRPr>
+            </a:lvl9pPr>
+          </a:lstStyle>
+          <a:p>
+            <a:pPr marL="0" indent="0">
+              <a:buNone/>
+            </a:pPr>
+            <a:r>
+              <a:rPr lang="nl-NL" dirty="0" err="1">
+                <a:latin typeface="Söhne"/>
+              </a:rPr>
+              <a:t>chatgpt</a:t>
+            </a:r>
+            <a:endParaRPr lang="nl-NL" dirty="0">
+              <a:latin typeface="Söhne"/>
+            </a:endParaRPr>
+          </a:p>
+          <a:p>
+            <a:endParaRPr lang="nl-NL" dirty="0"/>
+          </a:p>
+        </p:txBody>
+      </p:sp>
+    </p:spTree>
+    <p:extLst>
+      <p:ext uri="{BB962C8B-B14F-4D97-AF65-F5344CB8AC3E}">
+        <p14:creationId xmlns:p14="http://schemas.microsoft.com/office/powerpoint/2010/main" val="546690010"/>
+      </p:ext>
+    </p:extLst>
+  </p:cSld>
+  <p:clrMapOvr>
+    <a:masterClrMapping/>
+  </p:clrMapOvr>
+</p:sld>
+</file>
+
+<file path=ppt/slides/slide6.xml><?xml version="1.0" encoding="utf-8"?>
+<p:sld xmlns:a="http://schemas.openxmlformats.org/drawingml/2006/main" xmlns:r="http://schemas.openxmlformats.org/officeDocument/2006/relationships" xmlns:p="http://schemas.openxmlformats.org/presentationml/2006/main">
+  <p:cSld>
+    <p:spTree>
+      <p:nvGrpSpPr>
+        <p:cNvPr id="1" name=""/>
+        <p:cNvGrpSpPr/>
+        <p:nvPr/>
+      </p:nvGrpSpPr>
+      <p:grpSpPr>
+        <a:xfrm>
+          <a:off x="0" y="0"/>
+          <a:ext cx="0" cy="0"/>
+          <a:chOff x="0" y="0"/>
+          <a:chExt cx="0" cy="0"/>
+        </a:xfrm>
+      </p:grpSpPr>
+      <p:sp>
+        <p:nvSpPr>
+          <p:cNvPr id="2" name="Titel 1">
+            <a:extLst>
+              <a:ext uri="{FF2B5EF4-FFF2-40B4-BE49-F238E27FC236}">
+                <a16:creationId xmlns:a16="http://schemas.microsoft.com/office/drawing/2014/main" id="{66EECF1F-3A3A-48A9-AF99-34EA2FE500E0}"/>
+              </a:ext>
+            </a:extLst>
+          </p:cNvPr>
+          <p:cNvSpPr>
+            <a:spLocks noGrp="1"/>
+          </p:cNvSpPr>
+          <p:nvPr>
+            <p:ph type="title"/>
+          </p:nvPr>
+        </p:nvSpPr>
+        <p:spPr/>
+        <p:txBody>
+          <a:bodyPr/>
+          <a:lstStyle/>
+          <a:p>
+            <a:r>
+              <a:rPr lang="nl-NL" dirty="0" err="1"/>
+              <a:t>What</a:t>
+            </a:r>
+            <a:r>
+              <a:rPr lang="nl-NL" dirty="0"/>
+              <a:t> is </a:t>
+            </a:r>
+            <a:r>
+              <a:rPr lang="nl-NL" dirty="0" err="1"/>
+              <a:t>an</a:t>
+            </a:r>
+            <a:r>
+              <a:rPr lang="nl-NL" dirty="0"/>
+              <a:t> ontologie?</a:t>
+            </a:r>
+          </a:p>
+        </p:txBody>
+      </p:sp>
+      <p:sp>
+        <p:nvSpPr>
+          <p:cNvPr id="31" name="Tijdelijke aanduiding voor inhoud 6">
+            <a:extLst>
+              <a:ext uri="{FF2B5EF4-FFF2-40B4-BE49-F238E27FC236}">
+                <a16:creationId xmlns:a16="http://schemas.microsoft.com/office/drawing/2014/main" id="{38A2A9EE-75E8-49F9-EBD2-15C6298FC791}"/>
+              </a:ext>
+            </a:extLst>
+          </p:cNvPr>
+          <p:cNvSpPr txBox="1">
+            <a:spLocks/>
+          </p:cNvSpPr>
+          <p:nvPr/>
+        </p:nvSpPr>
+        <p:spPr>
+          <a:xfrm>
+            <a:off x="992186" y="1072807"/>
+            <a:ext cx="9598025" cy="1620846"/>
+          </a:xfrm>
+          <a:prstGeom prst="rect">
+            <a:avLst/>
+          </a:prstGeom>
+        </p:spPr>
+        <p:txBody>
+          <a:bodyPr vert="horz" lIns="91440" tIns="45720" rIns="91440" bIns="45720" rtlCol="0" anchor="ctr">
+            <a:noAutofit/>
+          </a:bodyPr>
+          <a:lstStyle>
+            <a:lvl1pPr marL="344488" indent="-344488" algn="l" defTabSz="914400" rtl="0" eaLnBrk="1" latinLnBrk="0" hangingPunct="1">
+              <a:lnSpc>
+                <a:spcPct val="120000"/>
+              </a:lnSpc>
+              <a:spcBef>
+                <a:spcPts val="1000"/>
+              </a:spcBef>
+              <a:spcAft>
+                <a:spcPts val="600"/>
+              </a:spcAft>
+              <a:buClr>
+                <a:schemeClr val="accent6"/>
+              </a:buClr>
+              <a:buSzPct val="90000"/>
+              <a:buFont typeface="Wingdings" panose="05000000000000000000" pitchFamily="2" charset="2"/>
+              <a:buChar char="§"/>
+              <a:defRPr lang="en-US" sz="2000" b="0" kern="1200">
+                <a:solidFill>
+                  <a:schemeClr val="tx1"/>
+                </a:solidFill>
+                <a:effectLst/>
+                <a:latin typeface="+mn-lt"/>
+                <a:ea typeface="+mn-ea"/>
+                <a:cs typeface="+mn-cs"/>
+              </a:defRPr>
+            </a:lvl1pPr>
+            <a:lvl2pPr marL="795338" indent="-338138" algn="l" defTabSz="914400" rtl="0" eaLnBrk="1" latinLnBrk="0" hangingPunct="1">
+              <a:lnSpc>
+                <a:spcPct val="120000"/>
+              </a:lnSpc>
+              <a:spcBef>
+                <a:spcPts val="500"/>
+              </a:spcBef>
+              <a:spcAft>
+                <a:spcPts val="600"/>
+              </a:spcAft>
+              <a:buClr>
+                <a:schemeClr val="accent6"/>
+              </a:buClr>
+              <a:buSzPct val="90000"/>
+              <a:buFont typeface="Wingdings" panose="05000000000000000000" pitchFamily="2" charset="2"/>
+              <a:buChar char="§"/>
+              <a:defRPr lang="en-US" sz="1800" b="0" kern="1200">
+                <a:solidFill>
+                  <a:schemeClr val="tx1"/>
+                </a:solidFill>
+                <a:effectLst/>
+                <a:latin typeface="+mn-lt"/>
+                <a:ea typeface="+mn-ea"/>
+                <a:cs typeface="+mn-cs"/>
+              </a:defRPr>
+            </a:lvl2pPr>
+            <a:lvl3pPr marL="1258888" indent="-344488" algn="l" defTabSz="914400" rtl="0" eaLnBrk="1" latinLnBrk="0" hangingPunct="1">
+              <a:lnSpc>
+                <a:spcPct val="120000"/>
+              </a:lnSpc>
+              <a:spcBef>
+                <a:spcPts val="500"/>
+              </a:spcBef>
+              <a:spcAft>
+                <a:spcPts val="600"/>
+              </a:spcAft>
+              <a:buClr>
+                <a:schemeClr val="accent6"/>
+              </a:buClr>
+              <a:buSzPct val="90000"/>
+              <a:buFont typeface="Wingdings" panose="05000000000000000000" pitchFamily="2" charset="2"/>
+              <a:buChar char="§"/>
+              <a:defRPr lang="en-US" sz="1600" b="0" kern="1200">
+                <a:solidFill>
+                  <a:schemeClr val="tx1"/>
+                </a:solidFill>
+                <a:effectLst/>
+                <a:latin typeface="+mn-lt"/>
+                <a:ea typeface="+mn-ea"/>
+                <a:cs typeface="+mn-cs"/>
+              </a:defRPr>
+            </a:lvl3pPr>
+            <a:lvl4pPr marL="1709738" indent="-338138" algn="l" defTabSz="914400" rtl="0" eaLnBrk="1" latinLnBrk="0" hangingPunct="1">
+              <a:lnSpc>
+                <a:spcPct val="120000"/>
+              </a:lnSpc>
+              <a:spcBef>
+                <a:spcPts val="500"/>
+              </a:spcBef>
+              <a:spcAft>
+                <a:spcPts val="600"/>
+              </a:spcAft>
+              <a:buClr>
+                <a:schemeClr val="accent6"/>
+              </a:buClr>
+              <a:buSzPct val="90000"/>
+              <a:buFont typeface="Wingdings" panose="05000000000000000000" pitchFamily="2" charset="2"/>
+              <a:buChar char="§"/>
+              <a:defRPr lang="en-US" sz="1400" b="0" kern="1200">
+                <a:solidFill>
+                  <a:schemeClr val="tx1"/>
+                </a:solidFill>
+                <a:effectLst/>
+                <a:latin typeface="+mn-lt"/>
+                <a:ea typeface="+mn-ea"/>
+                <a:cs typeface="+mn-cs"/>
+              </a:defRPr>
+            </a:lvl4pPr>
+            <a:lvl5pPr marL="2173288" indent="-344488" algn="l" defTabSz="914400" rtl="0" eaLnBrk="1" latinLnBrk="0" hangingPunct="1">
+              <a:lnSpc>
+                <a:spcPct val="120000"/>
+              </a:lnSpc>
+              <a:spcBef>
+                <a:spcPts val="500"/>
+              </a:spcBef>
+              <a:spcAft>
+                <a:spcPts val="600"/>
+              </a:spcAft>
+              <a:buClr>
+                <a:schemeClr val="accent6"/>
+              </a:buClr>
+              <a:buSzPct val="90000"/>
+              <a:buFont typeface="Wingdings" panose="05000000000000000000" pitchFamily="2" charset="2"/>
+              <a:buChar char="§"/>
+              <a:defRPr lang="en-GB" sz="1200" b="0" kern="1200">
+                <a:solidFill>
+                  <a:schemeClr val="tx1"/>
+                </a:solidFill>
+                <a:effectLst/>
+                <a:latin typeface="+mn-lt"/>
+                <a:ea typeface="+mn-ea"/>
+                <a:cs typeface="+mn-cs"/>
+              </a:defRPr>
+            </a:lvl5pPr>
+            <a:lvl6pPr marL="2642616" indent="-338328" algn="l" defTabSz="914400" rtl="0" eaLnBrk="1" latinLnBrk="0" hangingPunct="1">
+              <a:lnSpc>
+                <a:spcPct val="120000"/>
+              </a:lnSpc>
+              <a:spcBef>
+                <a:spcPts val="500"/>
+              </a:spcBef>
+              <a:spcAft>
+                <a:spcPts val="600"/>
+              </a:spcAft>
+              <a:buClr>
+                <a:schemeClr val="accent6"/>
+              </a:buClr>
+              <a:buSzPct val="90000"/>
+              <a:buFont typeface="Wingdings" panose="05000000000000000000" pitchFamily="2" charset="2"/>
+              <a:buChar char="§"/>
+              <a:defRPr sz="1200" kern="1200" baseline="0">
+                <a:solidFill>
+                  <a:schemeClr val="tx1"/>
+                </a:solidFill>
+                <a:effectLst/>
+                <a:latin typeface="+mn-lt"/>
+                <a:ea typeface="+mn-ea"/>
+                <a:cs typeface="+mn-cs"/>
+              </a:defRPr>
+            </a:lvl6pPr>
+            <a:lvl7pPr marL="3108960" indent="-338328" algn="l" defTabSz="914400" rtl="0" eaLnBrk="1" latinLnBrk="0" hangingPunct="1">
+              <a:lnSpc>
+                <a:spcPct val="120000"/>
+              </a:lnSpc>
+              <a:spcBef>
+                <a:spcPts val="500"/>
+              </a:spcBef>
+              <a:spcAft>
+                <a:spcPts val="600"/>
+              </a:spcAft>
+              <a:buClr>
+                <a:schemeClr val="accent6"/>
+              </a:buClr>
+              <a:buSzPct val="90000"/>
+              <a:buFont typeface="Wingdings" panose="05000000000000000000" pitchFamily="2" charset="2"/>
+              <a:buChar char="§"/>
+              <a:defRPr sz="1200" kern="1200" baseline="0">
+                <a:solidFill>
+                  <a:schemeClr val="tx1"/>
+                </a:solidFill>
+                <a:effectLst/>
+                <a:latin typeface="+mn-lt"/>
+                <a:ea typeface="+mn-ea"/>
+                <a:cs typeface="+mn-cs"/>
+              </a:defRPr>
+            </a:lvl7pPr>
+            <a:lvl8pPr marL="3575304" indent="-338328" algn="l" defTabSz="914400" rtl="0" eaLnBrk="1" latinLnBrk="0" hangingPunct="1">
+              <a:lnSpc>
+                <a:spcPct val="120000"/>
+              </a:lnSpc>
+              <a:spcBef>
+                <a:spcPts val="500"/>
+              </a:spcBef>
+              <a:spcAft>
+                <a:spcPts val="600"/>
+              </a:spcAft>
+              <a:buClr>
+                <a:schemeClr val="accent6"/>
+              </a:buClr>
+              <a:buSzPct val="90000"/>
+              <a:buFont typeface="Wingdings" panose="05000000000000000000" pitchFamily="2" charset="2"/>
+              <a:buChar char="§"/>
+              <a:defRPr sz="1200" kern="1200" baseline="0">
+                <a:solidFill>
+                  <a:schemeClr val="tx1"/>
+                </a:solidFill>
+                <a:effectLst/>
+                <a:latin typeface="+mn-lt"/>
+                <a:ea typeface="+mn-ea"/>
+                <a:cs typeface="+mn-cs"/>
+              </a:defRPr>
+            </a:lvl8pPr>
+            <a:lvl9pPr marL="4041648" indent="-338328" algn="l" defTabSz="914400" rtl="0" eaLnBrk="1" latinLnBrk="0" hangingPunct="1">
+              <a:lnSpc>
+                <a:spcPct val="120000"/>
+              </a:lnSpc>
+              <a:spcBef>
+                <a:spcPts val="500"/>
+              </a:spcBef>
+              <a:spcAft>
+                <a:spcPts val="600"/>
+              </a:spcAft>
+              <a:buClr>
+                <a:schemeClr val="accent6"/>
+              </a:buClr>
+              <a:buSzPct val="90000"/>
+              <a:buFont typeface="Wingdings" panose="05000000000000000000" pitchFamily="2" charset="2"/>
+              <a:buChar char="§"/>
+              <a:defRPr sz="1200" kern="1200" baseline="0">
+                <a:solidFill>
+                  <a:schemeClr val="tx1"/>
+                </a:solidFill>
+                <a:effectLst/>
+                <a:latin typeface="+mn-lt"/>
+                <a:ea typeface="+mn-ea"/>
+                <a:cs typeface="+mn-cs"/>
+              </a:defRPr>
+            </a:lvl9pPr>
+          </a:lstStyle>
+          <a:p>
+            <a:pPr marL="0" indent="0" algn="l">
+              <a:buNone/>
+            </a:pPr>
+            <a:r>
+              <a:rPr lang="en-US" sz="1600" b="0" i="0" dirty="0">
+                <a:solidFill>
+                  <a:srgbClr val="0D0D0D"/>
+                </a:solidFill>
+                <a:effectLst/>
+                <a:latin typeface="Söhne"/>
+              </a:rPr>
+              <a:t>For example, when discussing an ontology for cats, this ontology would define terms such as 'cat', 'color', 'breed', and so forth, as well as the relationships between these terms, such as 'has color' between cat and black. With such an ontology, bibliographic data from various sources can be merged and made searchable in a consistent manner.</a:t>
+            </a:r>
+          </a:p>
+        </p:txBody>
+      </p:sp>
+      <p:sp>
+        <p:nvSpPr>
+          <p:cNvPr id="6" name="Tijdelijke aanduiding voor inhoud 6">
+            <a:extLst>
+              <a:ext uri="{FF2B5EF4-FFF2-40B4-BE49-F238E27FC236}">
+                <a16:creationId xmlns:a16="http://schemas.microsoft.com/office/drawing/2014/main" id="{83D4BB63-68EA-C7CA-D494-BCA86230C4CC}"/>
+              </a:ext>
+            </a:extLst>
+          </p:cNvPr>
+          <p:cNvSpPr txBox="1">
+            <a:spLocks/>
+          </p:cNvSpPr>
+          <p:nvPr/>
+        </p:nvSpPr>
+        <p:spPr>
+          <a:xfrm>
+            <a:off x="10084378" y="5715164"/>
+            <a:ext cx="1182175" cy="1262270"/>
+          </a:xfrm>
+          <a:prstGeom prst="rect">
+            <a:avLst/>
+          </a:prstGeom>
+        </p:spPr>
+        <p:txBody>
+          <a:bodyPr vert="horz" lIns="91440" tIns="45720" rIns="91440" bIns="45720" rtlCol="0" anchor="ctr">
+            <a:normAutofit/>
+          </a:bodyPr>
+          <a:lstStyle>
+            <a:lvl1pPr marL="344488" indent="-344488" algn="l" defTabSz="914400" rtl="0" eaLnBrk="1" latinLnBrk="0" hangingPunct="1">
+              <a:lnSpc>
+                <a:spcPct val="120000"/>
+              </a:lnSpc>
+              <a:spcBef>
+                <a:spcPts val="1000"/>
+              </a:spcBef>
+              <a:spcAft>
+                <a:spcPts val="600"/>
+              </a:spcAft>
+              <a:buClr>
+                <a:schemeClr val="accent6"/>
+              </a:buClr>
+              <a:buSzPct val="90000"/>
+              <a:buFont typeface="Wingdings" panose="05000000000000000000" pitchFamily="2" charset="2"/>
+              <a:buChar char="§"/>
+              <a:defRPr sz="2000" kern="1200">
+                <a:solidFill>
+                  <a:schemeClr val="tx1"/>
+                </a:solidFill>
+                <a:effectLst/>
+                <a:latin typeface="+mn-lt"/>
+                <a:ea typeface="+mn-ea"/>
+                <a:cs typeface="+mn-cs"/>
+              </a:defRPr>
+            </a:lvl1pPr>
+            <a:lvl2pPr marL="795338" indent="-338138" algn="l" defTabSz="914400" rtl="0" eaLnBrk="1" latinLnBrk="0" hangingPunct="1">
+              <a:lnSpc>
+                <a:spcPct val="120000"/>
+              </a:lnSpc>
+              <a:spcBef>
+                <a:spcPts val="500"/>
+              </a:spcBef>
+              <a:spcAft>
+                <a:spcPts val="600"/>
+              </a:spcAft>
+              <a:buClr>
+                <a:schemeClr val="accent6"/>
+              </a:buClr>
+              <a:buSzPct val="90000"/>
+              <a:buFont typeface="Wingdings" panose="05000000000000000000" pitchFamily="2" charset="2"/>
+              <a:buChar char="§"/>
+              <a:defRPr sz="1800" kern="1200">
+                <a:solidFill>
+                  <a:schemeClr val="tx1"/>
+                </a:solidFill>
+                <a:effectLst/>
+                <a:latin typeface="+mn-lt"/>
+                <a:ea typeface="+mn-ea"/>
+                <a:cs typeface="+mn-cs"/>
+              </a:defRPr>
+            </a:lvl2pPr>
+            <a:lvl3pPr marL="1258888" indent="-344488" algn="l" defTabSz="914400" rtl="0" eaLnBrk="1" latinLnBrk="0" hangingPunct="1">
+              <a:lnSpc>
+                <a:spcPct val="120000"/>
+              </a:lnSpc>
+              <a:spcBef>
+                <a:spcPts val="500"/>
+              </a:spcBef>
+              <a:spcAft>
+                <a:spcPts val="600"/>
+              </a:spcAft>
+              <a:buClr>
+                <a:schemeClr val="accent6"/>
+              </a:buClr>
+              <a:buSzPct val="90000"/>
+              <a:buFont typeface="Wingdings" panose="05000000000000000000" pitchFamily="2" charset="2"/>
+              <a:buChar char="§"/>
+              <a:defRPr sz="1600" kern="1200">
+                <a:solidFill>
+                  <a:schemeClr val="tx1"/>
+                </a:solidFill>
+                <a:effectLst/>
+                <a:latin typeface="+mn-lt"/>
+                <a:ea typeface="+mn-ea"/>
+                <a:cs typeface="+mn-cs"/>
+              </a:defRPr>
+            </a:lvl3pPr>
+            <a:lvl4pPr marL="1709738" indent="-338138" algn="l" defTabSz="914400" rtl="0" eaLnBrk="1" latinLnBrk="0" hangingPunct="1">
+              <a:lnSpc>
+                <a:spcPct val="120000"/>
+              </a:lnSpc>
+              <a:spcBef>
+                <a:spcPts val="500"/>
+              </a:spcBef>
+              <a:spcAft>
+                <a:spcPts val="600"/>
+              </a:spcAft>
+              <a:buClr>
+                <a:schemeClr val="accent6"/>
+              </a:buClr>
+              <a:buSzPct val="90000"/>
+              <a:buFont typeface="Wingdings" panose="05000000000000000000" pitchFamily="2" charset="2"/>
+              <a:buChar char="§"/>
+              <a:defRPr sz="1400" kern="1200">
+                <a:solidFill>
+                  <a:schemeClr val="tx1"/>
+                </a:solidFill>
+                <a:effectLst/>
+                <a:latin typeface="+mn-lt"/>
+                <a:ea typeface="+mn-ea"/>
+                <a:cs typeface="+mn-cs"/>
+              </a:defRPr>
+            </a:lvl4pPr>
+            <a:lvl5pPr marL="2173288" indent="-344488" algn="l" defTabSz="914400" rtl="0" eaLnBrk="1" latinLnBrk="0" hangingPunct="1">
+              <a:lnSpc>
+                <a:spcPct val="120000"/>
+              </a:lnSpc>
+              <a:spcBef>
+                <a:spcPts val="500"/>
+              </a:spcBef>
+              <a:spcAft>
+                <a:spcPts val="600"/>
+              </a:spcAft>
+              <a:buClr>
+                <a:schemeClr val="accent6"/>
+              </a:buClr>
+              <a:buSzPct val="90000"/>
+              <a:buFont typeface="Wingdings" panose="05000000000000000000" pitchFamily="2" charset="2"/>
+              <a:buChar char="§"/>
+              <a:defRPr sz="1200" kern="1200">
+                <a:solidFill>
+                  <a:schemeClr val="tx1"/>
+                </a:solidFill>
+                <a:effectLst/>
+                <a:latin typeface="+mn-lt"/>
+                <a:ea typeface="+mn-ea"/>
+                <a:cs typeface="+mn-cs"/>
+              </a:defRPr>
+            </a:lvl5pPr>
+            <a:lvl6pPr marL="2642616" indent="-338328" algn="l" defTabSz="914400" rtl="0" eaLnBrk="1" latinLnBrk="0" hangingPunct="1">
+              <a:lnSpc>
+                <a:spcPct val="120000"/>
+              </a:lnSpc>
+              <a:spcBef>
+                <a:spcPts val="500"/>
+              </a:spcBef>
+              <a:spcAft>
+                <a:spcPts val="600"/>
+              </a:spcAft>
+              <a:buClr>
+                <a:schemeClr val="accent6"/>
+              </a:buClr>
+              <a:buSzPct val="90000"/>
+              <a:buFont typeface="Wingdings" panose="05000000000000000000" pitchFamily="2" charset="2"/>
+              <a:buChar char="§"/>
+              <a:defRPr sz="1200" kern="1200" baseline="0">
+                <a:solidFill>
+                  <a:schemeClr val="tx1"/>
+                </a:solidFill>
+                <a:effectLst/>
+                <a:latin typeface="+mn-lt"/>
+                <a:ea typeface="+mn-ea"/>
+                <a:cs typeface="+mn-cs"/>
+              </a:defRPr>
+            </a:lvl6pPr>
+            <a:lvl7pPr marL="3108960" indent="-338328" algn="l" defTabSz="914400" rtl="0" eaLnBrk="1" latinLnBrk="0" hangingPunct="1">
+              <a:lnSpc>
+                <a:spcPct val="120000"/>
+              </a:lnSpc>
+              <a:spcBef>
+                <a:spcPts val="500"/>
+              </a:spcBef>
+              <a:spcAft>
+                <a:spcPts val="600"/>
+              </a:spcAft>
+              <a:buClr>
+                <a:schemeClr val="accent6"/>
+              </a:buClr>
+              <a:buSzPct val="90000"/>
+              <a:buFont typeface="Wingdings" panose="05000000000000000000" pitchFamily="2" charset="2"/>
+              <a:buChar char="§"/>
+              <a:defRPr sz="1200" kern="1200" baseline="0">
+                <a:solidFill>
+                  <a:schemeClr val="tx1"/>
+                </a:solidFill>
+                <a:effectLst/>
+                <a:latin typeface="+mn-lt"/>
+                <a:ea typeface="+mn-ea"/>
+                <a:cs typeface="+mn-cs"/>
+              </a:defRPr>
+            </a:lvl7pPr>
+            <a:lvl8pPr marL="3575304" indent="-338328" algn="l" defTabSz="914400" rtl="0" eaLnBrk="1" latinLnBrk="0" hangingPunct="1">
+              <a:lnSpc>
+                <a:spcPct val="120000"/>
+              </a:lnSpc>
+              <a:spcBef>
+                <a:spcPts val="500"/>
+              </a:spcBef>
+              <a:spcAft>
+                <a:spcPts val="600"/>
+              </a:spcAft>
+              <a:buClr>
+                <a:schemeClr val="accent6"/>
+              </a:buClr>
+              <a:buSzPct val="90000"/>
+              <a:buFont typeface="Wingdings" panose="05000000000000000000" pitchFamily="2" charset="2"/>
+              <a:buChar char="§"/>
+              <a:defRPr sz="1200" kern="1200" baseline="0">
+                <a:solidFill>
+                  <a:schemeClr val="tx1"/>
+                </a:solidFill>
+                <a:effectLst/>
+                <a:latin typeface="+mn-lt"/>
+                <a:ea typeface="+mn-ea"/>
+                <a:cs typeface="+mn-cs"/>
+              </a:defRPr>
+            </a:lvl8pPr>
+            <a:lvl9pPr marL="4041648" indent="-338328" algn="l" defTabSz="914400" rtl="0" eaLnBrk="1" latinLnBrk="0" hangingPunct="1">
+              <a:lnSpc>
+                <a:spcPct val="120000"/>
+              </a:lnSpc>
+              <a:spcBef>
+                <a:spcPts val="500"/>
+              </a:spcBef>
+              <a:spcAft>
+                <a:spcPts val="600"/>
+              </a:spcAft>
+              <a:buClr>
+                <a:schemeClr val="accent6"/>
+              </a:buClr>
+              <a:buSzPct val="90000"/>
+              <a:buFont typeface="Wingdings" panose="05000000000000000000" pitchFamily="2" charset="2"/>
+              <a:buChar char="§"/>
+              <a:defRPr sz="1200" kern="1200" baseline="0">
+                <a:solidFill>
+                  <a:schemeClr val="tx1"/>
+                </a:solidFill>
+                <a:effectLst/>
+                <a:latin typeface="+mn-lt"/>
+                <a:ea typeface="+mn-ea"/>
+                <a:cs typeface="+mn-cs"/>
+              </a:defRPr>
+            </a:lvl9pPr>
+          </a:lstStyle>
+          <a:p>
+            <a:pPr marL="0" indent="0">
+              <a:buNone/>
+            </a:pPr>
+            <a:r>
+              <a:rPr lang="nl-NL" dirty="0" err="1">
+                <a:latin typeface="Söhne"/>
+              </a:rPr>
+              <a:t>chatgpt</a:t>
+            </a:r>
+            <a:endParaRPr lang="nl-NL" dirty="0">
+              <a:latin typeface="Söhne"/>
+            </a:endParaRPr>
+          </a:p>
+          <a:p>
+            <a:endParaRPr lang="nl-NL" dirty="0"/>
+          </a:p>
+        </p:txBody>
+      </p:sp>
+      <p:pic>
+        <p:nvPicPr>
+          <p:cNvPr id="3" name="Afbeelding 2">
+            <a:extLst>
+              <a:ext uri="{FF2B5EF4-FFF2-40B4-BE49-F238E27FC236}">
+                <a16:creationId xmlns:a16="http://schemas.microsoft.com/office/drawing/2014/main" id="{4F9AD276-2299-47A7-7D64-18AA567ED819}"/>
+              </a:ext>
+            </a:extLst>
+          </p:cNvPr>
+          <p:cNvPicPr>
+            <a:picLocks noChangeAspect="1"/>
+          </p:cNvPicPr>
+          <p:nvPr/>
+        </p:nvPicPr>
+        <p:blipFill rotWithShape="1">
+          <a:blip r:embed="rId3"/>
+          <a:srcRect l="4771" b="2143"/>
+          <a:stretch/>
+        </p:blipFill>
+        <p:spPr>
+          <a:xfrm>
+            <a:off x="8510452" y="4812032"/>
+            <a:ext cx="1306004" cy="1946321"/>
+          </a:xfrm>
+          <a:prstGeom prst="rect">
+            <a:avLst/>
+          </a:prstGeom>
+        </p:spPr>
+      </p:pic>
+    </p:spTree>
+    <p:extLst>
+      <p:ext uri="{BB962C8B-B14F-4D97-AF65-F5344CB8AC3E}">
+        <p14:creationId xmlns:p14="http://schemas.microsoft.com/office/powerpoint/2010/main" val="3079880801"/>
+      </p:ext>
+    </p:extLst>
+  </p:cSld>
+  <p:clrMapOvr>
+    <a:masterClrMapping/>
+  </p:clrMapOvr>
+</p:sld>
+</file>
+
+<file path=ppt/slides/slide7.xml><?xml version="1.0" encoding="utf-8"?>
+<p:sld xmlns:a="http://schemas.openxmlformats.org/drawingml/2006/main" xmlns:r="http://schemas.openxmlformats.org/officeDocument/2006/relationships" xmlns:p="http://schemas.openxmlformats.org/presentationml/2006/main">
+  <p:cSld>
+    <p:spTree>
+      <p:nvGrpSpPr>
+        <p:cNvPr id="1" name=""/>
+        <p:cNvGrpSpPr/>
+        <p:nvPr/>
+      </p:nvGrpSpPr>
+      <p:grpSpPr>
+        <a:xfrm>
+          <a:off x="0" y="0"/>
+          <a:ext cx="0" cy="0"/>
+          <a:chOff x="0" y="0"/>
+          <a:chExt cx="0" cy="0"/>
+        </a:xfrm>
+      </p:grpSpPr>
+      <p:sp>
+        <p:nvSpPr>
+          <p:cNvPr id="2" name="Titel 1">
+            <a:extLst>
+              <a:ext uri="{FF2B5EF4-FFF2-40B4-BE49-F238E27FC236}">
+                <a16:creationId xmlns:a16="http://schemas.microsoft.com/office/drawing/2014/main" id="{66EECF1F-3A3A-48A9-AF99-34EA2FE500E0}"/>
+              </a:ext>
+            </a:extLst>
+          </p:cNvPr>
+          <p:cNvSpPr>
+            <a:spLocks noGrp="1"/>
+          </p:cNvSpPr>
+          <p:nvPr>
+            <p:ph type="title"/>
+          </p:nvPr>
+        </p:nvSpPr>
+        <p:spPr/>
+        <p:txBody>
+          <a:bodyPr/>
+          <a:lstStyle/>
+          <a:p>
+            <a:r>
+              <a:rPr lang="nl-NL" dirty="0" err="1"/>
+              <a:t>What</a:t>
+            </a:r>
+            <a:r>
+              <a:rPr lang="nl-NL" dirty="0"/>
               <a:t> is RDF ?</a:t>
             </a:r>
           </a:p>
@@ -37750,7 +41151,7 @@
 </p:sld>
 </file>
 
-<file path=ppt/slides/slide6.xml><?xml version="1.0" encoding="utf-8"?>
+<file path=ppt/slides/slide8.xml><?xml version="1.0" encoding="utf-8"?>
 <p:sld xmlns:a="http://schemas.openxmlformats.org/drawingml/2006/main" xmlns:r="http://schemas.openxmlformats.org/officeDocument/2006/relationships" xmlns:p="http://schemas.openxmlformats.org/presentationml/2006/main">
   <p:cSld>
     <p:spTree>
@@ -38681,7 +42082,7 @@
 </p:sld>
 </file>
 
-<file path=ppt/slides/slide7.xml><?xml version="1.0" encoding="utf-8"?>
+<file path=ppt/slides/slide9.xml><?xml version="1.0" encoding="utf-8"?>
 <p:sld xmlns:a="http://schemas.openxmlformats.org/drawingml/2006/main" xmlns:r="http://schemas.openxmlformats.org/officeDocument/2006/relationships" xmlns:p="http://schemas.openxmlformats.org/presentationml/2006/main">
   <p:cSld>
     <p:spTree>
@@ -39452,1771 +42853,6 @@
     <p:extLst>
       <p:ext uri="{BB962C8B-B14F-4D97-AF65-F5344CB8AC3E}">
         <p14:creationId xmlns:p14="http://schemas.microsoft.com/office/powerpoint/2010/main" val="2418587023"/>
-      </p:ext>
-    </p:extLst>
-  </p:cSld>
-  <p:clrMapOvr>
-    <a:masterClrMapping/>
-  </p:clrMapOvr>
-</p:sld>
-</file>
-
-<file path=ppt/slides/slide8.xml><?xml version="1.0" encoding="utf-8"?>
-<p:sld xmlns:a="http://schemas.openxmlformats.org/drawingml/2006/main" xmlns:r="http://schemas.openxmlformats.org/officeDocument/2006/relationships" xmlns:p="http://schemas.openxmlformats.org/presentationml/2006/main">
-  <p:cSld>
-    <p:spTree>
-      <p:nvGrpSpPr>
-        <p:cNvPr id="1" name=""/>
-        <p:cNvGrpSpPr/>
-        <p:nvPr/>
-      </p:nvGrpSpPr>
-      <p:grpSpPr>
-        <a:xfrm>
-          <a:off x="0" y="0"/>
-          <a:ext cx="0" cy="0"/>
-          <a:chOff x="0" y="0"/>
-          <a:chExt cx="0" cy="0"/>
-        </a:xfrm>
-      </p:grpSpPr>
-      <p:sp>
-        <p:nvSpPr>
-          <p:cNvPr id="2" name="Titel 1">
-            <a:extLst>
-              <a:ext uri="{FF2B5EF4-FFF2-40B4-BE49-F238E27FC236}">
-                <a16:creationId xmlns:a16="http://schemas.microsoft.com/office/drawing/2014/main" id="{66EECF1F-3A3A-48A9-AF99-34EA2FE500E0}"/>
-              </a:ext>
-            </a:extLst>
-          </p:cNvPr>
-          <p:cNvSpPr>
-            <a:spLocks noGrp="1"/>
-          </p:cNvSpPr>
-          <p:nvPr>
-            <p:ph type="title"/>
-          </p:nvPr>
-        </p:nvSpPr>
-        <p:spPr/>
-        <p:txBody>
-          <a:bodyPr/>
-          <a:lstStyle/>
-          <a:p>
-            <a:r>
-              <a:rPr lang="nl-NL" dirty="0" err="1"/>
-              <a:t>What</a:t>
-            </a:r>
-            <a:r>
-              <a:rPr lang="nl-NL" dirty="0"/>
-              <a:t> is SPARQL ?</a:t>
-            </a:r>
-          </a:p>
-        </p:txBody>
-      </p:sp>
-      <p:sp>
-        <p:nvSpPr>
-          <p:cNvPr id="31" name="Tijdelijke aanduiding voor inhoud 6">
-            <a:extLst>
-              <a:ext uri="{FF2B5EF4-FFF2-40B4-BE49-F238E27FC236}">
-                <a16:creationId xmlns:a16="http://schemas.microsoft.com/office/drawing/2014/main" id="{38A2A9EE-75E8-49F9-EBD2-15C6298FC791}"/>
-              </a:ext>
-            </a:extLst>
-          </p:cNvPr>
-          <p:cNvSpPr txBox="1">
-            <a:spLocks/>
-          </p:cNvSpPr>
-          <p:nvPr/>
-        </p:nvSpPr>
-        <p:spPr>
-          <a:xfrm>
-            <a:off x="1481492" y="1294394"/>
-            <a:ext cx="9598025" cy="5010150"/>
-          </a:xfrm>
-          <a:prstGeom prst="rect">
-            <a:avLst/>
-          </a:prstGeom>
-        </p:spPr>
-        <p:txBody>
-          <a:bodyPr vert="horz" lIns="91440" tIns="45720" rIns="91440" bIns="45720" rtlCol="0" anchor="ctr">
-            <a:normAutofit/>
-          </a:bodyPr>
-          <a:lstStyle>
-            <a:lvl1pPr marL="344488" indent="-344488" algn="l" defTabSz="914400" rtl="0" eaLnBrk="1" latinLnBrk="0" hangingPunct="1">
-              <a:lnSpc>
-                <a:spcPct val="120000"/>
-              </a:lnSpc>
-              <a:spcBef>
-                <a:spcPts val="1000"/>
-              </a:spcBef>
-              <a:spcAft>
-                <a:spcPts val="600"/>
-              </a:spcAft>
-              <a:buClr>
-                <a:schemeClr val="accent6"/>
-              </a:buClr>
-              <a:buSzPct val="90000"/>
-              <a:buFont typeface="Wingdings" panose="05000000000000000000" pitchFamily="2" charset="2"/>
-              <a:buChar char="§"/>
-              <a:defRPr lang="en-US" sz="2000" b="0" kern="1200">
-                <a:solidFill>
-                  <a:schemeClr val="tx1"/>
-                </a:solidFill>
-                <a:effectLst/>
-                <a:latin typeface="+mn-lt"/>
-                <a:ea typeface="+mn-ea"/>
-                <a:cs typeface="+mn-cs"/>
-              </a:defRPr>
-            </a:lvl1pPr>
-            <a:lvl2pPr marL="795338" indent="-338138" algn="l" defTabSz="914400" rtl="0" eaLnBrk="1" latinLnBrk="0" hangingPunct="1">
-              <a:lnSpc>
-                <a:spcPct val="120000"/>
-              </a:lnSpc>
-              <a:spcBef>
-                <a:spcPts val="500"/>
-              </a:spcBef>
-              <a:spcAft>
-                <a:spcPts val="600"/>
-              </a:spcAft>
-              <a:buClr>
-                <a:schemeClr val="accent6"/>
-              </a:buClr>
-              <a:buSzPct val="90000"/>
-              <a:buFont typeface="Wingdings" panose="05000000000000000000" pitchFamily="2" charset="2"/>
-              <a:buChar char="§"/>
-              <a:defRPr lang="en-US" sz="1800" b="0" kern="1200">
-                <a:solidFill>
-                  <a:schemeClr val="tx1"/>
-                </a:solidFill>
-                <a:effectLst/>
-                <a:latin typeface="+mn-lt"/>
-                <a:ea typeface="+mn-ea"/>
-                <a:cs typeface="+mn-cs"/>
-              </a:defRPr>
-            </a:lvl2pPr>
-            <a:lvl3pPr marL="1258888" indent="-344488" algn="l" defTabSz="914400" rtl="0" eaLnBrk="1" latinLnBrk="0" hangingPunct="1">
-              <a:lnSpc>
-                <a:spcPct val="120000"/>
-              </a:lnSpc>
-              <a:spcBef>
-                <a:spcPts val="500"/>
-              </a:spcBef>
-              <a:spcAft>
-                <a:spcPts val="600"/>
-              </a:spcAft>
-              <a:buClr>
-                <a:schemeClr val="accent6"/>
-              </a:buClr>
-              <a:buSzPct val="90000"/>
-              <a:buFont typeface="Wingdings" panose="05000000000000000000" pitchFamily="2" charset="2"/>
-              <a:buChar char="§"/>
-              <a:defRPr lang="en-US" sz="1600" b="0" kern="1200">
-                <a:solidFill>
-                  <a:schemeClr val="tx1"/>
-                </a:solidFill>
-                <a:effectLst/>
-                <a:latin typeface="+mn-lt"/>
-                <a:ea typeface="+mn-ea"/>
-                <a:cs typeface="+mn-cs"/>
-              </a:defRPr>
-            </a:lvl3pPr>
-            <a:lvl4pPr marL="1709738" indent="-338138" algn="l" defTabSz="914400" rtl="0" eaLnBrk="1" latinLnBrk="0" hangingPunct="1">
-              <a:lnSpc>
-                <a:spcPct val="120000"/>
-              </a:lnSpc>
-              <a:spcBef>
-                <a:spcPts val="500"/>
-              </a:spcBef>
-              <a:spcAft>
-                <a:spcPts val="600"/>
-              </a:spcAft>
-              <a:buClr>
-                <a:schemeClr val="accent6"/>
-              </a:buClr>
-              <a:buSzPct val="90000"/>
-              <a:buFont typeface="Wingdings" panose="05000000000000000000" pitchFamily="2" charset="2"/>
-              <a:buChar char="§"/>
-              <a:defRPr lang="en-US" sz="1400" b="0" kern="1200">
-                <a:solidFill>
-                  <a:schemeClr val="tx1"/>
-                </a:solidFill>
-                <a:effectLst/>
-                <a:latin typeface="+mn-lt"/>
-                <a:ea typeface="+mn-ea"/>
-                <a:cs typeface="+mn-cs"/>
-              </a:defRPr>
-            </a:lvl4pPr>
-            <a:lvl5pPr marL="2173288" indent="-344488" algn="l" defTabSz="914400" rtl="0" eaLnBrk="1" latinLnBrk="0" hangingPunct="1">
-              <a:lnSpc>
-                <a:spcPct val="120000"/>
-              </a:lnSpc>
-              <a:spcBef>
-                <a:spcPts val="500"/>
-              </a:spcBef>
-              <a:spcAft>
-                <a:spcPts val="600"/>
-              </a:spcAft>
-              <a:buClr>
-                <a:schemeClr val="accent6"/>
-              </a:buClr>
-              <a:buSzPct val="90000"/>
-              <a:buFont typeface="Wingdings" panose="05000000000000000000" pitchFamily="2" charset="2"/>
-              <a:buChar char="§"/>
-              <a:defRPr lang="en-GB" sz="1200" b="0" kern="1200">
-                <a:solidFill>
-                  <a:schemeClr val="tx1"/>
-                </a:solidFill>
-                <a:effectLst/>
-                <a:latin typeface="+mn-lt"/>
-                <a:ea typeface="+mn-ea"/>
-                <a:cs typeface="+mn-cs"/>
-              </a:defRPr>
-            </a:lvl5pPr>
-            <a:lvl6pPr marL="2642616" indent="-338328" algn="l" defTabSz="914400" rtl="0" eaLnBrk="1" latinLnBrk="0" hangingPunct="1">
-              <a:lnSpc>
-                <a:spcPct val="120000"/>
-              </a:lnSpc>
-              <a:spcBef>
-                <a:spcPts val="500"/>
-              </a:spcBef>
-              <a:spcAft>
-                <a:spcPts val="600"/>
-              </a:spcAft>
-              <a:buClr>
-                <a:schemeClr val="accent6"/>
-              </a:buClr>
-              <a:buSzPct val="90000"/>
-              <a:buFont typeface="Wingdings" panose="05000000000000000000" pitchFamily="2" charset="2"/>
-              <a:buChar char="§"/>
-              <a:defRPr sz="1200" kern="1200" baseline="0">
-                <a:solidFill>
-                  <a:schemeClr val="tx1"/>
-                </a:solidFill>
-                <a:effectLst/>
-                <a:latin typeface="+mn-lt"/>
-                <a:ea typeface="+mn-ea"/>
-                <a:cs typeface="+mn-cs"/>
-              </a:defRPr>
-            </a:lvl6pPr>
-            <a:lvl7pPr marL="3108960" indent="-338328" algn="l" defTabSz="914400" rtl="0" eaLnBrk="1" latinLnBrk="0" hangingPunct="1">
-              <a:lnSpc>
-                <a:spcPct val="120000"/>
-              </a:lnSpc>
-              <a:spcBef>
-                <a:spcPts val="500"/>
-              </a:spcBef>
-              <a:spcAft>
-                <a:spcPts val="600"/>
-              </a:spcAft>
-              <a:buClr>
-                <a:schemeClr val="accent6"/>
-              </a:buClr>
-              <a:buSzPct val="90000"/>
-              <a:buFont typeface="Wingdings" panose="05000000000000000000" pitchFamily="2" charset="2"/>
-              <a:buChar char="§"/>
-              <a:defRPr sz="1200" kern="1200" baseline="0">
-                <a:solidFill>
-                  <a:schemeClr val="tx1"/>
-                </a:solidFill>
-                <a:effectLst/>
-                <a:latin typeface="+mn-lt"/>
-                <a:ea typeface="+mn-ea"/>
-                <a:cs typeface="+mn-cs"/>
-              </a:defRPr>
-            </a:lvl7pPr>
-            <a:lvl8pPr marL="3575304" indent="-338328" algn="l" defTabSz="914400" rtl="0" eaLnBrk="1" latinLnBrk="0" hangingPunct="1">
-              <a:lnSpc>
-                <a:spcPct val="120000"/>
-              </a:lnSpc>
-              <a:spcBef>
-                <a:spcPts val="500"/>
-              </a:spcBef>
-              <a:spcAft>
-                <a:spcPts val="600"/>
-              </a:spcAft>
-              <a:buClr>
-                <a:schemeClr val="accent6"/>
-              </a:buClr>
-              <a:buSzPct val="90000"/>
-              <a:buFont typeface="Wingdings" panose="05000000000000000000" pitchFamily="2" charset="2"/>
-              <a:buChar char="§"/>
-              <a:defRPr sz="1200" kern="1200" baseline="0">
-                <a:solidFill>
-                  <a:schemeClr val="tx1"/>
-                </a:solidFill>
-                <a:effectLst/>
-                <a:latin typeface="+mn-lt"/>
-                <a:ea typeface="+mn-ea"/>
-                <a:cs typeface="+mn-cs"/>
-              </a:defRPr>
-            </a:lvl8pPr>
-            <a:lvl9pPr marL="4041648" indent="-338328" algn="l" defTabSz="914400" rtl="0" eaLnBrk="1" latinLnBrk="0" hangingPunct="1">
-              <a:lnSpc>
-                <a:spcPct val="120000"/>
-              </a:lnSpc>
-              <a:spcBef>
-                <a:spcPts val="500"/>
-              </a:spcBef>
-              <a:spcAft>
-                <a:spcPts val="600"/>
-              </a:spcAft>
-              <a:buClr>
-                <a:schemeClr val="accent6"/>
-              </a:buClr>
-              <a:buSzPct val="90000"/>
-              <a:buFont typeface="Wingdings" panose="05000000000000000000" pitchFamily="2" charset="2"/>
-              <a:buChar char="§"/>
-              <a:defRPr sz="1200" kern="1200" baseline="0">
-                <a:solidFill>
-                  <a:schemeClr val="tx1"/>
-                </a:solidFill>
-                <a:effectLst/>
-                <a:latin typeface="+mn-lt"/>
-                <a:ea typeface="+mn-ea"/>
-                <a:cs typeface="+mn-cs"/>
-              </a:defRPr>
-            </a:lvl9pPr>
-          </a:lstStyle>
-          <a:p>
-            <a:pPr marL="0" indent="0">
-              <a:buFont typeface="Wingdings" panose="05000000000000000000" pitchFamily="2" charset="2"/>
-              <a:buNone/>
-            </a:pPr>
-            <a:endParaRPr lang="nl-NL" dirty="0"/>
-          </a:p>
-        </p:txBody>
-      </p:sp>
-      <p:sp>
-        <p:nvSpPr>
-          <p:cNvPr id="4" name="Tekstvak 3">
-            <a:extLst>
-              <a:ext uri="{FF2B5EF4-FFF2-40B4-BE49-F238E27FC236}">
-                <a16:creationId xmlns:a16="http://schemas.microsoft.com/office/drawing/2014/main" id="{0D450E02-4A61-8A4F-DFCB-076C0CA610BB}"/>
-              </a:ext>
-            </a:extLst>
-          </p:cNvPr>
-          <p:cNvSpPr txBox="1"/>
-          <p:nvPr/>
-        </p:nvSpPr>
-        <p:spPr>
-          <a:xfrm>
-            <a:off x="914978" y="992094"/>
-            <a:ext cx="10164539" cy="6740307"/>
-          </a:xfrm>
-          <a:prstGeom prst="rect">
-            <a:avLst/>
-          </a:prstGeom>
-          <a:noFill/>
-        </p:spPr>
-        <p:txBody>
-          <a:bodyPr wrap="square" rtlCol="0">
-            <a:spAutoFit/>
-          </a:bodyPr>
-          <a:lstStyle/>
-          <a:p>
-            <a:pPr algn="l"/>
-            <a:br>
-              <a:rPr lang="nl-NL" sz="2000" b="0" i="0" dirty="0">
-                <a:solidFill>
-                  <a:srgbClr val="0D0D0D"/>
-                </a:solidFill>
-                <a:effectLst/>
-                <a:latin typeface="Söhne"/>
-              </a:rPr>
-            </a:br>
-            <a:r>
-              <a:rPr lang="en-US" sz="1400" b="0" i="0" dirty="0">
-                <a:solidFill>
-                  <a:srgbClr val="0D0D0D"/>
-                </a:solidFill>
-                <a:effectLst/>
-                <a:latin typeface="Söhne"/>
-              </a:rPr>
-              <a:t>Let's say we have an RDF dataset containing information about various pets, including cats. Let's assume the dataset contains triples that include the names, ages, and types of pets for different animals. Here is an example of such an RDF triple:</a:t>
-            </a:r>
-          </a:p>
-          <a:p>
-            <a:pPr algn="l"/>
-            <a:endParaRPr lang="nl-NL" sz="1600" b="0" i="0" dirty="0">
-              <a:solidFill>
-                <a:srgbClr val="FF0000"/>
-              </a:solidFill>
-              <a:effectLst/>
-              <a:latin typeface="Söhne"/>
-            </a:endParaRPr>
-          </a:p>
-          <a:p>
-            <a:pPr algn="l"/>
-            <a:r>
-              <a:rPr lang="en-US" sz="1200" b="0" i="0" dirty="0">
-                <a:solidFill>
-                  <a:srgbClr val="FF0000"/>
-                </a:solidFill>
-                <a:effectLst/>
-                <a:latin typeface="Söhne"/>
-              </a:rPr>
-              <a:t>&lt;http://example.org/whiskers&gt; &lt;http://example.org/hasName&gt; "Whiskers" .</a:t>
-            </a:r>
-          </a:p>
-          <a:p>
-            <a:pPr algn="l"/>
-            <a:r>
-              <a:rPr lang="en-US" sz="1200" b="0" i="0" dirty="0">
-                <a:solidFill>
-                  <a:srgbClr val="FF0000"/>
-                </a:solidFill>
-                <a:effectLst/>
-                <a:latin typeface="Söhne"/>
-              </a:rPr>
-              <a:t>&lt;http://example.org/whiskers&gt; &lt;http://example.org/hasAge&gt; "5"^^&lt;http://www.w3.org/2001/XMLSchema#integer&gt; .</a:t>
-            </a:r>
-          </a:p>
-          <a:p>
-            <a:pPr algn="l"/>
-            <a:r>
-              <a:rPr lang="en-US" sz="1200" b="0" i="0" dirty="0">
-                <a:solidFill>
-                  <a:srgbClr val="FF0000"/>
-                </a:solidFill>
-                <a:effectLst/>
-                <a:latin typeface="Söhne"/>
-              </a:rPr>
-              <a:t>&lt;http://example.org/whiskers&gt; &lt;http://example.org/isPetOfType&gt; "cat" .</a:t>
-            </a:r>
-          </a:p>
-          <a:p>
-            <a:pPr algn="l"/>
-            <a:endParaRPr lang="en-US" sz="1600" dirty="0">
-              <a:solidFill>
-                <a:srgbClr val="0D0D0D"/>
-              </a:solidFill>
-              <a:latin typeface="Söhne"/>
-            </a:endParaRPr>
-          </a:p>
-          <a:p>
-            <a:pPr algn="l"/>
-            <a:r>
-              <a:rPr lang="en-US" sz="1400" b="0" i="0" dirty="0">
-                <a:solidFill>
-                  <a:srgbClr val="0D0D0D"/>
-                </a:solidFill>
-                <a:effectLst/>
-                <a:latin typeface="Söhne"/>
-              </a:rPr>
-              <a:t>Now, let's write a SPARQL query to retrieve the names of all the cats in the dataset.</a:t>
-            </a:r>
-            <a:br>
-              <a:rPr lang="en-US" sz="1400" b="0" i="0" dirty="0">
-                <a:solidFill>
-                  <a:srgbClr val="0D0D0D"/>
-                </a:solidFill>
-                <a:effectLst/>
-                <a:latin typeface="Söhne"/>
-              </a:rPr>
-            </a:br>
-            <a:r>
-              <a:rPr lang="en-US" sz="1600" dirty="0">
-                <a:solidFill>
-                  <a:srgbClr val="0D0D0D"/>
-                </a:solidFill>
-                <a:latin typeface="Söhne"/>
-              </a:rPr>
-              <a:t>----------------------------------------------------------------------------------------------</a:t>
-            </a:r>
-          </a:p>
-          <a:p>
-            <a:pPr algn="l"/>
-            <a:r>
-              <a:rPr lang="en-US" sz="1400" b="0" i="0" dirty="0">
-                <a:solidFill>
-                  <a:srgbClr val="FF0000"/>
-                </a:solidFill>
-                <a:effectLst/>
-                <a:latin typeface="Söhne"/>
-              </a:rPr>
-              <a:t>PREFIX ex: &lt;http://example.org/&gt;</a:t>
-            </a:r>
-          </a:p>
-          <a:p>
-            <a:pPr algn="l"/>
-            <a:endParaRPr lang="en-US" sz="1400" b="0" i="0" dirty="0">
-              <a:solidFill>
-                <a:srgbClr val="FF0000"/>
-              </a:solidFill>
-              <a:effectLst/>
-              <a:latin typeface="Söhne"/>
-            </a:endParaRPr>
-          </a:p>
-          <a:p>
-            <a:pPr algn="l"/>
-            <a:r>
-              <a:rPr lang="en-US" sz="1400" b="0" i="0" dirty="0">
-                <a:solidFill>
-                  <a:srgbClr val="FF0000"/>
-                </a:solidFill>
-                <a:effectLst/>
-                <a:latin typeface="Söhne"/>
-              </a:rPr>
-              <a:t>SELECT ?name</a:t>
-            </a:r>
-          </a:p>
-          <a:p>
-            <a:pPr algn="l"/>
-            <a:r>
-              <a:rPr lang="en-US" sz="1400" b="0" i="0" dirty="0">
-                <a:solidFill>
-                  <a:srgbClr val="FF0000"/>
-                </a:solidFill>
-                <a:effectLst/>
-                <a:latin typeface="Söhne"/>
-              </a:rPr>
-              <a:t>WHERE {</a:t>
-            </a:r>
-          </a:p>
-          <a:p>
-            <a:pPr algn="l"/>
-            <a:r>
-              <a:rPr lang="en-US" sz="1400" b="0" i="0" dirty="0">
-                <a:solidFill>
-                  <a:srgbClr val="FF0000"/>
-                </a:solidFill>
-                <a:effectLst/>
-                <a:latin typeface="Söhne"/>
-              </a:rPr>
-              <a:t>  ?cat </a:t>
-            </a:r>
-            <a:r>
-              <a:rPr lang="en-US" sz="1400" b="0" i="0" dirty="0" err="1">
-                <a:solidFill>
-                  <a:srgbClr val="FF0000"/>
-                </a:solidFill>
-                <a:effectLst/>
-                <a:latin typeface="Söhne"/>
-              </a:rPr>
-              <a:t>ex:hasName</a:t>
-            </a:r>
-            <a:r>
-              <a:rPr lang="en-US" sz="1400" b="0" i="0" dirty="0">
-                <a:solidFill>
-                  <a:srgbClr val="FF0000"/>
-                </a:solidFill>
-                <a:effectLst/>
-                <a:latin typeface="Söhne"/>
-              </a:rPr>
-              <a:t> ?name .</a:t>
-            </a:r>
-          </a:p>
-          <a:p>
-            <a:pPr algn="l"/>
-            <a:r>
-              <a:rPr lang="en-US" sz="1400" b="0" i="0" dirty="0">
-                <a:solidFill>
-                  <a:srgbClr val="FF0000"/>
-                </a:solidFill>
-                <a:effectLst/>
-                <a:latin typeface="Söhne"/>
-              </a:rPr>
-              <a:t>  ?cat </a:t>
-            </a:r>
-            <a:r>
-              <a:rPr lang="en-US" sz="1400" b="0" i="0" dirty="0" err="1">
-                <a:solidFill>
-                  <a:srgbClr val="FF0000"/>
-                </a:solidFill>
-                <a:effectLst/>
-                <a:latin typeface="Söhne"/>
-              </a:rPr>
-              <a:t>ex:isPetOfType</a:t>
-            </a:r>
-            <a:r>
-              <a:rPr lang="en-US" sz="1400" b="0" i="0" dirty="0">
-                <a:solidFill>
-                  <a:srgbClr val="FF0000"/>
-                </a:solidFill>
-                <a:effectLst/>
-                <a:latin typeface="Söhne"/>
-              </a:rPr>
-              <a:t> "cat" .</a:t>
-            </a:r>
-          </a:p>
-          <a:p>
-            <a:pPr algn="l"/>
-            <a:r>
-              <a:rPr lang="en-US" sz="1400" b="0" i="0" dirty="0">
-                <a:solidFill>
-                  <a:srgbClr val="FF0000"/>
-                </a:solidFill>
-                <a:effectLst/>
-                <a:latin typeface="Söhne"/>
-              </a:rPr>
-              <a:t>}</a:t>
-            </a:r>
-          </a:p>
-          <a:p>
-            <a:pPr algn="l"/>
-            <a:r>
-              <a:rPr lang="en-US" sz="1600" dirty="0">
-                <a:solidFill>
-                  <a:srgbClr val="0D0D0D"/>
-                </a:solidFill>
-                <a:latin typeface="Söhne"/>
-              </a:rPr>
-              <a:t>----------------------------------------------------------------------</a:t>
-            </a:r>
-          </a:p>
-          <a:p>
-            <a:pPr algn="l"/>
-            <a:r>
-              <a:rPr lang="en-US" sz="1400" b="0" i="0" dirty="0">
-                <a:solidFill>
-                  <a:srgbClr val="0D0D0D"/>
-                </a:solidFill>
-                <a:effectLst/>
-                <a:latin typeface="Söhne"/>
-              </a:rPr>
-              <a:t>This SPARQL query looks for triples where the object is "cat" and then retrieves the names of the cats. The PREFIX statement is used to create an abbreviation for the URI prefix "</a:t>
-            </a:r>
-            <a:r>
-              <a:rPr lang="en-US" sz="1400" b="0" i="0" u="none" strike="noStrike" dirty="0">
-                <a:effectLst/>
-                <a:latin typeface="Söhne"/>
-                <a:hlinkClick r:id="rId3"/>
-              </a:rPr>
-              <a:t>http://example.org/</a:t>
-            </a:r>
-            <a:r>
-              <a:rPr lang="en-US" sz="1400" b="0" i="0" dirty="0">
-                <a:solidFill>
-                  <a:srgbClr val="0D0D0D"/>
-                </a:solidFill>
-                <a:effectLst/>
-                <a:latin typeface="Söhne"/>
-              </a:rPr>
-              <a:t>", making it easier to reference the properties in the query. When we execute this query on the RDF dataset, we will get the names of all the cats included in the dataset.</a:t>
-            </a:r>
-            <a:endParaRPr lang="en-US" sz="1600" b="0" i="0" dirty="0">
-              <a:solidFill>
-                <a:srgbClr val="0D0D0D"/>
-              </a:solidFill>
-              <a:effectLst/>
-              <a:latin typeface="Söhne"/>
-            </a:endParaRPr>
-          </a:p>
-          <a:p>
-            <a:pPr algn="l"/>
-            <a:endParaRPr lang="en-US" sz="1600" b="0" i="0" dirty="0">
-              <a:solidFill>
-                <a:srgbClr val="0D0D0D"/>
-              </a:solidFill>
-              <a:effectLst/>
-              <a:latin typeface="Söhne"/>
-            </a:endParaRPr>
-          </a:p>
-          <a:p>
-            <a:pPr algn="l"/>
-            <a:endParaRPr lang="nl-NL" sz="1600" b="0" i="0" dirty="0">
-              <a:solidFill>
-                <a:srgbClr val="0D0D0D"/>
-              </a:solidFill>
-              <a:effectLst/>
-              <a:latin typeface="Söhne"/>
-            </a:endParaRPr>
-          </a:p>
-          <a:p>
-            <a:pPr algn="l"/>
-            <a:endParaRPr lang="en-US" sz="2000" dirty="0">
-              <a:latin typeface="Calibri" panose="020F0502020204030204" pitchFamily="34" charset="0"/>
-              <a:ea typeface="Calibri" panose="020F0502020204030204" pitchFamily="34" charset="0"/>
-              <a:cs typeface="Times New Roman" panose="02020603050405020304" pitchFamily="18" charset="0"/>
-            </a:endParaRPr>
-          </a:p>
-          <a:p>
-            <a:pPr marL="342900" indent="-342900">
-              <a:buFont typeface="Arial" panose="020B0604020202020204" pitchFamily="34" charset="0"/>
-              <a:buChar char="•"/>
-            </a:pPr>
-            <a:endParaRPr lang="en-US" sz="2000" dirty="0">
-              <a:effectLst/>
-              <a:latin typeface="Calibri" panose="020F0502020204030204" pitchFamily="34" charset="0"/>
-              <a:ea typeface="Calibri" panose="020F0502020204030204" pitchFamily="34" charset="0"/>
-              <a:cs typeface="Times New Roman" panose="02020603050405020304" pitchFamily="18" charset="0"/>
-            </a:endParaRPr>
-          </a:p>
-          <a:p>
-            <a:endParaRPr lang="en-US" sz="2000" i="1" dirty="0">
-              <a:latin typeface="Calibri" panose="020F0502020204030204" pitchFamily="34" charset="0"/>
-              <a:ea typeface="Calibri" panose="020F0502020204030204" pitchFamily="34" charset="0"/>
-              <a:cs typeface="Times New Roman" panose="02020603050405020304" pitchFamily="18" charset="0"/>
-            </a:endParaRPr>
-          </a:p>
-          <a:p>
-            <a:endParaRPr lang="en-US" sz="2000" i="1" dirty="0">
-              <a:effectLst/>
-              <a:latin typeface="Calibri" panose="020F0502020204030204" pitchFamily="34" charset="0"/>
-              <a:ea typeface="Calibri" panose="020F0502020204030204" pitchFamily="34" charset="0"/>
-              <a:cs typeface="Times New Roman" panose="02020603050405020304" pitchFamily="18" charset="0"/>
-            </a:endParaRPr>
-          </a:p>
-          <a:p>
-            <a:endParaRPr lang="nl-NL" dirty="0"/>
-          </a:p>
-        </p:txBody>
-      </p:sp>
-      <p:sp>
-        <p:nvSpPr>
-          <p:cNvPr id="3" name="Tijdelijke aanduiding voor inhoud 6">
-            <a:extLst>
-              <a:ext uri="{FF2B5EF4-FFF2-40B4-BE49-F238E27FC236}">
-                <a16:creationId xmlns:a16="http://schemas.microsoft.com/office/drawing/2014/main" id="{6D4D8CBC-C048-05BA-A92A-FF4531F28891}"/>
-              </a:ext>
-            </a:extLst>
-          </p:cNvPr>
-          <p:cNvSpPr txBox="1">
-            <a:spLocks/>
-          </p:cNvSpPr>
-          <p:nvPr/>
-        </p:nvSpPr>
-        <p:spPr>
-          <a:xfrm>
-            <a:off x="10084378" y="5595730"/>
-            <a:ext cx="1182175" cy="1262270"/>
-          </a:xfrm>
-          <a:prstGeom prst="rect">
-            <a:avLst/>
-          </a:prstGeom>
-        </p:spPr>
-        <p:txBody>
-          <a:bodyPr vert="horz" lIns="91440" tIns="45720" rIns="91440" bIns="45720" rtlCol="0" anchor="ctr">
-            <a:normAutofit/>
-          </a:bodyPr>
-          <a:lstStyle>
-            <a:lvl1pPr marL="344488" indent="-344488" algn="l" defTabSz="914400" rtl="0" eaLnBrk="1" latinLnBrk="0" hangingPunct="1">
-              <a:lnSpc>
-                <a:spcPct val="120000"/>
-              </a:lnSpc>
-              <a:spcBef>
-                <a:spcPts val="1000"/>
-              </a:spcBef>
-              <a:spcAft>
-                <a:spcPts val="600"/>
-              </a:spcAft>
-              <a:buClr>
-                <a:schemeClr val="accent6"/>
-              </a:buClr>
-              <a:buSzPct val="90000"/>
-              <a:buFont typeface="Wingdings" panose="05000000000000000000" pitchFamily="2" charset="2"/>
-              <a:buChar char="§"/>
-              <a:defRPr sz="2000" kern="1200">
-                <a:solidFill>
-                  <a:schemeClr val="tx1"/>
-                </a:solidFill>
-                <a:effectLst/>
-                <a:latin typeface="+mn-lt"/>
-                <a:ea typeface="+mn-ea"/>
-                <a:cs typeface="+mn-cs"/>
-              </a:defRPr>
-            </a:lvl1pPr>
-            <a:lvl2pPr marL="795338" indent="-338138" algn="l" defTabSz="914400" rtl="0" eaLnBrk="1" latinLnBrk="0" hangingPunct="1">
-              <a:lnSpc>
-                <a:spcPct val="120000"/>
-              </a:lnSpc>
-              <a:spcBef>
-                <a:spcPts val="500"/>
-              </a:spcBef>
-              <a:spcAft>
-                <a:spcPts val="600"/>
-              </a:spcAft>
-              <a:buClr>
-                <a:schemeClr val="accent6"/>
-              </a:buClr>
-              <a:buSzPct val="90000"/>
-              <a:buFont typeface="Wingdings" panose="05000000000000000000" pitchFamily="2" charset="2"/>
-              <a:buChar char="§"/>
-              <a:defRPr sz="1800" kern="1200">
-                <a:solidFill>
-                  <a:schemeClr val="tx1"/>
-                </a:solidFill>
-                <a:effectLst/>
-                <a:latin typeface="+mn-lt"/>
-                <a:ea typeface="+mn-ea"/>
-                <a:cs typeface="+mn-cs"/>
-              </a:defRPr>
-            </a:lvl2pPr>
-            <a:lvl3pPr marL="1258888" indent="-344488" algn="l" defTabSz="914400" rtl="0" eaLnBrk="1" latinLnBrk="0" hangingPunct="1">
-              <a:lnSpc>
-                <a:spcPct val="120000"/>
-              </a:lnSpc>
-              <a:spcBef>
-                <a:spcPts val="500"/>
-              </a:spcBef>
-              <a:spcAft>
-                <a:spcPts val="600"/>
-              </a:spcAft>
-              <a:buClr>
-                <a:schemeClr val="accent6"/>
-              </a:buClr>
-              <a:buSzPct val="90000"/>
-              <a:buFont typeface="Wingdings" panose="05000000000000000000" pitchFamily="2" charset="2"/>
-              <a:buChar char="§"/>
-              <a:defRPr sz="1600" kern="1200">
-                <a:solidFill>
-                  <a:schemeClr val="tx1"/>
-                </a:solidFill>
-                <a:effectLst/>
-                <a:latin typeface="+mn-lt"/>
-                <a:ea typeface="+mn-ea"/>
-                <a:cs typeface="+mn-cs"/>
-              </a:defRPr>
-            </a:lvl3pPr>
-            <a:lvl4pPr marL="1709738" indent="-338138" algn="l" defTabSz="914400" rtl="0" eaLnBrk="1" latinLnBrk="0" hangingPunct="1">
-              <a:lnSpc>
-                <a:spcPct val="120000"/>
-              </a:lnSpc>
-              <a:spcBef>
-                <a:spcPts val="500"/>
-              </a:spcBef>
-              <a:spcAft>
-                <a:spcPts val="600"/>
-              </a:spcAft>
-              <a:buClr>
-                <a:schemeClr val="accent6"/>
-              </a:buClr>
-              <a:buSzPct val="90000"/>
-              <a:buFont typeface="Wingdings" panose="05000000000000000000" pitchFamily="2" charset="2"/>
-              <a:buChar char="§"/>
-              <a:defRPr sz="1400" kern="1200">
-                <a:solidFill>
-                  <a:schemeClr val="tx1"/>
-                </a:solidFill>
-                <a:effectLst/>
-                <a:latin typeface="+mn-lt"/>
-                <a:ea typeface="+mn-ea"/>
-                <a:cs typeface="+mn-cs"/>
-              </a:defRPr>
-            </a:lvl4pPr>
-            <a:lvl5pPr marL="2173288" indent="-344488" algn="l" defTabSz="914400" rtl="0" eaLnBrk="1" latinLnBrk="0" hangingPunct="1">
-              <a:lnSpc>
-                <a:spcPct val="120000"/>
-              </a:lnSpc>
-              <a:spcBef>
-                <a:spcPts val="500"/>
-              </a:spcBef>
-              <a:spcAft>
-                <a:spcPts val="600"/>
-              </a:spcAft>
-              <a:buClr>
-                <a:schemeClr val="accent6"/>
-              </a:buClr>
-              <a:buSzPct val="90000"/>
-              <a:buFont typeface="Wingdings" panose="05000000000000000000" pitchFamily="2" charset="2"/>
-              <a:buChar char="§"/>
-              <a:defRPr sz="1200" kern="1200">
-                <a:solidFill>
-                  <a:schemeClr val="tx1"/>
-                </a:solidFill>
-                <a:effectLst/>
-                <a:latin typeface="+mn-lt"/>
-                <a:ea typeface="+mn-ea"/>
-                <a:cs typeface="+mn-cs"/>
-              </a:defRPr>
-            </a:lvl5pPr>
-            <a:lvl6pPr marL="2642616" indent="-338328" algn="l" defTabSz="914400" rtl="0" eaLnBrk="1" latinLnBrk="0" hangingPunct="1">
-              <a:lnSpc>
-                <a:spcPct val="120000"/>
-              </a:lnSpc>
-              <a:spcBef>
-                <a:spcPts val="500"/>
-              </a:spcBef>
-              <a:spcAft>
-                <a:spcPts val="600"/>
-              </a:spcAft>
-              <a:buClr>
-                <a:schemeClr val="accent6"/>
-              </a:buClr>
-              <a:buSzPct val="90000"/>
-              <a:buFont typeface="Wingdings" panose="05000000000000000000" pitchFamily="2" charset="2"/>
-              <a:buChar char="§"/>
-              <a:defRPr sz="1200" kern="1200" baseline="0">
-                <a:solidFill>
-                  <a:schemeClr val="tx1"/>
-                </a:solidFill>
-                <a:effectLst/>
-                <a:latin typeface="+mn-lt"/>
-                <a:ea typeface="+mn-ea"/>
-                <a:cs typeface="+mn-cs"/>
-              </a:defRPr>
-            </a:lvl6pPr>
-            <a:lvl7pPr marL="3108960" indent="-338328" algn="l" defTabSz="914400" rtl="0" eaLnBrk="1" latinLnBrk="0" hangingPunct="1">
-              <a:lnSpc>
-                <a:spcPct val="120000"/>
-              </a:lnSpc>
-              <a:spcBef>
-                <a:spcPts val="500"/>
-              </a:spcBef>
-              <a:spcAft>
-                <a:spcPts val="600"/>
-              </a:spcAft>
-              <a:buClr>
-                <a:schemeClr val="accent6"/>
-              </a:buClr>
-              <a:buSzPct val="90000"/>
-              <a:buFont typeface="Wingdings" panose="05000000000000000000" pitchFamily="2" charset="2"/>
-              <a:buChar char="§"/>
-              <a:defRPr sz="1200" kern="1200" baseline="0">
-                <a:solidFill>
-                  <a:schemeClr val="tx1"/>
-                </a:solidFill>
-                <a:effectLst/>
-                <a:latin typeface="+mn-lt"/>
-                <a:ea typeface="+mn-ea"/>
-                <a:cs typeface="+mn-cs"/>
-              </a:defRPr>
-            </a:lvl7pPr>
-            <a:lvl8pPr marL="3575304" indent="-338328" algn="l" defTabSz="914400" rtl="0" eaLnBrk="1" latinLnBrk="0" hangingPunct="1">
-              <a:lnSpc>
-                <a:spcPct val="120000"/>
-              </a:lnSpc>
-              <a:spcBef>
-                <a:spcPts val="500"/>
-              </a:spcBef>
-              <a:spcAft>
-                <a:spcPts val="600"/>
-              </a:spcAft>
-              <a:buClr>
-                <a:schemeClr val="accent6"/>
-              </a:buClr>
-              <a:buSzPct val="90000"/>
-              <a:buFont typeface="Wingdings" panose="05000000000000000000" pitchFamily="2" charset="2"/>
-              <a:buChar char="§"/>
-              <a:defRPr sz="1200" kern="1200" baseline="0">
-                <a:solidFill>
-                  <a:schemeClr val="tx1"/>
-                </a:solidFill>
-                <a:effectLst/>
-                <a:latin typeface="+mn-lt"/>
-                <a:ea typeface="+mn-ea"/>
-                <a:cs typeface="+mn-cs"/>
-              </a:defRPr>
-            </a:lvl8pPr>
-            <a:lvl9pPr marL="4041648" indent="-338328" algn="l" defTabSz="914400" rtl="0" eaLnBrk="1" latinLnBrk="0" hangingPunct="1">
-              <a:lnSpc>
-                <a:spcPct val="120000"/>
-              </a:lnSpc>
-              <a:spcBef>
-                <a:spcPts val="500"/>
-              </a:spcBef>
-              <a:spcAft>
-                <a:spcPts val="600"/>
-              </a:spcAft>
-              <a:buClr>
-                <a:schemeClr val="accent6"/>
-              </a:buClr>
-              <a:buSzPct val="90000"/>
-              <a:buFont typeface="Wingdings" panose="05000000000000000000" pitchFamily="2" charset="2"/>
-              <a:buChar char="§"/>
-              <a:defRPr sz="1200" kern="1200" baseline="0">
-                <a:solidFill>
-                  <a:schemeClr val="tx1"/>
-                </a:solidFill>
-                <a:effectLst/>
-                <a:latin typeface="+mn-lt"/>
-                <a:ea typeface="+mn-ea"/>
-                <a:cs typeface="+mn-cs"/>
-              </a:defRPr>
-            </a:lvl9pPr>
-          </a:lstStyle>
-          <a:p>
-            <a:pPr marL="0" indent="0">
-              <a:buNone/>
-            </a:pPr>
-            <a:r>
-              <a:rPr lang="nl-NL" dirty="0" err="1">
-                <a:latin typeface="Söhne"/>
-              </a:rPr>
-              <a:t>chatgpt</a:t>
-            </a:r>
-            <a:endParaRPr lang="nl-NL" dirty="0">
-              <a:latin typeface="Söhne"/>
-            </a:endParaRPr>
-          </a:p>
-          <a:p>
-            <a:endParaRPr lang="nl-NL" dirty="0"/>
-          </a:p>
-        </p:txBody>
-      </p:sp>
-      <p:pic>
-        <p:nvPicPr>
-          <p:cNvPr id="8" name="Afbeelding 7">
-            <a:extLst>
-              <a:ext uri="{FF2B5EF4-FFF2-40B4-BE49-F238E27FC236}">
-                <a16:creationId xmlns:a16="http://schemas.microsoft.com/office/drawing/2014/main" id="{B0E8AECE-ECFB-ADA0-E2E8-F46B6C2DC738}"/>
-              </a:ext>
-            </a:extLst>
-          </p:cNvPr>
-          <p:cNvPicPr>
-            <a:picLocks noChangeAspect="1"/>
-          </p:cNvPicPr>
-          <p:nvPr/>
-        </p:nvPicPr>
-        <p:blipFill>
-          <a:blip r:embed="rId4"/>
-          <a:stretch>
-            <a:fillRect/>
-          </a:stretch>
-        </p:blipFill>
-        <p:spPr>
-          <a:xfrm>
-            <a:off x="9498520" y="2596732"/>
-            <a:ext cx="1580997" cy="2656360"/>
-          </a:xfrm>
-          <a:prstGeom prst="rect">
-            <a:avLst/>
-          </a:prstGeom>
-        </p:spPr>
-      </p:pic>
-    </p:spTree>
-    <p:extLst>
-      <p:ext uri="{BB962C8B-B14F-4D97-AF65-F5344CB8AC3E}">
-        <p14:creationId xmlns:p14="http://schemas.microsoft.com/office/powerpoint/2010/main" val="2216068714"/>
-      </p:ext>
-    </p:extLst>
-  </p:cSld>
-  <p:clrMapOvr>
-    <a:masterClrMapping/>
-  </p:clrMapOvr>
-</p:sld>
-</file>
-
-<file path=ppt/slides/slide9.xml><?xml version="1.0" encoding="utf-8"?>
-<p:sld xmlns:a="http://schemas.openxmlformats.org/drawingml/2006/main" xmlns:r="http://schemas.openxmlformats.org/officeDocument/2006/relationships" xmlns:p="http://schemas.openxmlformats.org/presentationml/2006/main">
-  <p:cSld>
-    <p:spTree>
-      <p:nvGrpSpPr>
-        <p:cNvPr id="1" name=""/>
-        <p:cNvGrpSpPr/>
-        <p:nvPr/>
-      </p:nvGrpSpPr>
-      <p:grpSpPr>
-        <a:xfrm>
-          <a:off x="0" y="0"/>
-          <a:ext cx="0" cy="0"/>
-          <a:chOff x="0" y="0"/>
-          <a:chExt cx="0" cy="0"/>
-        </a:xfrm>
-      </p:grpSpPr>
-      <p:sp>
-        <p:nvSpPr>
-          <p:cNvPr id="2" name="Titel 1">
-            <a:extLst>
-              <a:ext uri="{FF2B5EF4-FFF2-40B4-BE49-F238E27FC236}">
-                <a16:creationId xmlns:a16="http://schemas.microsoft.com/office/drawing/2014/main" id="{66EECF1F-3A3A-48A9-AF99-34EA2FE500E0}"/>
-              </a:ext>
-            </a:extLst>
-          </p:cNvPr>
-          <p:cNvSpPr>
-            <a:spLocks noGrp="1"/>
-          </p:cNvSpPr>
-          <p:nvPr>
-            <p:ph type="title"/>
-          </p:nvPr>
-        </p:nvSpPr>
-        <p:spPr/>
-        <p:txBody>
-          <a:bodyPr/>
-          <a:lstStyle/>
-          <a:p>
-            <a:r>
-              <a:rPr lang="nl-NL" dirty="0" err="1"/>
-              <a:t>What</a:t>
-            </a:r>
-            <a:r>
-              <a:rPr lang="nl-NL" dirty="0"/>
-              <a:t> is SHACL ?</a:t>
-            </a:r>
-          </a:p>
-        </p:txBody>
-      </p:sp>
-      <p:sp>
-        <p:nvSpPr>
-          <p:cNvPr id="31" name="Tijdelijke aanduiding voor inhoud 6">
-            <a:extLst>
-              <a:ext uri="{FF2B5EF4-FFF2-40B4-BE49-F238E27FC236}">
-                <a16:creationId xmlns:a16="http://schemas.microsoft.com/office/drawing/2014/main" id="{38A2A9EE-75E8-49F9-EBD2-15C6298FC791}"/>
-              </a:ext>
-            </a:extLst>
-          </p:cNvPr>
-          <p:cNvSpPr txBox="1">
-            <a:spLocks/>
-          </p:cNvSpPr>
-          <p:nvPr/>
-        </p:nvSpPr>
-        <p:spPr>
-          <a:xfrm>
-            <a:off x="1481492" y="1294394"/>
-            <a:ext cx="9598025" cy="5010150"/>
-          </a:xfrm>
-          <a:prstGeom prst="rect">
-            <a:avLst/>
-          </a:prstGeom>
-        </p:spPr>
-        <p:txBody>
-          <a:bodyPr vert="horz" lIns="91440" tIns="45720" rIns="91440" bIns="45720" rtlCol="0" anchor="ctr">
-            <a:normAutofit/>
-          </a:bodyPr>
-          <a:lstStyle>
-            <a:lvl1pPr marL="344488" indent="-344488" algn="l" defTabSz="914400" rtl="0" eaLnBrk="1" latinLnBrk="0" hangingPunct="1">
-              <a:lnSpc>
-                <a:spcPct val="120000"/>
-              </a:lnSpc>
-              <a:spcBef>
-                <a:spcPts val="1000"/>
-              </a:spcBef>
-              <a:spcAft>
-                <a:spcPts val="600"/>
-              </a:spcAft>
-              <a:buClr>
-                <a:schemeClr val="accent6"/>
-              </a:buClr>
-              <a:buSzPct val="90000"/>
-              <a:buFont typeface="Wingdings" panose="05000000000000000000" pitchFamily="2" charset="2"/>
-              <a:buChar char="§"/>
-              <a:defRPr lang="en-US" sz="2000" b="0" kern="1200">
-                <a:solidFill>
-                  <a:schemeClr val="tx1"/>
-                </a:solidFill>
-                <a:effectLst/>
-                <a:latin typeface="+mn-lt"/>
-                <a:ea typeface="+mn-ea"/>
-                <a:cs typeface="+mn-cs"/>
-              </a:defRPr>
-            </a:lvl1pPr>
-            <a:lvl2pPr marL="795338" indent="-338138" algn="l" defTabSz="914400" rtl="0" eaLnBrk="1" latinLnBrk="0" hangingPunct="1">
-              <a:lnSpc>
-                <a:spcPct val="120000"/>
-              </a:lnSpc>
-              <a:spcBef>
-                <a:spcPts val="500"/>
-              </a:spcBef>
-              <a:spcAft>
-                <a:spcPts val="600"/>
-              </a:spcAft>
-              <a:buClr>
-                <a:schemeClr val="accent6"/>
-              </a:buClr>
-              <a:buSzPct val="90000"/>
-              <a:buFont typeface="Wingdings" panose="05000000000000000000" pitchFamily="2" charset="2"/>
-              <a:buChar char="§"/>
-              <a:defRPr lang="en-US" sz="1800" b="0" kern="1200">
-                <a:solidFill>
-                  <a:schemeClr val="tx1"/>
-                </a:solidFill>
-                <a:effectLst/>
-                <a:latin typeface="+mn-lt"/>
-                <a:ea typeface="+mn-ea"/>
-                <a:cs typeface="+mn-cs"/>
-              </a:defRPr>
-            </a:lvl2pPr>
-            <a:lvl3pPr marL="1258888" indent="-344488" algn="l" defTabSz="914400" rtl="0" eaLnBrk="1" latinLnBrk="0" hangingPunct="1">
-              <a:lnSpc>
-                <a:spcPct val="120000"/>
-              </a:lnSpc>
-              <a:spcBef>
-                <a:spcPts val="500"/>
-              </a:spcBef>
-              <a:spcAft>
-                <a:spcPts val="600"/>
-              </a:spcAft>
-              <a:buClr>
-                <a:schemeClr val="accent6"/>
-              </a:buClr>
-              <a:buSzPct val="90000"/>
-              <a:buFont typeface="Wingdings" panose="05000000000000000000" pitchFamily="2" charset="2"/>
-              <a:buChar char="§"/>
-              <a:defRPr lang="en-US" sz="1600" b="0" kern="1200">
-                <a:solidFill>
-                  <a:schemeClr val="tx1"/>
-                </a:solidFill>
-                <a:effectLst/>
-                <a:latin typeface="+mn-lt"/>
-                <a:ea typeface="+mn-ea"/>
-                <a:cs typeface="+mn-cs"/>
-              </a:defRPr>
-            </a:lvl3pPr>
-            <a:lvl4pPr marL="1709738" indent="-338138" algn="l" defTabSz="914400" rtl="0" eaLnBrk="1" latinLnBrk="0" hangingPunct="1">
-              <a:lnSpc>
-                <a:spcPct val="120000"/>
-              </a:lnSpc>
-              <a:spcBef>
-                <a:spcPts val="500"/>
-              </a:spcBef>
-              <a:spcAft>
-                <a:spcPts val="600"/>
-              </a:spcAft>
-              <a:buClr>
-                <a:schemeClr val="accent6"/>
-              </a:buClr>
-              <a:buSzPct val="90000"/>
-              <a:buFont typeface="Wingdings" panose="05000000000000000000" pitchFamily="2" charset="2"/>
-              <a:buChar char="§"/>
-              <a:defRPr lang="en-US" sz="1400" b="0" kern="1200">
-                <a:solidFill>
-                  <a:schemeClr val="tx1"/>
-                </a:solidFill>
-                <a:effectLst/>
-                <a:latin typeface="+mn-lt"/>
-                <a:ea typeface="+mn-ea"/>
-                <a:cs typeface="+mn-cs"/>
-              </a:defRPr>
-            </a:lvl4pPr>
-            <a:lvl5pPr marL="2173288" indent="-344488" algn="l" defTabSz="914400" rtl="0" eaLnBrk="1" latinLnBrk="0" hangingPunct="1">
-              <a:lnSpc>
-                <a:spcPct val="120000"/>
-              </a:lnSpc>
-              <a:spcBef>
-                <a:spcPts val="500"/>
-              </a:spcBef>
-              <a:spcAft>
-                <a:spcPts val="600"/>
-              </a:spcAft>
-              <a:buClr>
-                <a:schemeClr val="accent6"/>
-              </a:buClr>
-              <a:buSzPct val="90000"/>
-              <a:buFont typeface="Wingdings" panose="05000000000000000000" pitchFamily="2" charset="2"/>
-              <a:buChar char="§"/>
-              <a:defRPr lang="en-GB" sz="1200" b="0" kern="1200">
-                <a:solidFill>
-                  <a:schemeClr val="tx1"/>
-                </a:solidFill>
-                <a:effectLst/>
-                <a:latin typeface="+mn-lt"/>
-                <a:ea typeface="+mn-ea"/>
-                <a:cs typeface="+mn-cs"/>
-              </a:defRPr>
-            </a:lvl5pPr>
-            <a:lvl6pPr marL="2642616" indent="-338328" algn="l" defTabSz="914400" rtl="0" eaLnBrk="1" latinLnBrk="0" hangingPunct="1">
-              <a:lnSpc>
-                <a:spcPct val="120000"/>
-              </a:lnSpc>
-              <a:spcBef>
-                <a:spcPts val="500"/>
-              </a:spcBef>
-              <a:spcAft>
-                <a:spcPts val="600"/>
-              </a:spcAft>
-              <a:buClr>
-                <a:schemeClr val="accent6"/>
-              </a:buClr>
-              <a:buSzPct val="90000"/>
-              <a:buFont typeface="Wingdings" panose="05000000000000000000" pitchFamily="2" charset="2"/>
-              <a:buChar char="§"/>
-              <a:defRPr sz="1200" kern="1200" baseline="0">
-                <a:solidFill>
-                  <a:schemeClr val="tx1"/>
-                </a:solidFill>
-                <a:effectLst/>
-                <a:latin typeface="+mn-lt"/>
-                <a:ea typeface="+mn-ea"/>
-                <a:cs typeface="+mn-cs"/>
-              </a:defRPr>
-            </a:lvl6pPr>
-            <a:lvl7pPr marL="3108960" indent="-338328" algn="l" defTabSz="914400" rtl="0" eaLnBrk="1" latinLnBrk="0" hangingPunct="1">
-              <a:lnSpc>
-                <a:spcPct val="120000"/>
-              </a:lnSpc>
-              <a:spcBef>
-                <a:spcPts val="500"/>
-              </a:spcBef>
-              <a:spcAft>
-                <a:spcPts val="600"/>
-              </a:spcAft>
-              <a:buClr>
-                <a:schemeClr val="accent6"/>
-              </a:buClr>
-              <a:buSzPct val="90000"/>
-              <a:buFont typeface="Wingdings" panose="05000000000000000000" pitchFamily="2" charset="2"/>
-              <a:buChar char="§"/>
-              <a:defRPr sz="1200" kern="1200" baseline="0">
-                <a:solidFill>
-                  <a:schemeClr val="tx1"/>
-                </a:solidFill>
-                <a:effectLst/>
-                <a:latin typeface="+mn-lt"/>
-                <a:ea typeface="+mn-ea"/>
-                <a:cs typeface="+mn-cs"/>
-              </a:defRPr>
-            </a:lvl7pPr>
-            <a:lvl8pPr marL="3575304" indent="-338328" algn="l" defTabSz="914400" rtl="0" eaLnBrk="1" latinLnBrk="0" hangingPunct="1">
-              <a:lnSpc>
-                <a:spcPct val="120000"/>
-              </a:lnSpc>
-              <a:spcBef>
-                <a:spcPts val="500"/>
-              </a:spcBef>
-              <a:spcAft>
-                <a:spcPts val="600"/>
-              </a:spcAft>
-              <a:buClr>
-                <a:schemeClr val="accent6"/>
-              </a:buClr>
-              <a:buSzPct val="90000"/>
-              <a:buFont typeface="Wingdings" panose="05000000000000000000" pitchFamily="2" charset="2"/>
-              <a:buChar char="§"/>
-              <a:defRPr sz="1200" kern="1200" baseline="0">
-                <a:solidFill>
-                  <a:schemeClr val="tx1"/>
-                </a:solidFill>
-                <a:effectLst/>
-                <a:latin typeface="+mn-lt"/>
-                <a:ea typeface="+mn-ea"/>
-                <a:cs typeface="+mn-cs"/>
-              </a:defRPr>
-            </a:lvl8pPr>
-            <a:lvl9pPr marL="4041648" indent="-338328" algn="l" defTabSz="914400" rtl="0" eaLnBrk="1" latinLnBrk="0" hangingPunct="1">
-              <a:lnSpc>
-                <a:spcPct val="120000"/>
-              </a:lnSpc>
-              <a:spcBef>
-                <a:spcPts val="500"/>
-              </a:spcBef>
-              <a:spcAft>
-                <a:spcPts val="600"/>
-              </a:spcAft>
-              <a:buClr>
-                <a:schemeClr val="accent6"/>
-              </a:buClr>
-              <a:buSzPct val="90000"/>
-              <a:buFont typeface="Wingdings" panose="05000000000000000000" pitchFamily="2" charset="2"/>
-              <a:buChar char="§"/>
-              <a:defRPr sz="1200" kern="1200" baseline="0">
-                <a:solidFill>
-                  <a:schemeClr val="tx1"/>
-                </a:solidFill>
-                <a:effectLst/>
-                <a:latin typeface="+mn-lt"/>
-                <a:ea typeface="+mn-ea"/>
-                <a:cs typeface="+mn-cs"/>
-              </a:defRPr>
-            </a:lvl9pPr>
-          </a:lstStyle>
-          <a:p>
-            <a:pPr marL="0" indent="0">
-              <a:buFont typeface="Wingdings" panose="05000000000000000000" pitchFamily="2" charset="2"/>
-              <a:buNone/>
-            </a:pPr>
-            <a:endParaRPr lang="nl-NL" dirty="0"/>
-          </a:p>
-        </p:txBody>
-      </p:sp>
-      <p:sp>
-        <p:nvSpPr>
-          <p:cNvPr id="4" name="Tekstvak 3">
-            <a:extLst>
-              <a:ext uri="{FF2B5EF4-FFF2-40B4-BE49-F238E27FC236}">
-                <a16:creationId xmlns:a16="http://schemas.microsoft.com/office/drawing/2014/main" id="{0D450E02-4A61-8A4F-DFCB-076C0CA610BB}"/>
-              </a:ext>
-            </a:extLst>
-          </p:cNvPr>
-          <p:cNvSpPr txBox="1"/>
-          <p:nvPr/>
-        </p:nvSpPr>
-        <p:spPr>
-          <a:xfrm>
-            <a:off x="1013730" y="1086919"/>
-            <a:ext cx="10164539" cy="3539430"/>
-          </a:xfrm>
-          <a:prstGeom prst="rect">
-            <a:avLst/>
-          </a:prstGeom>
-          <a:noFill/>
-        </p:spPr>
-        <p:txBody>
-          <a:bodyPr wrap="square" rtlCol="0">
-            <a:spAutoFit/>
-          </a:bodyPr>
-          <a:lstStyle/>
-          <a:p>
-            <a:pPr algn="l"/>
-            <a:br>
-              <a:rPr lang="nl-NL" sz="1600" b="0" i="0" dirty="0">
-                <a:solidFill>
-                  <a:srgbClr val="0D0D0D"/>
-                </a:solidFill>
-                <a:effectLst/>
-                <a:latin typeface="Söhne"/>
-              </a:rPr>
-            </a:br>
-            <a:r>
-              <a:rPr lang="en-US" sz="1600" b="0" i="0" dirty="0">
-                <a:solidFill>
-                  <a:srgbClr val="0D0D0D"/>
-                </a:solidFill>
-                <a:effectLst/>
-                <a:latin typeface="Söhne"/>
-              </a:rPr>
-              <a:t>SHACL stands for "Shapes Constraint Language" and is a W3C standard for validating RDF data against specified schemas, also known as "shapes."</a:t>
-            </a:r>
-          </a:p>
-          <a:p>
-            <a:pPr algn="l"/>
-            <a:endParaRPr lang="en-US" sz="1600" b="0" i="0" dirty="0">
-              <a:solidFill>
-                <a:srgbClr val="0D0D0D"/>
-              </a:solidFill>
-              <a:effectLst/>
-              <a:latin typeface="Söhne"/>
-            </a:endParaRPr>
-          </a:p>
-          <a:p>
-            <a:pPr algn="l"/>
-            <a:r>
-              <a:rPr lang="en-US" sz="1600" b="0" i="0" dirty="0">
-                <a:solidFill>
-                  <a:srgbClr val="0D0D0D"/>
-                </a:solidFill>
-                <a:effectLst/>
-                <a:latin typeface="Söhne"/>
-              </a:rPr>
-              <a:t>With SHACL, developers can create detailed specifications on how RDF data should be structured and what constraints apply to the values of properties. These specifications can indicate, among other things, which properties are mandatory, what values these properties can assume, how many repetitions of a property are allowed, and so on.</a:t>
-            </a:r>
-          </a:p>
-          <a:p>
-            <a:pPr algn="l"/>
-            <a:endParaRPr lang="en-US" sz="1600" b="0" i="0" dirty="0">
-              <a:solidFill>
-                <a:srgbClr val="0D0D0D"/>
-              </a:solidFill>
-              <a:effectLst/>
-              <a:latin typeface="Söhne"/>
-            </a:endParaRPr>
-          </a:p>
-          <a:p>
-            <a:pPr algn="l"/>
-            <a:r>
-              <a:rPr lang="en-US" sz="1600" b="0" i="0" dirty="0">
-                <a:solidFill>
-                  <a:srgbClr val="0D0D0D"/>
-                </a:solidFill>
-                <a:effectLst/>
-                <a:latin typeface="Söhne"/>
-              </a:rPr>
-              <a:t>SHACL schemas are themselves modeled as RDF data and can be used to improve the quality and consistency of RDF data. By validating data against SHACL shapes, developers can ensure that the published data meets the desired criteria and enables interoperability between different data sources.</a:t>
-            </a:r>
-          </a:p>
-          <a:p>
-            <a:pPr algn="l"/>
-            <a:endParaRPr lang="en-US" sz="1600" b="0" i="0" dirty="0">
-              <a:solidFill>
-                <a:srgbClr val="0D0D0D"/>
-              </a:solidFill>
-              <a:effectLst/>
-              <a:latin typeface="Söhne"/>
-            </a:endParaRPr>
-          </a:p>
-          <a:p>
-            <a:pPr algn="l"/>
-            <a:r>
-              <a:rPr lang="en-US" sz="1600" b="0" i="0" dirty="0">
-                <a:solidFill>
-                  <a:srgbClr val="0D0D0D"/>
-                </a:solidFill>
-                <a:effectLst/>
-                <a:latin typeface="Söhne"/>
-              </a:rPr>
-              <a:t>In short, SHACL is an important tool within the Linked Data ecosystem, allowing developers to ensure the quality and consistency of RDF data.</a:t>
-            </a:r>
-            <a:endParaRPr lang="nl-NL" sz="1600" b="0" i="0" dirty="0">
-              <a:solidFill>
-                <a:srgbClr val="0D0D0D"/>
-              </a:solidFill>
-              <a:effectLst/>
-              <a:latin typeface="Söhne"/>
-            </a:endParaRPr>
-          </a:p>
-        </p:txBody>
-      </p:sp>
-      <p:sp>
-        <p:nvSpPr>
-          <p:cNvPr id="3" name="Tijdelijke aanduiding voor inhoud 6">
-            <a:extLst>
-              <a:ext uri="{FF2B5EF4-FFF2-40B4-BE49-F238E27FC236}">
-                <a16:creationId xmlns:a16="http://schemas.microsoft.com/office/drawing/2014/main" id="{6D4D8CBC-C048-05BA-A92A-FF4531F28891}"/>
-              </a:ext>
-            </a:extLst>
-          </p:cNvPr>
-          <p:cNvSpPr txBox="1">
-            <a:spLocks/>
-          </p:cNvSpPr>
-          <p:nvPr/>
-        </p:nvSpPr>
-        <p:spPr>
-          <a:xfrm>
-            <a:off x="10084378" y="5595730"/>
-            <a:ext cx="1182175" cy="1262270"/>
-          </a:xfrm>
-          <a:prstGeom prst="rect">
-            <a:avLst/>
-          </a:prstGeom>
-        </p:spPr>
-        <p:txBody>
-          <a:bodyPr vert="horz" lIns="91440" tIns="45720" rIns="91440" bIns="45720" rtlCol="0" anchor="ctr">
-            <a:normAutofit/>
-          </a:bodyPr>
-          <a:lstStyle>
-            <a:lvl1pPr marL="344488" indent="-344488" algn="l" defTabSz="914400" rtl="0" eaLnBrk="1" latinLnBrk="0" hangingPunct="1">
-              <a:lnSpc>
-                <a:spcPct val="120000"/>
-              </a:lnSpc>
-              <a:spcBef>
-                <a:spcPts val="1000"/>
-              </a:spcBef>
-              <a:spcAft>
-                <a:spcPts val="600"/>
-              </a:spcAft>
-              <a:buClr>
-                <a:schemeClr val="accent6"/>
-              </a:buClr>
-              <a:buSzPct val="90000"/>
-              <a:buFont typeface="Wingdings" panose="05000000000000000000" pitchFamily="2" charset="2"/>
-              <a:buChar char="§"/>
-              <a:defRPr sz="2000" kern="1200">
-                <a:solidFill>
-                  <a:schemeClr val="tx1"/>
-                </a:solidFill>
-                <a:effectLst/>
-                <a:latin typeface="+mn-lt"/>
-                <a:ea typeface="+mn-ea"/>
-                <a:cs typeface="+mn-cs"/>
-              </a:defRPr>
-            </a:lvl1pPr>
-            <a:lvl2pPr marL="795338" indent="-338138" algn="l" defTabSz="914400" rtl="0" eaLnBrk="1" latinLnBrk="0" hangingPunct="1">
-              <a:lnSpc>
-                <a:spcPct val="120000"/>
-              </a:lnSpc>
-              <a:spcBef>
-                <a:spcPts val="500"/>
-              </a:spcBef>
-              <a:spcAft>
-                <a:spcPts val="600"/>
-              </a:spcAft>
-              <a:buClr>
-                <a:schemeClr val="accent6"/>
-              </a:buClr>
-              <a:buSzPct val="90000"/>
-              <a:buFont typeface="Wingdings" panose="05000000000000000000" pitchFamily="2" charset="2"/>
-              <a:buChar char="§"/>
-              <a:defRPr sz="1800" kern="1200">
-                <a:solidFill>
-                  <a:schemeClr val="tx1"/>
-                </a:solidFill>
-                <a:effectLst/>
-                <a:latin typeface="+mn-lt"/>
-                <a:ea typeface="+mn-ea"/>
-                <a:cs typeface="+mn-cs"/>
-              </a:defRPr>
-            </a:lvl2pPr>
-            <a:lvl3pPr marL="1258888" indent="-344488" algn="l" defTabSz="914400" rtl="0" eaLnBrk="1" latinLnBrk="0" hangingPunct="1">
-              <a:lnSpc>
-                <a:spcPct val="120000"/>
-              </a:lnSpc>
-              <a:spcBef>
-                <a:spcPts val="500"/>
-              </a:spcBef>
-              <a:spcAft>
-                <a:spcPts val="600"/>
-              </a:spcAft>
-              <a:buClr>
-                <a:schemeClr val="accent6"/>
-              </a:buClr>
-              <a:buSzPct val="90000"/>
-              <a:buFont typeface="Wingdings" panose="05000000000000000000" pitchFamily="2" charset="2"/>
-              <a:buChar char="§"/>
-              <a:defRPr sz="1600" kern="1200">
-                <a:solidFill>
-                  <a:schemeClr val="tx1"/>
-                </a:solidFill>
-                <a:effectLst/>
-                <a:latin typeface="+mn-lt"/>
-                <a:ea typeface="+mn-ea"/>
-                <a:cs typeface="+mn-cs"/>
-              </a:defRPr>
-            </a:lvl3pPr>
-            <a:lvl4pPr marL="1709738" indent="-338138" algn="l" defTabSz="914400" rtl="0" eaLnBrk="1" latinLnBrk="0" hangingPunct="1">
-              <a:lnSpc>
-                <a:spcPct val="120000"/>
-              </a:lnSpc>
-              <a:spcBef>
-                <a:spcPts val="500"/>
-              </a:spcBef>
-              <a:spcAft>
-                <a:spcPts val="600"/>
-              </a:spcAft>
-              <a:buClr>
-                <a:schemeClr val="accent6"/>
-              </a:buClr>
-              <a:buSzPct val="90000"/>
-              <a:buFont typeface="Wingdings" panose="05000000000000000000" pitchFamily="2" charset="2"/>
-              <a:buChar char="§"/>
-              <a:defRPr sz="1400" kern="1200">
-                <a:solidFill>
-                  <a:schemeClr val="tx1"/>
-                </a:solidFill>
-                <a:effectLst/>
-                <a:latin typeface="+mn-lt"/>
-                <a:ea typeface="+mn-ea"/>
-                <a:cs typeface="+mn-cs"/>
-              </a:defRPr>
-            </a:lvl4pPr>
-            <a:lvl5pPr marL="2173288" indent="-344488" algn="l" defTabSz="914400" rtl="0" eaLnBrk="1" latinLnBrk="0" hangingPunct="1">
-              <a:lnSpc>
-                <a:spcPct val="120000"/>
-              </a:lnSpc>
-              <a:spcBef>
-                <a:spcPts val="500"/>
-              </a:spcBef>
-              <a:spcAft>
-                <a:spcPts val="600"/>
-              </a:spcAft>
-              <a:buClr>
-                <a:schemeClr val="accent6"/>
-              </a:buClr>
-              <a:buSzPct val="90000"/>
-              <a:buFont typeface="Wingdings" panose="05000000000000000000" pitchFamily="2" charset="2"/>
-              <a:buChar char="§"/>
-              <a:defRPr sz="1200" kern="1200">
-                <a:solidFill>
-                  <a:schemeClr val="tx1"/>
-                </a:solidFill>
-                <a:effectLst/>
-                <a:latin typeface="+mn-lt"/>
-                <a:ea typeface="+mn-ea"/>
-                <a:cs typeface="+mn-cs"/>
-              </a:defRPr>
-            </a:lvl5pPr>
-            <a:lvl6pPr marL="2642616" indent="-338328" algn="l" defTabSz="914400" rtl="0" eaLnBrk="1" latinLnBrk="0" hangingPunct="1">
-              <a:lnSpc>
-                <a:spcPct val="120000"/>
-              </a:lnSpc>
-              <a:spcBef>
-                <a:spcPts val="500"/>
-              </a:spcBef>
-              <a:spcAft>
-                <a:spcPts val="600"/>
-              </a:spcAft>
-              <a:buClr>
-                <a:schemeClr val="accent6"/>
-              </a:buClr>
-              <a:buSzPct val="90000"/>
-              <a:buFont typeface="Wingdings" panose="05000000000000000000" pitchFamily="2" charset="2"/>
-              <a:buChar char="§"/>
-              <a:defRPr sz="1200" kern="1200" baseline="0">
-                <a:solidFill>
-                  <a:schemeClr val="tx1"/>
-                </a:solidFill>
-                <a:effectLst/>
-                <a:latin typeface="+mn-lt"/>
-                <a:ea typeface="+mn-ea"/>
-                <a:cs typeface="+mn-cs"/>
-              </a:defRPr>
-            </a:lvl6pPr>
-            <a:lvl7pPr marL="3108960" indent="-338328" algn="l" defTabSz="914400" rtl="0" eaLnBrk="1" latinLnBrk="0" hangingPunct="1">
-              <a:lnSpc>
-                <a:spcPct val="120000"/>
-              </a:lnSpc>
-              <a:spcBef>
-                <a:spcPts val="500"/>
-              </a:spcBef>
-              <a:spcAft>
-                <a:spcPts val="600"/>
-              </a:spcAft>
-              <a:buClr>
-                <a:schemeClr val="accent6"/>
-              </a:buClr>
-              <a:buSzPct val="90000"/>
-              <a:buFont typeface="Wingdings" panose="05000000000000000000" pitchFamily="2" charset="2"/>
-              <a:buChar char="§"/>
-              <a:defRPr sz="1200" kern="1200" baseline="0">
-                <a:solidFill>
-                  <a:schemeClr val="tx1"/>
-                </a:solidFill>
-                <a:effectLst/>
-                <a:latin typeface="+mn-lt"/>
-                <a:ea typeface="+mn-ea"/>
-                <a:cs typeface="+mn-cs"/>
-              </a:defRPr>
-            </a:lvl7pPr>
-            <a:lvl8pPr marL="3575304" indent="-338328" algn="l" defTabSz="914400" rtl="0" eaLnBrk="1" latinLnBrk="0" hangingPunct="1">
-              <a:lnSpc>
-                <a:spcPct val="120000"/>
-              </a:lnSpc>
-              <a:spcBef>
-                <a:spcPts val="500"/>
-              </a:spcBef>
-              <a:spcAft>
-                <a:spcPts val="600"/>
-              </a:spcAft>
-              <a:buClr>
-                <a:schemeClr val="accent6"/>
-              </a:buClr>
-              <a:buSzPct val="90000"/>
-              <a:buFont typeface="Wingdings" panose="05000000000000000000" pitchFamily="2" charset="2"/>
-              <a:buChar char="§"/>
-              <a:defRPr sz="1200" kern="1200" baseline="0">
-                <a:solidFill>
-                  <a:schemeClr val="tx1"/>
-                </a:solidFill>
-                <a:effectLst/>
-                <a:latin typeface="+mn-lt"/>
-                <a:ea typeface="+mn-ea"/>
-                <a:cs typeface="+mn-cs"/>
-              </a:defRPr>
-            </a:lvl8pPr>
-            <a:lvl9pPr marL="4041648" indent="-338328" algn="l" defTabSz="914400" rtl="0" eaLnBrk="1" latinLnBrk="0" hangingPunct="1">
-              <a:lnSpc>
-                <a:spcPct val="120000"/>
-              </a:lnSpc>
-              <a:spcBef>
-                <a:spcPts val="500"/>
-              </a:spcBef>
-              <a:spcAft>
-                <a:spcPts val="600"/>
-              </a:spcAft>
-              <a:buClr>
-                <a:schemeClr val="accent6"/>
-              </a:buClr>
-              <a:buSzPct val="90000"/>
-              <a:buFont typeface="Wingdings" panose="05000000000000000000" pitchFamily="2" charset="2"/>
-              <a:buChar char="§"/>
-              <a:defRPr sz="1200" kern="1200" baseline="0">
-                <a:solidFill>
-                  <a:schemeClr val="tx1"/>
-                </a:solidFill>
-                <a:effectLst/>
-                <a:latin typeface="+mn-lt"/>
-                <a:ea typeface="+mn-ea"/>
-                <a:cs typeface="+mn-cs"/>
-              </a:defRPr>
-            </a:lvl9pPr>
-          </a:lstStyle>
-          <a:p>
-            <a:pPr marL="0" indent="0">
-              <a:buNone/>
-            </a:pPr>
-            <a:r>
-              <a:rPr lang="nl-NL" dirty="0" err="1">
-                <a:latin typeface="Söhne"/>
-              </a:rPr>
-              <a:t>chatgpt</a:t>
-            </a:r>
-            <a:endParaRPr lang="nl-NL" dirty="0">
-              <a:latin typeface="Söhne"/>
-            </a:endParaRPr>
-          </a:p>
-          <a:p>
-            <a:endParaRPr lang="nl-NL" dirty="0"/>
-          </a:p>
-        </p:txBody>
-      </p:sp>
-    </p:spTree>
-    <p:extLst>
-      <p:ext uri="{BB962C8B-B14F-4D97-AF65-F5344CB8AC3E}">
-        <p14:creationId xmlns:p14="http://schemas.microsoft.com/office/powerpoint/2010/main" val="1133550296"/>
       </p:ext>
     </p:extLst>
   </p:cSld>
@@ -41963,15 +43599,6 @@
 </file>
 
 <file path=customXml/item1.xml><?xml version="1.0" encoding="utf-8"?>
-<?mso-contentType ?>
-<FormTemplates xmlns="http://schemas.microsoft.com/sharepoint/v3/contenttype/forms">
-  <Display>DocumentLibraryForm</Display>
-  <Edit>DocumentLibraryForm</Edit>
-  <New>DocumentLibraryForm</New>
-</FormTemplates>
-</file>
-
-<file path=customXml/item2.xml><?xml version="1.0" encoding="utf-8"?>
 <p:properties xmlns:p="http://schemas.microsoft.com/office/2006/metadata/properties" xmlns:xsi="http://www.w3.org/2001/XMLSchema-instance" xmlns:pc="http://schemas.microsoft.com/office/infopath/2007/PartnerControls">
   <documentManagement>
     <ReadOnly xmlns="5c6a04a9-8c4d-4399-97dd-b411ea78cc7c">false</ReadOnly>
@@ -41988,6 +43615,15 @@
     </lcf76f155ced4ddcb4097134ff3c332f>
   </documentManagement>
 </p:properties>
+</file>
+
+<file path=customXml/item2.xml><?xml version="1.0" encoding="utf-8"?>
+<?mso-contentType ?>
+<FormTemplates xmlns="http://schemas.microsoft.com/sharepoint/v3/contenttype/forms">
+  <Display>DocumentLibraryForm</Display>
+  <Edit>DocumentLibraryForm</Edit>
+  <New>DocumentLibraryForm</New>
+</FormTemplates>
 </file>
 
 <file path=customXml/item3.xml><?xml version="1.0" encoding="utf-8"?>
@@ -42247,14 +43883,6 @@
 </file>
 
 <file path=customXml/itemProps1.xml><?xml version="1.0" encoding="utf-8"?>
-<ds:datastoreItem xmlns:ds="http://schemas.openxmlformats.org/officeDocument/2006/customXml" ds:itemID="{0C279383-6E65-4028-B14D-62ED5E7037D7}">
-  <ds:schemaRefs>
-    <ds:schemaRef ds:uri="http://schemas.microsoft.com/sharepoint/v3/contenttype/forms"/>
-  </ds:schemaRefs>
-</ds:datastoreItem>
-</file>
-
-<file path=customXml/itemProps2.xml><?xml version="1.0" encoding="utf-8"?>
 <ds:datastoreItem xmlns:ds="http://schemas.openxmlformats.org/officeDocument/2006/customXml" ds:itemID="{3FB18EE9-AA7F-42D2-A25D-958F91A46A94}">
   <ds:schemaRefs>
     <ds:schemaRef ds:uri="http://purl.org/dc/elements/1.1/"/>
@@ -42268,6 +43896,14 @@
     <ds:schemaRef ds:uri="5c6a04a9-8c4d-4399-97dd-b411ea78cc7c"/>
     <ds:schemaRef ds:uri="http://www.w3.org/XML/1998/namespace"/>
     <ds:schemaRef ds:uri="http://purl.org/dc/dcmitype/"/>
+  </ds:schemaRefs>
+</ds:datastoreItem>
+</file>
+
+<file path=customXml/itemProps2.xml><?xml version="1.0" encoding="utf-8"?>
+<ds:datastoreItem xmlns:ds="http://schemas.openxmlformats.org/officeDocument/2006/customXml" ds:itemID="{0C279383-6E65-4028-B14D-62ED5E7037D7}">
+  <ds:schemaRefs>
+    <ds:schemaRef ds:uri="http://schemas.microsoft.com/sharepoint/v3/contenttype/forms"/>
   </ds:schemaRefs>
 </ds:datastoreItem>
 </file>
